--- a/PRISM_경준.pptx
+++ b/PRISM_경준.pptx
@@ -19,15 +19,15 @@
     <p:sldId id="304" r:id="rId13"/>
     <p:sldId id="303" r:id="rId14"/>
     <p:sldId id="289" r:id="rId15"/>
-    <p:sldId id="284" r:id="rId16"/>
-    <p:sldId id="285" r:id="rId17"/>
-    <p:sldId id="286" r:id="rId18"/>
-    <p:sldId id="287" r:id="rId19"/>
-    <p:sldId id="291" r:id="rId20"/>
-    <p:sldId id="288" r:id="rId21"/>
+    <p:sldId id="305" r:id="rId16"/>
+    <p:sldId id="284" r:id="rId17"/>
+    <p:sldId id="285" r:id="rId18"/>
+    <p:sldId id="291" r:id="rId19"/>
+    <p:sldId id="288" r:id="rId20"/>
+    <p:sldId id="293" r:id="rId21"/>
     <p:sldId id="292" r:id="rId22"/>
-    <p:sldId id="293" r:id="rId23"/>
-    <p:sldId id="294" r:id="rId24"/>
+    <p:sldId id="306" r:id="rId23"/>
+    <p:sldId id="307" r:id="rId24"/>
     <p:sldId id="295" r:id="rId25"/>
     <p:sldId id="280" r:id="rId26"/>
   </p:sldIdLst>
@@ -408,7 +408,7 @@
           <a:p>
             <a:fld id="{A5796949-F536-47E5-83D3-359ECBD6D674}" type="datetimeFigureOut">
               <a:rPr lang="ko-KR" altLang="en-US" smtClean="0"/>
-              <a:t>2017-03-28</a:t>
+              <a:t>2017-03-29</a:t>
             </a:fld>
             <a:endParaRPr lang="ko-KR" altLang="en-US"/>
           </a:p>
@@ -604,7 +604,7 @@
           <a:p>
             <a:fld id="{A5796949-F536-47E5-83D3-359ECBD6D674}" type="datetimeFigureOut">
               <a:rPr lang="ko-KR" altLang="en-US" smtClean="0"/>
-              <a:t>2017-03-28</a:t>
+              <a:t>2017-03-29</a:t>
             </a:fld>
             <a:endParaRPr lang="ko-KR" altLang="en-US"/>
           </a:p>
@@ -1000,7 +1000,7 @@
           <a:p>
             <a:fld id="{A5796949-F536-47E5-83D3-359ECBD6D674}" type="datetimeFigureOut">
               <a:rPr lang="ko-KR" altLang="en-US" smtClean="0"/>
-              <a:t>2017-03-28</a:t>
+              <a:t>2017-03-29</a:t>
             </a:fld>
             <a:endParaRPr lang="ko-KR" altLang="en-US"/>
           </a:p>
@@ -1248,7 +1248,7 @@
           <a:p>
             <a:fld id="{A5796949-F536-47E5-83D3-359ECBD6D674}" type="datetimeFigureOut">
               <a:rPr lang="ko-KR" altLang="en-US" smtClean="0"/>
-              <a:t>2017-03-28</a:t>
+              <a:t>2017-03-29</a:t>
             </a:fld>
             <a:endParaRPr lang="ko-KR" altLang="en-US"/>
           </a:p>
@@ -1631,7 +1631,7 @@
           <a:p>
             <a:fld id="{A5796949-F536-47E5-83D3-359ECBD6D674}" type="datetimeFigureOut">
               <a:rPr lang="ko-KR" altLang="en-US" smtClean="0"/>
-              <a:t>2017-03-28</a:t>
+              <a:t>2017-03-29</a:t>
             </a:fld>
             <a:endParaRPr lang="ko-KR" altLang="en-US"/>
           </a:p>
@@ -1765,7 +1765,7 @@
           <a:p>
             <a:fld id="{A5796949-F536-47E5-83D3-359ECBD6D674}" type="datetimeFigureOut">
               <a:rPr lang="ko-KR" altLang="en-US" smtClean="0"/>
-              <a:t>2017-03-28</a:t>
+              <a:t>2017-03-29</a:t>
             </a:fld>
             <a:endParaRPr lang="ko-KR" altLang="en-US"/>
           </a:p>
@@ -2112,7 +2112,7 @@
           <a:p>
             <a:fld id="{A5796949-F536-47E5-83D3-359ECBD6D674}" type="datetimeFigureOut">
               <a:rPr lang="ko-KR" altLang="en-US" smtClean="0"/>
-              <a:t>2017-03-28</a:t>
+              <a:t>2017-03-29</a:t>
             </a:fld>
             <a:endParaRPr lang="ko-KR" altLang="en-US"/>
           </a:p>
@@ -2381,7 +2381,7 @@
           <a:p>
             <a:fld id="{A5796949-F536-47E5-83D3-359ECBD6D674}" type="datetimeFigureOut">
               <a:rPr lang="ko-KR" altLang="en-US" smtClean="0"/>
-              <a:t>2017-03-28</a:t>
+              <a:t>2017-03-29</a:t>
             </a:fld>
             <a:endParaRPr lang="ko-KR" altLang="en-US"/>
           </a:p>
@@ -3207,7 +3207,7 @@
                 <a:ea typeface="함초롬돋움" panose="020B0604000101010101" pitchFamily="50" charset="-127"/>
                 <a:cs typeface="함초롬돋움" panose="020B0604000101010101" pitchFamily="50" charset="-127"/>
               </a:rPr>
-              <a:t>INotifyPropertyChanged</a:t>
+              <a:t>ViewModel</a:t>
             </a:r>
             <a:r>
               <a:rPr lang="ko-KR" altLang="en-US" dirty="0" smtClean="0">
@@ -3215,7 +3215,87 @@
                 <a:ea typeface="함초롬돋움" panose="020B0604000101010101" pitchFamily="50" charset="-127"/>
                 <a:cs typeface="함초롬돋움" panose="020B0604000101010101" pitchFamily="50" charset="-127"/>
               </a:rPr>
-              <a:t>를 구현한 클래스</a:t>
+              <a:t>이나 </a:t>
+            </a:r>
+            <a:r>
+              <a:rPr lang="en-US" altLang="ko-KR" dirty="0" smtClean="0">
+                <a:latin typeface="함초롬돋움" panose="020B0604000101010101" pitchFamily="50" charset="-127"/>
+                <a:ea typeface="함초롬돋움" panose="020B0604000101010101" pitchFamily="50" charset="-127"/>
+                <a:cs typeface="함초롬돋움" panose="020B0604000101010101" pitchFamily="50" charset="-127"/>
+              </a:rPr>
+              <a:t>Model</a:t>
+            </a:r>
+            <a:r>
+              <a:rPr lang="ko-KR" altLang="en-US" dirty="0" smtClean="0">
+                <a:latin typeface="함초롬돋움" panose="020B0604000101010101" pitchFamily="50" charset="-127"/>
+                <a:ea typeface="함초롬돋움" panose="020B0604000101010101" pitchFamily="50" charset="-127"/>
+                <a:cs typeface="함초롬돋움" panose="020B0604000101010101" pitchFamily="50" charset="-127"/>
+              </a:rPr>
+              <a:t>이 데이터가 변경 될 때 </a:t>
+            </a:r>
+            <a:r>
+              <a:rPr lang="en-US" altLang="ko-KR" dirty="0" smtClean="0">
+                <a:latin typeface="함초롬돋움" panose="020B0604000101010101" pitchFamily="50" charset="-127"/>
+                <a:ea typeface="함초롬돋움" panose="020B0604000101010101" pitchFamily="50" charset="-127"/>
+                <a:cs typeface="함초롬돋움" panose="020B0604000101010101" pitchFamily="50" charset="-127"/>
+              </a:rPr>
+              <a:t>View</a:t>
+            </a:r>
+            <a:r>
+              <a:rPr lang="ko-KR" altLang="en-US" dirty="0" smtClean="0">
+                <a:latin typeface="함초롬돋움" panose="020B0604000101010101" pitchFamily="50" charset="-127"/>
+                <a:ea typeface="함초롬돋움" panose="020B0604000101010101" pitchFamily="50" charset="-127"/>
+                <a:cs typeface="함초롬돋움" panose="020B0604000101010101" pitchFamily="50" charset="-127"/>
+              </a:rPr>
+              <a:t>에서</a:t>
+            </a:r>
+            <a:r>
+              <a:rPr lang="en-US" altLang="ko-KR" dirty="0">
+                <a:latin typeface="함초롬돋움" panose="020B0604000101010101" pitchFamily="50" charset="-127"/>
+                <a:ea typeface="함초롬돋움" panose="020B0604000101010101" pitchFamily="50" charset="-127"/>
+                <a:cs typeface="함초롬돋움" panose="020B0604000101010101" pitchFamily="50" charset="-127"/>
+              </a:rPr>
+              <a:t> </a:t>
+            </a:r>
+            <a:r>
+              <a:rPr lang="ko-KR" altLang="en-US" dirty="0" smtClean="0">
+                <a:latin typeface="함초롬돋움" panose="020B0604000101010101" pitchFamily="50" charset="-127"/>
+                <a:ea typeface="함초롬돋움" panose="020B0604000101010101" pitchFamily="50" charset="-127"/>
+                <a:cs typeface="함초롬돋움" panose="020B0604000101010101" pitchFamily="50" charset="-127"/>
+              </a:rPr>
+              <a:t>데이터 바인딩 된 컨트롤에 </a:t>
+            </a:r>
+            <a:r>
+              <a:rPr lang="en-US" altLang="ko-KR" dirty="0" smtClean="0">
+                <a:latin typeface="함초롬돋움" panose="020B0604000101010101" pitchFamily="50" charset="-127"/>
+                <a:ea typeface="함초롬돋움" panose="020B0604000101010101" pitchFamily="50" charset="-127"/>
+                <a:cs typeface="함초롬돋움" panose="020B0604000101010101" pitchFamily="50" charset="-127"/>
+              </a:rPr>
+              <a:t>Property</a:t>
+            </a:r>
+            <a:r>
+              <a:rPr lang="ko-KR" altLang="en-US" dirty="0" smtClean="0">
+                <a:latin typeface="함초롬돋움" panose="020B0604000101010101" pitchFamily="50" charset="-127"/>
+                <a:ea typeface="함초롬돋움" panose="020B0604000101010101" pitchFamily="50" charset="-127"/>
+                <a:cs typeface="함초롬돋움" panose="020B0604000101010101" pitchFamily="50" charset="-127"/>
+              </a:rPr>
+              <a:t> 변경을 </a:t>
+            </a:r>
+            <a:r>
+              <a:rPr lang="en-US" altLang="ko-KR" dirty="0" err="1" smtClean="0">
+                <a:latin typeface="함초롬돋움" panose="020B0604000101010101" pitchFamily="50" charset="-127"/>
+                <a:ea typeface="함초롬돋움" panose="020B0604000101010101" pitchFamily="50" charset="-127"/>
+                <a:cs typeface="함초롬돋움" panose="020B0604000101010101" pitchFamily="50" charset="-127"/>
+              </a:rPr>
+              <a:t>SetProperty</a:t>
+            </a:r>
+            <a:r>
+              <a:rPr lang="ko-KR" altLang="en-US" dirty="0" smtClean="0">
+                <a:latin typeface="함초롬돋움" panose="020B0604000101010101" pitchFamily="50" charset="-127"/>
+                <a:ea typeface="함초롬돋움" panose="020B0604000101010101" pitchFamily="50" charset="-127"/>
+                <a:cs typeface="함초롬돋움" panose="020B0604000101010101" pitchFamily="50" charset="-127"/>
+              </a:rPr>
+              <a:t>메서드를 통해 알림</a:t>
             </a:r>
             <a:endParaRPr lang="en-US" altLang="ko-KR" dirty="0" smtClean="0">
               <a:latin typeface="함초롬돋움" panose="020B0604000101010101" pitchFamily="50" charset="-127"/>
@@ -3241,210 +3321,56 @@
               <a:cs typeface="함초롬돋움" panose="020B0604000101010101" pitchFamily="50" charset="-127"/>
             </a:endParaRPr>
           </a:p>
-          <a:p>
-            <a:pPr eaLnBrk="0" fontAlgn="base" latinLnBrk="0" hangingPunct="0">
-              <a:lnSpc>
-                <a:spcPct val="100000"/>
-              </a:lnSpc>
-              <a:spcBef>
-                <a:spcPct val="0"/>
-              </a:spcBef>
-              <a:spcAft>
-                <a:spcPct val="0"/>
-              </a:spcAft>
-            </a:pPr>
-            <a:r>
-              <a:rPr lang="en-US" altLang="ko-KR" dirty="0" err="1" smtClean="0">
-                <a:latin typeface="함초롬돋움" panose="020B0604000101010101" pitchFamily="50" charset="-127"/>
-                <a:ea typeface="함초롬돋움" panose="020B0604000101010101" pitchFamily="50" charset="-127"/>
-                <a:cs typeface="함초롬돋움" panose="020B0604000101010101" pitchFamily="50" charset="-127"/>
-              </a:rPr>
-              <a:t>ViewModel</a:t>
-            </a:r>
-            <a:r>
-              <a:rPr lang="ko-KR" altLang="en-US" dirty="0" smtClean="0">
-                <a:latin typeface="함초롬돋움" panose="020B0604000101010101" pitchFamily="50" charset="-127"/>
-                <a:ea typeface="함초롬돋움" panose="020B0604000101010101" pitchFamily="50" charset="-127"/>
-                <a:cs typeface="함초롬돋움" panose="020B0604000101010101" pitchFamily="50" charset="-127"/>
-              </a:rPr>
-              <a:t>에서 </a:t>
-            </a:r>
-            <a:r>
-              <a:rPr lang="en-US" altLang="ko-KR" dirty="0" err="1" smtClean="0">
-                <a:latin typeface="함초롬돋움" panose="020B0604000101010101" pitchFamily="50" charset="-127"/>
-                <a:ea typeface="함초롬돋움" panose="020B0604000101010101" pitchFamily="50" charset="-127"/>
-                <a:cs typeface="함초롬돋움" panose="020B0604000101010101" pitchFamily="50" charset="-127"/>
-              </a:rPr>
-              <a:t>INotifyPropertyChanged</a:t>
-            </a:r>
-            <a:r>
-              <a:rPr lang="ko-KR" altLang="en-US" dirty="0" smtClean="0">
-                <a:latin typeface="함초롬돋움" panose="020B0604000101010101" pitchFamily="50" charset="-127"/>
-                <a:ea typeface="함초롬돋움" panose="020B0604000101010101" pitchFamily="50" charset="-127"/>
-                <a:cs typeface="함초롬돋움" panose="020B0604000101010101" pitchFamily="50" charset="-127"/>
-              </a:rPr>
-              <a:t>를 </a:t>
-            </a:r>
-            <a:r>
-              <a:rPr lang="ko-KR" altLang="en-US" dirty="0" err="1" smtClean="0">
-                <a:latin typeface="함초롬돋움" panose="020B0604000101010101" pitchFamily="50" charset="-127"/>
-                <a:ea typeface="함초롬돋움" panose="020B0604000101010101" pitchFamily="50" charset="-127"/>
-                <a:cs typeface="함초롬돋움" panose="020B0604000101010101" pitchFamily="50" charset="-127"/>
-              </a:rPr>
-              <a:t>구현시</a:t>
-            </a:r>
-            <a:r>
-              <a:rPr lang="ko-KR" altLang="en-US" dirty="0" smtClean="0">
-                <a:latin typeface="함초롬돋움" panose="020B0604000101010101" pitchFamily="50" charset="-127"/>
-                <a:ea typeface="함초롬돋움" panose="020B0604000101010101" pitchFamily="50" charset="-127"/>
-                <a:cs typeface="함초롬돋움" panose="020B0604000101010101" pitchFamily="50" charset="-127"/>
-              </a:rPr>
-              <a:t> </a:t>
-            </a:r>
-            <a:r>
-              <a:rPr lang="en-US" altLang="ko-KR" dirty="0" smtClean="0">
-                <a:latin typeface="함초롬돋움" panose="020B0604000101010101" pitchFamily="50" charset="-127"/>
-                <a:ea typeface="함초롬돋움" panose="020B0604000101010101" pitchFamily="50" charset="-127"/>
-                <a:cs typeface="함초롬돋움" panose="020B0604000101010101" pitchFamily="50" charset="-127"/>
-              </a:rPr>
-              <a:t>property </a:t>
-            </a:r>
-            <a:r>
-              <a:rPr lang="ko-KR" altLang="en-US" dirty="0" smtClean="0">
-                <a:latin typeface="함초롬돋움" panose="020B0604000101010101" pitchFamily="50" charset="-127"/>
-                <a:ea typeface="함초롬돋움" panose="020B0604000101010101" pitchFamily="50" charset="-127"/>
-                <a:cs typeface="함초롬돋움" panose="020B0604000101010101" pitchFamily="50" charset="-127"/>
-              </a:rPr>
-              <a:t>이름을 이벤트 인자로 지정</a:t>
-            </a:r>
-            <a:endParaRPr lang="en-US" altLang="ko-KR" dirty="0" smtClean="0">
-              <a:latin typeface="함초롬돋움" panose="020B0604000101010101" pitchFamily="50" charset="-127"/>
-              <a:ea typeface="함초롬돋움" panose="020B0604000101010101" pitchFamily="50" charset="-127"/>
-              <a:cs typeface="함초롬돋움" panose="020B0604000101010101" pitchFamily="50" charset="-127"/>
-            </a:endParaRPr>
-          </a:p>
-          <a:p>
-            <a:pPr eaLnBrk="0" fontAlgn="base" latinLnBrk="0" hangingPunct="0">
-              <a:lnSpc>
-                <a:spcPct val="100000"/>
-              </a:lnSpc>
-              <a:spcBef>
-                <a:spcPct val="0"/>
-              </a:spcBef>
-              <a:spcAft>
-                <a:spcPct val="0"/>
-              </a:spcAft>
-            </a:pPr>
-            <a:endParaRPr lang="en-US" altLang="ko-KR" dirty="0">
-              <a:latin typeface="함초롬돋움" panose="020B0604000101010101" pitchFamily="50" charset="-127"/>
-              <a:ea typeface="함초롬돋움" panose="020B0604000101010101" pitchFamily="50" charset="-127"/>
-              <a:cs typeface="함초롬돋움" panose="020B0604000101010101" pitchFamily="50" charset="-127"/>
-            </a:endParaRPr>
-          </a:p>
-          <a:p>
-            <a:pPr eaLnBrk="0" fontAlgn="base" latinLnBrk="0" hangingPunct="0">
-              <a:lnSpc>
-                <a:spcPct val="100000"/>
-              </a:lnSpc>
-              <a:spcBef>
-                <a:spcPct val="0"/>
-              </a:spcBef>
-              <a:spcAft>
-                <a:spcPct val="0"/>
-              </a:spcAft>
-            </a:pPr>
-            <a:r>
-              <a:rPr lang="ko-KR" altLang="en-US" dirty="0" smtClean="0">
-                <a:latin typeface="함초롬돋움" panose="020B0604000101010101" pitchFamily="50" charset="-127"/>
-                <a:ea typeface="함초롬돋움" panose="020B0604000101010101" pitchFamily="50" charset="-127"/>
-                <a:cs typeface="함초롬돋움" panose="020B0604000101010101" pitchFamily="50" charset="-127"/>
-              </a:rPr>
-              <a:t>이에 따른 반복적인 코드 작성과 오류가 발생 가능</a:t>
-            </a:r>
-            <a:endParaRPr lang="en-US" altLang="ko-KR" dirty="0" smtClean="0">
-              <a:latin typeface="함초롬돋움" panose="020B0604000101010101" pitchFamily="50" charset="-127"/>
-              <a:ea typeface="함초롬돋움" panose="020B0604000101010101" pitchFamily="50" charset="-127"/>
-              <a:cs typeface="함초롬돋움" panose="020B0604000101010101" pitchFamily="50" charset="-127"/>
-            </a:endParaRPr>
-          </a:p>
-          <a:p>
-            <a:pPr eaLnBrk="0" fontAlgn="base" latinLnBrk="0" hangingPunct="0">
-              <a:lnSpc>
-                <a:spcPct val="100000"/>
-              </a:lnSpc>
-              <a:spcBef>
-                <a:spcPct val="0"/>
-              </a:spcBef>
-              <a:spcAft>
-                <a:spcPct val="0"/>
-              </a:spcAft>
-            </a:pPr>
-            <a:endParaRPr lang="en-US" altLang="ko-KR" dirty="0">
-              <a:latin typeface="함초롬돋움" panose="020B0604000101010101" pitchFamily="50" charset="-127"/>
-              <a:ea typeface="함초롬돋움" panose="020B0604000101010101" pitchFamily="50" charset="-127"/>
-              <a:cs typeface="함초롬돋움" panose="020B0604000101010101" pitchFamily="50" charset="-127"/>
-            </a:endParaRPr>
-          </a:p>
-          <a:p>
-            <a:pPr eaLnBrk="0" fontAlgn="base" latinLnBrk="0" hangingPunct="0">
-              <a:lnSpc>
-                <a:spcPct val="100000"/>
-              </a:lnSpc>
-              <a:spcBef>
-                <a:spcPct val="0"/>
-              </a:spcBef>
-              <a:spcAft>
-                <a:spcPct val="0"/>
-              </a:spcAft>
-            </a:pPr>
-            <a:r>
-              <a:rPr lang="ko-KR" altLang="en-US" dirty="0" smtClean="0">
-                <a:latin typeface="함초롬돋움" panose="020B0604000101010101" pitchFamily="50" charset="-127"/>
-                <a:ea typeface="함초롬돋움" panose="020B0604000101010101" pitchFamily="50" charset="-127"/>
-                <a:cs typeface="함초롬돋움" panose="020B0604000101010101" pitchFamily="50" charset="-127"/>
-              </a:rPr>
-              <a:t>하지만 </a:t>
-            </a:r>
-            <a:r>
-              <a:rPr lang="en-US" altLang="ko-KR" dirty="0" err="1" smtClean="0">
-                <a:latin typeface="함초롬돋움" panose="020B0604000101010101" pitchFamily="50" charset="-127"/>
-                <a:ea typeface="함초롬돋움" panose="020B0604000101010101" pitchFamily="50" charset="-127"/>
-                <a:cs typeface="함초롬돋움" panose="020B0604000101010101" pitchFamily="50" charset="-127"/>
-              </a:rPr>
-              <a:t>BindableBase</a:t>
-            </a:r>
-            <a:r>
-              <a:rPr lang="ko-KR" altLang="en-US" dirty="0" smtClean="0">
-                <a:latin typeface="함초롬돋움" panose="020B0604000101010101" pitchFamily="50" charset="-127"/>
-                <a:ea typeface="함초롬돋움" panose="020B0604000101010101" pitchFamily="50" charset="-127"/>
-                <a:cs typeface="함초롬돋움" panose="020B0604000101010101" pitchFamily="50" charset="-127"/>
-              </a:rPr>
-              <a:t>를 </a:t>
-            </a:r>
-            <a:r>
-              <a:rPr lang="en-US" altLang="ko-KR" dirty="0" err="1" smtClean="0">
-                <a:latin typeface="함초롬돋움" panose="020B0604000101010101" pitchFamily="50" charset="-127"/>
-                <a:ea typeface="함초롬돋움" panose="020B0604000101010101" pitchFamily="50" charset="-127"/>
-                <a:cs typeface="함초롬돋움" panose="020B0604000101010101" pitchFamily="50" charset="-127"/>
-              </a:rPr>
-              <a:t>ViewModel</a:t>
-            </a:r>
-            <a:r>
-              <a:rPr lang="ko-KR" altLang="en-US" dirty="0" smtClean="0">
-                <a:latin typeface="함초롬돋움" panose="020B0604000101010101" pitchFamily="50" charset="-127"/>
-                <a:ea typeface="함초롬돋움" panose="020B0604000101010101" pitchFamily="50" charset="-127"/>
-                <a:cs typeface="함초롬돋움" panose="020B0604000101010101" pitchFamily="50" charset="-127"/>
-              </a:rPr>
-              <a:t>에 상속을 하여 오류와 반복적인 코드 작성을 최소화함</a:t>
-            </a:r>
-            <a:endParaRPr lang="en-US" altLang="ko-KR" dirty="0">
-              <a:latin typeface="함초롬돋움" panose="020B0604000101010101" pitchFamily="50" charset="-127"/>
-              <a:ea typeface="함초롬돋움" panose="020B0604000101010101" pitchFamily="50" charset="-127"/>
-              <a:cs typeface="함초롬돋움" panose="020B0604000101010101" pitchFamily="50" charset="-127"/>
-            </a:endParaRPr>
-          </a:p>
-        </p:txBody>
-      </p:sp>
+        </p:txBody>
+      </p:sp>
+      <p:pic>
+        <p:nvPicPr>
+          <p:cNvPr id="2" name="그림 1"/>
+          <p:cNvPicPr>
+            <a:picLocks noChangeAspect="1"/>
+          </p:cNvPicPr>
+          <p:nvPr/>
+        </p:nvPicPr>
+        <p:blipFill>
+          <a:blip r:embed="rId2"/>
+          <a:stretch>
+            <a:fillRect/>
+          </a:stretch>
+        </p:blipFill>
+        <p:spPr>
+          <a:xfrm>
+            <a:off x="1139408" y="4098175"/>
+            <a:ext cx="4759294" cy="1339440"/>
+          </a:xfrm>
+          <a:prstGeom prst="rect">
+            <a:avLst/>
+          </a:prstGeom>
+        </p:spPr>
+      </p:pic>
+      <p:pic>
+        <p:nvPicPr>
+          <p:cNvPr id="3" name="그림 2"/>
+          <p:cNvPicPr>
+            <a:picLocks noChangeAspect="1"/>
+          </p:cNvPicPr>
+          <p:nvPr/>
+        </p:nvPicPr>
+        <p:blipFill>
+          <a:blip r:embed="rId3"/>
+          <a:stretch>
+            <a:fillRect/>
+          </a:stretch>
+        </p:blipFill>
+        <p:spPr>
+          <a:xfrm>
+            <a:off x="6721001" y="3416531"/>
+            <a:ext cx="3522022" cy="2702728"/>
+          </a:xfrm>
+          <a:prstGeom prst="rect">
+            <a:avLst/>
+          </a:prstGeom>
+        </p:spPr>
+      </p:pic>
     </p:spTree>
     <p:extLst>
       <p:ext uri="{BB962C8B-B14F-4D97-AF65-F5344CB8AC3E}">
@@ -3568,20 +3494,36 @@
               </a:spcAft>
             </a:pPr>
             <a:r>
-              <a:rPr lang="en-US" altLang="ko-KR" dirty="0" err="1" smtClean="0">
-                <a:latin typeface="함초롬돋움" panose="020B0604000101010101" pitchFamily="50" charset="-127"/>
-                <a:ea typeface="함초롬돋움" panose="020B0604000101010101" pitchFamily="50" charset="-127"/>
-                <a:cs typeface="함초롬돋움" panose="020B0604000101010101" pitchFamily="50" charset="-127"/>
-              </a:rPr>
-              <a:t>INotifyCollectionChanged</a:t>
-            </a:r>
-            <a:r>
               <a:rPr lang="ko-KR" altLang="en-US" dirty="0" smtClean="0">
                 <a:latin typeface="함초롬돋움" panose="020B0604000101010101" pitchFamily="50" charset="-127"/>
                 <a:ea typeface="함초롬돋움" panose="020B0604000101010101" pitchFamily="50" charset="-127"/>
                 <a:cs typeface="함초롬돋움" panose="020B0604000101010101" pitchFamily="50" charset="-127"/>
               </a:rPr>
-              <a:t>를 구현한 클래스</a:t>
+              <a:t>컬렉션이 </a:t>
+            </a:r>
+            <a:r>
+              <a:rPr lang="ko-KR" altLang="en-US" dirty="0" err="1" smtClean="0">
+                <a:latin typeface="함초롬돋움" panose="020B0604000101010101" pitchFamily="50" charset="-127"/>
+                <a:ea typeface="함초롬돋움" panose="020B0604000101010101" pitchFamily="50" charset="-127"/>
+                <a:cs typeface="함초롬돋움" panose="020B0604000101010101" pitchFamily="50" charset="-127"/>
+              </a:rPr>
+              <a:t>필터링</a:t>
+            </a:r>
+            <a:r>
+              <a:rPr lang="en-US" altLang="ko-KR" dirty="0" smtClean="0">
+                <a:latin typeface="함초롬돋움" panose="020B0604000101010101" pitchFamily="50" charset="-127"/>
+                <a:ea typeface="함초롬돋움" panose="020B0604000101010101" pitchFamily="50" charset="-127"/>
+                <a:cs typeface="함초롬돋움" panose="020B0604000101010101" pitchFamily="50" charset="-127"/>
+              </a:rPr>
+              <a:t>, </a:t>
+            </a:r>
+            <a:r>
+              <a:rPr lang="ko-KR" altLang="en-US" dirty="0" smtClean="0">
+                <a:latin typeface="함초롬돋움" panose="020B0604000101010101" pitchFamily="50" charset="-127"/>
+                <a:ea typeface="함초롬돋움" panose="020B0604000101010101" pitchFamily="50" charset="-127"/>
+                <a:cs typeface="함초롬돋움" panose="020B0604000101010101" pitchFamily="50" charset="-127"/>
+              </a:rPr>
+              <a:t>정렬 또는 그룹화 할 수 있게 학</a:t>
             </a:r>
             <a:endParaRPr lang="en-US" altLang="ko-KR" dirty="0" smtClean="0">
               <a:latin typeface="함초롬돋움" panose="020B0604000101010101" pitchFamily="50" charset="-127"/>
@@ -3589,235 +3531,8 @@
               <a:cs typeface="함초롬돋움" panose="020B0604000101010101" pitchFamily="50" charset="-127"/>
             </a:endParaRPr>
           </a:p>
-          <a:p>
-            <a:pPr eaLnBrk="0" fontAlgn="base" latinLnBrk="0" hangingPunct="0">
-              <a:lnSpc>
-                <a:spcPct val="100000"/>
-              </a:lnSpc>
-              <a:spcBef>
-                <a:spcPct val="0"/>
-              </a:spcBef>
-              <a:spcAft>
-                <a:spcPct val="0"/>
-              </a:spcAft>
-            </a:pPr>
-            <a:endParaRPr lang="en-US" altLang="ko-KR" dirty="0" smtClean="0">
-              <a:latin typeface="함초롬돋움" panose="020B0604000101010101" pitchFamily="50" charset="-127"/>
-              <a:ea typeface="함초롬돋움" panose="020B0604000101010101" pitchFamily="50" charset="-127"/>
-              <a:cs typeface="함초롬돋움" panose="020B0604000101010101" pitchFamily="50" charset="-127"/>
-            </a:endParaRPr>
-          </a:p>
-          <a:p>
-            <a:pPr eaLnBrk="0" fontAlgn="base" latinLnBrk="0" hangingPunct="0">
-              <a:lnSpc>
-                <a:spcPct val="100000"/>
-              </a:lnSpc>
-              <a:spcBef>
-                <a:spcPct val="0"/>
-              </a:spcBef>
-              <a:spcAft>
-                <a:spcPct val="0"/>
-              </a:spcAft>
-            </a:pPr>
-            <a:r>
-              <a:rPr lang="en-US" altLang="ko-KR" dirty="0" err="1" smtClean="0">
-                <a:latin typeface="함초롬돋움" panose="020B0604000101010101" pitchFamily="50" charset="-127"/>
-                <a:ea typeface="함초롬돋움" panose="020B0604000101010101" pitchFamily="50" charset="-127"/>
-                <a:cs typeface="함초롬돋움" panose="020B0604000101010101" pitchFamily="50" charset="-127"/>
-              </a:rPr>
-              <a:t>ListView</a:t>
-            </a:r>
-            <a:r>
-              <a:rPr lang="en-US" altLang="ko-KR" dirty="0">
-                <a:latin typeface="함초롬돋움" panose="020B0604000101010101" pitchFamily="50" charset="-127"/>
-                <a:ea typeface="함초롬돋움" panose="020B0604000101010101" pitchFamily="50" charset="-127"/>
-                <a:cs typeface="함초롬돋움" panose="020B0604000101010101" pitchFamily="50" charset="-127"/>
-              </a:rPr>
-              <a:t>,</a:t>
-            </a:r>
-            <a:r>
-              <a:rPr lang="ko-KR" altLang="en-US" dirty="0" smtClean="0">
-                <a:latin typeface="함초롬돋움" panose="020B0604000101010101" pitchFamily="50" charset="-127"/>
-                <a:ea typeface="함초롬돋움" panose="020B0604000101010101" pitchFamily="50" charset="-127"/>
-                <a:cs typeface="함초롬돋움" panose="020B0604000101010101" pitchFamily="50" charset="-127"/>
-              </a:rPr>
-              <a:t> </a:t>
-            </a:r>
-            <a:r>
-              <a:rPr lang="en-US" altLang="ko-KR" dirty="0" err="1" smtClean="0">
-                <a:latin typeface="함초롬돋움" panose="020B0604000101010101" pitchFamily="50" charset="-127"/>
-                <a:ea typeface="함초롬돋움" panose="020B0604000101010101" pitchFamily="50" charset="-127"/>
-                <a:cs typeface="함초롬돋움" panose="020B0604000101010101" pitchFamily="50" charset="-127"/>
-              </a:rPr>
-              <a:t>DataGrid</a:t>
-            </a:r>
-            <a:r>
-              <a:rPr lang="ko-KR" altLang="en-US" dirty="0" smtClean="0">
-                <a:latin typeface="함초롬돋움" panose="020B0604000101010101" pitchFamily="50" charset="-127"/>
-                <a:ea typeface="함초롬돋움" panose="020B0604000101010101" pitchFamily="50" charset="-127"/>
-                <a:cs typeface="함초롬돋움" panose="020B0604000101010101" pitchFamily="50" charset="-127"/>
-              </a:rPr>
-              <a:t>와 같은 </a:t>
-            </a:r>
-            <a:r>
-              <a:rPr lang="en-US" altLang="ko-KR" dirty="0" err="1" smtClean="0">
-                <a:latin typeface="함초롬돋움" panose="020B0604000101010101" pitchFamily="50" charset="-127"/>
-                <a:ea typeface="함초롬돋움" panose="020B0604000101010101" pitchFamily="50" charset="-127"/>
-                <a:cs typeface="함초롬돋움" panose="020B0604000101010101" pitchFamily="50" charset="-127"/>
-              </a:rPr>
-              <a:t>ItemsControl</a:t>
-            </a:r>
-            <a:r>
-              <a:rPr lang="ko-KR" altLang="en-US" dirty="0" smtClean="0">
-                <a:latin typeface="함초롬돋움" panose="020B0604000101010101" pitchFamily="50" charset="-127"/>
-                <a:ea typeface="함초롬돋움" panose="020B0604000101010101" pitchFamily="50" charset="-127"/>
-                <a:cs typeface="함초롬돋움" panose="020B0604000101010101" pitchFamily="50" charset="-127"/>
-              </a:rPr>
-              <a:t>은 컬렉션이 추가</a:t>
-            </a:r>
-            <a:r>
-              <a:rPr lang="en-US" altLang="ko-KR" dirty="0" smtClean="0">
-                <a:latin typeface="함초롬돋움" panose="020B0604000101010101" pitchFamily="50" charset="-127"/>
-                <a:ea typeface="함초롬돋움" panose="020B0604000101010101" pitchFamily="50" charset="-127"/>
-                <a:cs typeface="함초롬돋움" panose="020B0604000101010101" pitchFamily="50" charset="-127"/>
-              </a:rPr>
-              <a:t>, </a:t>
-            </a:r>
-            <a:r>
-              <a:rPr lang="ko-KR" altLang="en-US" dirty="0" smtClean="0">
-                <a:latin typeface="함초롬돋움" panose="020B0604000101010101" pitchFamily="50" charset="-127"/>
-                <a:ea typeface="함초롬돋움" panose="020B0604000101010101" pitchFamily="50" charset="-127"/>
-                <a:cs typeface="함초롬돋움" panose="020B0604000101010101" pitchFamily="50" charset="-127"/>
-              </a:rPr>
-              <a:t>삭제</a:t>
-            </a:r>
-            <a:r>
-              <a:rPr lang="en-US" altLang="ko-KR" dirty="0" smtClean="0">
-                <a:latin typeface="함초롬돋움" panose="020B0604000101010101" pitchFamily="50" charset="-127"/>
-                <a:ea typeface="함초롬돋움" panose="020B0604000101010101" pitchFamily="50" charset="-127"/>
-                <a:cs typeface="함초롬돋움" panose="020B0604000101010101" pitchFamily="50" charset="-127"/>
-              </a:rPr>
-              <a:t>, </a:t>
-            </a:r>
-            <a:r>
-              <a:rPr lang="ko-KR" altLang="en-US" dirty="0" err="1" smtClean="0">
-                <a:latin typeface="함초롬돋움" panose="020B0604000101010101" pitchFamily="50" charset="-127"/>
-                <a:ea typeface="함초롬돋움" panose="020B0604000101010101" pitchFamily="50" charset="-127"/>
-                <a:cs typeface="함초롬돋움" panose="020B0604000101010101" pitchFamily="50" charset="-127"/>
-              </a:rPr>
-              <a:t>변경시</a:t>
-            </a:r>
-            <a:r>
-              <a:rPr lang="ko-KR" altLang="en-US" dirty="0" smtClean="0">
-                <a:latin typeface="함초롬돋움" panose="020B0604000101010101" pitchFamily="50" charset="-127"/>
-                <a:ea typeface="함초롬돋움" panose="020B0604000101010101" pitchFamily="50" charset="-127"/>
-                <a:cs typeface="함초롬돋움" panose="020B0604000101010101" pitchFamily="50" charset="-127"/>
-              </a:rPr>
-              <a:t> </a:t>
-            </a:r>
-            <a:r>
-              <a:rPr lang="en-US" altLang="ko-KR" dirty="0" smtClean="0">
-                <a:latin typeface="함초롬돋움" panose="020B0604000101010101" pitchFamily="50" charset="-127"/>
-                <a:ea typeface="함초롬돋움" panose="020B0604000101010101" pitchFamily="50" charset="-127"/>
-                <a:cs typeface="함초롬돋움" panose="020B0604000101010101" pitchFamily="50" charset="-127"/>
-              </a:rPr>
-              <a:t>View</a:t>
-            </a:r>
-            <a:r>
-              <a:rPr lang="ko-KR" altLang="en-US" dirty="0" smtClean="0">
-                <a:latin typeface="함초롬돋움" panose="020B0604000101010101" pitchFamily="50" charset="-127"/>
-                <a:ea typeface="함초롬돋움" panose="020B0604000101010101" pitchFamily="50" charset="-127"/>
-                <a:cs typeface="함초롬돋움" panose="020B0604000101010101" pitchFamily="50" charset="-127"/>
-              </a:rPr>
-              <a:t>에</a:t>
-            </a:r>
-            <a:r>
-              <a:rPr lang="en-US" altLang="ko-KR" dirty="0" smtClean="0">
-                <a:latin typeface="함초롬돋움" panose="020B0604000101010101" pitchFamily="50" charset="-127"/>
-                <a:ea typeface="함초롬돋움" panose="020B0604000101010101" pitchFamily="50" charset="-127"/>
-                <a:cs typeface="함초롬돋움" panose="020B0604000101010101" pitchFamily="50" charset="-127"/>
-              </a:rPr>
-              <a:t> </a:t>
-            </a:r>
-            <a:r>
-              <a:rPr lang="ko-KR" altLang="en-US" dirty="0" smtClean="0">
-                <a:latin typeface="함초롬돋움" panose="020B0604000101010101" pitchFamily="50" charset="-127"/>
-                <a:ea typeface="함초롬돋움" panose="020B0604000101010101" pitchFamily="50" charset="-127"/>
-                <a:cs typeface="함초롬돋움" panose="020B0604000101010101" pitchFamily="50" charset="-127"/>
-              </a:rPr>
-              <a:t>자동으로 변경된 컬렉션을 업데이트</a:t>
-            </a:r>
-            <a:endParaRPr lang="en-US" altLang="ko-KR" dirty="0">
-              <a:latin typeface="함초롬돋움" panose="020B0604000101010101" pitchFamily="50" charset="-127"/>
-              <a:ea typeface="함초롬돋움" panose="020B0604000101010101" pitchFamily="50" charset="-127"/>
-              <a:cs typeface="함초롬돋움" panose="020B0604000101010101" pitchFamily="50" charset="-127"/>
-            </a:endParaRPr>
-          </a:p>
-        </p:txBody>
-      </p:sp>
-      <p:grpSp>
-        <p:nvGrpSpPr>
-          <p:cNvPr id="4" name="그룹 3"/>
-          <p:cNvGrpSpPr/>
-          <p:nvPr/>
-        </p:nvGrpSpPr>
-        <p:grpSpPr>
-          <a:xfrm>
-            <a:off x="2865120" y="4152130"/>
-            <a:ext cx="6461760" cy="2368198"/>
-            <a:chOff x="2607425" y="3957932"/>
-            <a:chExt cx="6977150" cy="2557087"/>
-          </a:xfrm>
-        </p:grpSpPr>
-        <p:pic>
-          <p:nvPicPr>
-            <p:cNvPr id="2" name="그림 1"/>
-            <p:cNvPicPr>
-              <a:picLocks noChangeAspect="1"/>
-            </p:cNvPicPr>
-            <p:nvPr/>
-          </p:nvPicPr>
-          <p:blipFill>
-            <a:blip r:embed="rId2"/>
-            <a:stretch>
-              <a:fillRect/>
-            </a:stretch>
-          </p:blipFill>
-          <p:spPr>
-            <a:xfrm>
-              <a:off x="2607425" y="3957932"/>
-              <a:ext cx="6977150" cy="645740"/>
-            </a:xfrm>
-            <a:prstGeom prst="rect">
-              <a:avLst/>
-            </a:prstGeom>
-          </p:spPr>
-        </p:pic>
-        <p:pic>
-          <p:nvPicPr>
-            <p:cNvPr id="3" name="그림 2"/>
-            <p:cNvPicPr>
-              <a:picLocks noChangeAspect="1"/>
-            </p:cNvPicPr>
-            <p:nvPr/>
-          </p:nvPicPr>
-          <p:blipFill>
-            <a:blip r:embed="rId3"/>
-            <a:stretch>
-              <a:fillRect/>
-            </a:stretch>
-          </p:blipFill>
-          <p:spPr>
-            <a:xfrm>
-              <a:off x="2607425" y="4628017"/>
-              <a:ext cx="6977150" cy="1887002"/>
-            </a:xfrm>
-            <a:prstGeom prst="rect">
-              <a:avLst/>
-            </a:prstGeom>
-          </p:spPr>
-        </p:pic>
-      </p:grpSp>
+        </p:txBody>
+      </p:sp>
     </p:spTree>
     <p:extLst>
       <p:ext uri="{BB962C8B-B14F-4D97-AF65-F5344CB8AC3E}">
@@ -3940,13 +3655,47 @@
                 <a:spcPct val="0"/>
               </a:spcAft>
             </a:pPr>
+            <a:endParaRPr lang="en-US" altLang="ko-KR" dirty="0">
+              <a:latin typeface="함초롬돋움" panose="020B0604000101010101" pitchFamily="50" charset="-127"/>
+              <a:ea typeface="함초롬돋움" panose="020B0604000101010101" pitchFamily="50" charset="-127"/>
+              <a:cs typeface="함초롬돋움" panose="020B0604000101010101" pitchFamily="50" charset="-127"/>
+            </a:endParaRPr>
+          </a:p>
+          <a:p>
+            <a:pPr eaLnBrk="0" fontAlgn="base" latinLnBrk="0" hangingPunct="0">
+              <a:lnSpc>
+                <a:spcPct val="100000"/>
+              </a:lnSpc>
+              <a:spcBef>
+                <a:spcPct val="0"/>
+              </a:spcBef>
+              <a:spcAft>
+                <a:spcPct val="0"/>
+              </a:spcAft>
+            </a:pPr>
+            <a:r>
+              <a:rPr lang="ko-KR" altLang="en-US" dirty="0" smtClean="0">
+                <a:latin typeface="함초롬돋움" panose="020B0604000101010101" pitchFamily="50" charset="-127"/>
+                <a:ea typeface="함초롬돋움" panose="020B0604000101010101" pitchFamily="50" charset="-127"/>
+                <a:cs typeface="함초롬돋움" panose="020B0604000101010101" pitchFamily="50" charset="-127"/>
+              </a:rPr>
+              <a:t>컬렉션을 </a:t>
+            </a:r>
+            <a:r>
+              <a:rPr lang="ko-KR" altLang="en-US" dirty="0" err="1" smtClean="0">
+                <a:latin typeface="함초롬돋움" panose="020B0604000101010101" pitchFamily="50" charset="-127"/>
+                <a:ea typeface="함초롬돋움" panose="020B0604000101010101" pitchFamily="50" charset="-127"/>
+                <a:cs typeface="함초롬돋움" panose="020B0604000101010101" pitchFamily="50" charset="-127"/>
+              </a:rPr>
+              <a:t>필터링</a:t>
+            </a:r>
             <a:r>
               <a:rPr lang="en-US" altLang="ko-KR" dirty="0" smtClean="0">
                 <a:latin typeface="함초롬돋움" panose="020B0604000101010101" pitchFamily="50" charset="-127"/>
                 <a:ea typeface="함초롬돋움" panose="020B0604000101010101" pitchFamily="50" charset="-127"/>
                 <a:cs typeface="함초롬돋움" panose="020B0604000101010101" pitchFamily="50" charset="-127"/>
               </a:rPr>
-              <a:t>View</a:t>
+              <a:t>, </a:t>
             </a:r>
             <a:r>
               <a:rPr lang="ko-KR" altLang="en-US" dirty="0" smtClean="0">
@@ -3954,15 +3703,7 @@
                 <a:ea typeface="함초롬돋움" panose="020B0604000101010101" pitchFamily="50" charset="-127"/>
                 <a:cs typeface="함초롬돋움" panose="020B0604000101010101" pitchFamily="50" charset="-127"/>
               </a:rPr>
-              <a:t>에 표시된 컬렉션을 </a:t>
-            </a:r>
-            <a:r>
-              <a:rPr lang="ko-KR" altLang="en-US" dirty="0" err="1" smtClean="0">
-                <a:latin typeface="함초롬돋움" panose="020B0604000101010101" pitchFamily="50" charset="-127"/>
-                <a:ea typeface="함초롬돋움" panose="020B0604000101010101" pitchFamily="50" charset="-127"/>
-                <a:cs typeface="함초롬돋움" panose="020B0604000101010101" pitchFamily="50" charset="-127"/>
-              </a:rPr>
-              <a:t>필터링</a:t>
+              <a:t>정렬</a:t>
             </a:r>
             <a:r>
               <a:rPr lang="en-US" altLang="ko-KR" dirty="0" smtClean="0">
@@ -3978,23 +3719,7 @@
                 <a:ea typeface="함초롬돋움" panose="020B0604000101010101" pitchFamily="50" charset="-127"/>
                 <a:cs typeface="함초롬돋움" panose="020B0604000101010101" pitchFamily="50" charset="-127"/>
               </a:rPr>
-              <a:t>정렬</a:t>
-            </a:r>
-            <a:r>
-              <a:rPr lang="en-US" altLang="ko-KR" dirty="0" smtClean="0">
-                <a:latin typeface="함초롬돋움" panose="020B0604000101010101" pitchFamily="50" charset="-127"/>
-                <a:ea typeface="함초롬돋움" panose="020B0604000101010101" pitchFamily="50" charset="-127"/>
-                <a:cs typeface="함초롬돋움" panose="020B0604000101010101" pitchFamily="50" charset="-127"/>
-              </a:rPr>
-              <a:t>, </a:t>
-            </a:r>
-            <a:r>
-              <a:rPr lang="ko-KR" altLang="en-US" dirty="0" smtClean="0">
-                <a:latin typeface="함초롬돋움" panose="020B0604000101010101" pitchFamily="50" charset="-127"/>
-                <a:ea typeface="함초롬돋움" panose="020B0604000101010101" pitchFamily="50" charset="-127"/>
-                <a:cs typeface="함초롬돋움" panose="020B0604000101010101" pitchFamily="50" charset="-127"/>
-              </a:rPr>
-              <a:t>또는 그룹화하여 현재 선택되어 있는 항목을 추적하거나 변경</a:t>
+              <a:t>그룹화를 하고 현재 선택된 아이템을  찾거나 변경</a:t>
             </a:r>
             <a:endParaRPr lang="en-US" altLang="ko-KR" dirty="0" smtClean="0">
               <a:latin typeface="함초롬돋움" panose="020B0604000101010101" pitchFamily="50" charset="-127"/>
@@ -4032,54 +3757,6 @@
                 <a:spcPct val="0"/>
               </a:spcAft>
             </a:pPr>
-            <a:r>
-              <a:rPr lang="en-US" altLang="ko-KR" dirty="0" err="1" smtClean="0">
-                <a:latin typeface="함초롬돋움" panose="020B0604000101010101" pitchFamily="50" charset="-127"/>
-                <a:ea typeface="함초롬돋움" panose="020B0604000101010101" pitchFamily="50" charset="-127"/>
-                <a:cs typeface="함초롬돋움" panose="020B0604000101010101" pitchFamily="50" charset="-127"/>
-              </a:rPr>
-              <a:t>CurrentChanged</a:t>
-            </a:r>
-            <a:r>
-              <a:rPr lang="en-US" altLang="ko-KR" dirty="0" smtClean="0">
-                <a:latin typeface="함초롬돋움" panose="020B0604000101010101" pitchFamily="50" charset="-127"/>
-                <a:ea typeface="함초롬돋움" panose="020B0604000101010101" pitchFamily="50" charset="-127"/>
-                <a:cs typeface="함초롬돋움" panose="020B0604000101010101" pitchFamily="50" charset="-127"/>
-              </a:rPr>
-              <a:t> </a:t>
-            </a:r>
-            <a:r>
-              <a:rPr lang="ko-KR" altLang="en-US" dirty="0" smtClean="0">
-                <a:latin typeface="함초롬돋움" panose="020B0604000101010101" pitchFamily="50" charset="-127"/>
-                <a:ea typeface="함초롬돋움" panose="020B0604000101010101" pitchFamily="50" charset="-127"/>
-                <a:cs typeface="함초롬돋움" panose="020B0604000101010101" pitchFamily="50" charset="-127"/>
-              </a:rPr>
-              <a:t>이벤트로 </a:t>
-            </a:r>
-            <a:r>
-              <a:rPr lang="ko-KR" altLang="en-US" dirty="0" err="1" smtClean="0">
-                <a:latin typeface="함초롬돋움" panose="020B0604000101010101" pitchFamily="50" charset="-127"/>
-                <a:ea typeface="함초롬돋움" panose="020B0604000101010101" pitchFamily="50" charset="-127"/>
-                <a:cs typeface="함초롬돋움" panose="020B0604000101010101" pitchFamily="50" charset="-127"/>
-              </a:rPr>
-              <a:t>필터링</a:t>
-            </a:r>
-            <a:r>
-              <a:rPr lang="en-US" altLang="ko-KR" dirty="0" smtClean="0">
-                <a:latin typeface="함초롬돋움" panose="020B0604000101010101" pitchFamily="50" charset="-127"/>
-                <a:ea typeface="함초롬돋움" panose="020B0604000101010101" pitchFamily="50" charset="-127"/>
-                <a:cs typeface="함초롬돋움" panose="020B0604000101010101" pitchFamily="50" charset="-127"/>
-              </a:rPr>
-              <a:t>, </a:t>
-            </a:r>
-            <a:r>
-              <a:rPr lang="ko-KR" altLang="en-US" dirty="0" smtClean="0">
-                <a:latin typeface="함초롬돋움" panose="020B0604000101010101" pitchFamily="50" charset="-127"/>
-                <a:ea typeface="함초롬돋움" panose="020B0604000101010101" pitchFamily="50" charset="-127"/>
-                <a:cs typeface="함초롬돋움" panose="020B0604000101010101" pitchFamily="50" charset="-127"/>
-              </a:rPr>
-              <a:t>정렬 또는 그룹화를 제어</a:t>
-            </a:r>
             <a:endParaRPr lang="en-US" altLang="ko-KR" dirty="0">
               <a:latin typeface="함초롬돋움" panose="020B0604000101010101" pitchFamily="50" charset="-127"/>
               <a:ea typeface="함초롬돋움" panose="020B0604000101010101" pitchFamily="50" charset="-127"/>
@@ -4389,7 +4066,7 @@
               </a:spcAft>
             </a:pPr>
             <a:r>
-              <a:rPr lang="en-US" altLang="ko-KR" smtClean="0">
+              <a:rPr lang="en-US" altLang="ko-KR" dirty="0" smtClean="0">
                 <a:latin typeface="함초롬돋움" panose="020B0604000101010101" pitchFamily="50" charset="-127"/>
                 <a:ea typeface="함초롬돋움" panose="020B0604000101010101" pitchFamily="50" charset="-127"/>
                 <a:cs typeface="함초롬돋움" panose="020B0604000101010101" pitchFamily="50" charset="-127"/>
@@ -4418,7 +4095,23 @@
                 <a:ea typeface="함초롬돋움" panose="020B0604000101010101" pitchFamily="50" charset="-127"/>
                 <a:cs typeface="함초롬돋움" panose="020B0604000101010101" pitchFamily="50" charset="-127"/>
               </a:rPr>
-              <a:t>을 만들고 관리</a:t>
+              <a:t>들을 </a:t>
+            </a:r>
+            <a:r>
+              <a:rPr lang="ko-KR" altLang="en-US" dirty="0" smtClean="0">
+                <a:latin typeface="함초롬돋움" panose="020B0604000101010101" pitchFamily="50" charset="-127"/>
+                <a:ea typeface="함초롬돋움" panose="020B0604000101010101" pitchFamily="50" charset="-127"/>
+                <a:cs typeface="함초롬돋움" panose="020B0604000101010101" pitchFamily="50" charset="-127"/>
+              </a:rPr>
+              <a:t>만들고 </a:t>
+            </a:r>
+            <a:r>
+              <a:rPr lang="ko-KR" altLang="en-US" dirty="0" smtClean="0">
+                <a:latin typeface="함초롬돋움" panose="020B0604000101010101" pitchFamily="50" charset="-127"/>
+                <a:ea typeface="함초롬돋움" panose="020B0604000101010101" pitchFamily="50" charset="-127"/>
+                <a:cs typeface="함초롬돋움" panose="020B0604000101010101" pitchFamily="50" charset="-127"/>
+              </a:rPr>
+              <a:t>관리</a:t>
             </a:r>
             <a:endParaRPr lang="en-US" altLang="ko-KR" dirty="0" smtClean="0">
               <a:latin typeface="함초롬돋움" panose="020B0604000101010101" pitchFamily="50" charset="-127"/>
@@ -4471,15 +4164,7 @@
                 <a:ea typeface="함초롬돋움" panose="020B0604000101010101" pitchFamily="50" charset="-127"/>
                 <a:cs typeface="함초롬돋움" panose="020B0604000101010101" pitchFamily="50" charset="-127"/>
               </a:rPr>
-              <a:t>을 컨트롤과 연결하는 </a:t>
-            </a:r>
-            <a:r>
-              <a:rPr lang="en-US" altLang="ko-KR" dirty="0" smtClean="0">
-                <a:latin typeface="함초롬돋움" panose="020B0604000101010101" pitchFamily="50" charset="-127"/>
-                <a:ea typeface="함초롬돋움" panose="020B0604000101010101" pitchFamily="50" charset="-127"/>
-                <a:cs typeface="함초롬돋움" panose="020B0604000101010101" pitchFamily="50" charset="-127"/>
-              </a:rPr>
-              <a:t>control-specific adapter</a:t>
+              <a:t>과 컨트롤을 </a:t>
             </a:r>
             <a:r>
               <a:rPr lang="ko-KR" altLang="en-US" dirty="0" smtClean="0">
@@ -4487,7 +4172,31 @@
                 <a:ea typeface="함초롬돋움" panose="020B0604000101010101" pitchFamily="50" charset="-127"/>
                 <a:cs typeface="함초롬돋움" panose="020B0604000101010101" pitchFamily="50" charset="-127"/>
               </a:rPr>
-              <a:t>를 사용</a:t>
+              <a:t>연결하는 </a:t>
+            </a:r>
+            <a:r>
+              <a:rPr lang="en-US" altLang="ko-KR" dirty="0" err="1" smtClean="0">
+                <a:latin typeface="함초롬돋움" panose="020B0604000101010101" pitchFamily="50" charset="-127"/>
+                <a:ea typeface="함초롬돋움" panose="020B0604000101010101" pitchFamily="50" charset="-127"/>
+                <a:cs typeface="함초롬돋움" panose="020B0604000101010101" pitchFamily="50" charset="-127"/>
+              </a:rPr>
+              <a:t>RegionAdapter</a:t>
+            </a:r>
+            <a:r>
+              <a:rPr lang="ko-KR" altLang="en-US" dirty="0" smtClean="0">
+                <a:latin typeface="함초롬돋움" panose="020B0604000101010101" pitchFamily="50" charset="-127"/>
+                <a:ea typeface="함초롬돋움" panose="020B0604000101010101" pitchFamily="50" charset="-127"/>
+                <a:cs typeface="함초롬돋움" panose="020B0604000101010101" pitchFamily="50" charset="-127"/>
+              </a:rPr>
+              <a:t>를 </a:t>
+            </a:r>
+            <a:r>
+              <a:rPr lang="ko-KR" altLang="en-US" dirty="0" smtClean="0">
+                <a:latin typeface="함초롬돋움" panose="020B0604000101010101" pitchFamily="50" charset="-127"/>
+                <a:ea typeface="함초롬돋움" panose="020B0604000101010101" pitchFamily="50" charset="-127"/>
+                <a:cs typeface="함초롬돋움" panose="020B0604000101010101" pitchFamily="50" charset="-127"/>
+              </a:rPr>
+              <a:t>사용</a:t>
             </a:r>
             <a:endParaRPr lang="en-US" altLang="ko-KR" dirty="0" smtClean="0">
               <a:latin typeface="함초롬돋움" panose="020B0604000101010101" pitchFamily="50" charset="-127"/>
@@ -4496,7 +4205,7 @@
             </a:endParaRPr>
           </a:p>
           <a:p>
-            <a:pPr eaLnBrk="0" fontAlgn="base" latinLnBrk="0" hangingPunct="0">
+            <a:pPr marL="0" indent="0" eaLnBrk="0" fontAlgn="base" latinLnBrk="0" hangingPunct="0">
               <a:lnSpc>
                 <a:spcPct val="100000"/>
               </a:lnSpc>
@@ -4506,6 +4215,7 @@
               <a:spcAft>
                 <a:spcPct val="0"/>
               </a:spcAft>
+              <a:buNone/>
             </a:pPr>
             <a:endParaRPr lang="en-US" altLang="ko-KR" dirty="0">
               <a:latin typeface="함초롬돋움" panose="020B0604000101010101" pitchFamily="50" charset="-127"/>
@@ -4513,29 +4223,11 @@
               <a:cs typeface="함초롬돋움" panose="020B0604000101010101" pitchFamily="50" charset="-127"/>
             </a:endParaRPr>
           </a:p>
-          <a:p>
-            <a:pPr eaLnBrk="0" fontAlgn="base" latinLnBrk="0" hangingPunct="0">
-              <a:lnSpc>
-                <a:spcPct val="100000"/>
-              </a:lnSpc>
-              <a:spcBef>
-                <a:spcPct val="0"/>
-              </a:spcBef>
-              <a:spcAft>
-                <a:spcPct val="0"/>
-              </a:spcAft>
-            </a:pPr>
-            <a:endParaRPr lang="en-US" altLang="ko-KR" dirty="0" smtClean="0">
-              <a:latin typeface="함초롬돋움" panose="020B0604000101010101" pitchFamily="50" charset="-127"/>
-              <a:ea typeface="함초롬돋움" panose="020B0604000101010101" pitchFamily="50" charset="-127"/>
-              <a:cs typeface="함초롬돋움" panose="020B0604000101010101" pitchFamily="50" charset="-127"/>
-            </a:endParaRPr>
-          </a:p>
         </p:txBody>
       </p:sp>
       <p:pic>
         <p:nvPicPr>
-          <p:cNvPr id="2" name="그림 1"/>
+          <p:cNvPr id="3" name="그림 2"/>
           <p:cNvPicPr>
             <a:picLocks noChangeAspect="1"/>
           </p:cNvPicPr>
@@ -4549,8 +4241,8 @@
         </p:blipFill>
         <p:spPr>
           <a:xfrm>
-            <a:off x="3090862" y="3614989"/>
-            <a:ext cx="6010275" cy="3114675"/>
+            <a:off x="3648074" y="3767271"/>
+            <a:ext cx="4895852" cy="2581008"/>
           </a:xfrm>
           <a:prstGeom prst="rect">
             <a:avLst/>
@@ -4578,6 +4270,381 @@
 </file>
 
 <file path=ppt/slides/slide15.xml><?xml version="1.0" encoding="utf-8"?>
+<p:sld xmlns:a="http://schemas.openxmlformats.org/drawingml/2006/main" xmlns:r="http://schemas.openxmlformats.org/officeDocument/2006/relationships" xmlns:p="http://schemas.openxmlformats.org/presentationml/2006/main">
+  <p:cSld>
+    <p:spTree>
+      <p:nvGrpSpPr>
+        <p:cNvPr id="1" name=""/>
+        <p:cNvGrpSpPr/>
+        <p:nvPr/>
+      </p:nvGrpSpPr>
+      <p:grpSpPr>
+        <a:xfrm>
+          <a:off x="0" y="0"/>
+          <a:ext cx="0" cy="0"/>
+          <a:chOff x="0" y="0"/>
+          <a:chExt cx="0" cy="0"/>
+        </a:xfrm>
+      </p:grpSpPr>
+      <p:sp>
+        <p:nvSpPr>
+          <p:cNvPr id="7" name="제목 1"/>
+          <p:cNvSpPr txBox="1">
+            <a:spLocks/>
+          </p:cNvSpPr>
+          <p:nvPr/>
+        </p:nvSpPr>
+        <p:spPr>
+          <a:xfrm>
+            <a:off x="838200" y="365125"/>
+            <a:ext cx="10515600" cy="1090189"/>
+          </a:xfrm>
+          <a:prstGeom prst="rect">
+            <a:avLst/>
+          </a:prstGeom>
+        </p:spPr>
+        <p:txBody>
+          <a:bodyPr vert="horz" lIns="91440" tIns="45720" rIns="91440" bIns="45720" rtlCol="0" anchor="ctr">
+            <a:normAutofit/>
+          </a:bodyPr>
+          <a:lstStyle>
+            <a:lvl1pPr algn="l" defTabSz="914400" rtl="0" eaLnBrk="1" latinLnBrk="1" hangingPunct="1">
+              <a:lnSpc>
+                <a:spcPct val="90000"/>
+              </a:lnSpc>
+              <a:spcBef>
+                <a:spcPct val="0"/>
+              </a:spcBef>
+              <a:buNone/>
+              <a:defRPr sz="4800" kern="1200">
+                <a:solidFill>
+                  <a:schemeClr val="accent4"/>
+                </a:solidFill>
+                <a:latin typeface="+mj-lt"/>
+                <a:ea typeface="+mj-ea"/>
+                <a:cs typeface="+mj-cs"/>
+              </a:defRPr>
+            </a:lvl1pPr>
+          </a:lstStyle>
+          <a:p>
+            <a:r>
+              <a:rPr lang="en-US" altLang="ko-KR" dirty="0" err="1" smtClean="0">
+                <a:latin typeface="함초롬돋움" panose="020B0604000101010101" pitchFamily="50" charset="-127"/>
+                <a:ea typeface="함초롬돋움" panose="020B0604000101010101" pitchFamily="50" charset="-127"/>
+                <a:cs typeface="함초롬돋움" panose="020B0604000101010101" pitchFamily="50" charset="-127"/>
+              </a:rPr>
+              <a:t>RegionManager</a:t>
+            </a:r>
+            <a:endParaRPr lang="ko-KR" altLang="en-US" dirty="0">
+              <a:latin typeface="함초롬돋움" panose="020B0604000101010101" pitchFamily="50" charset="-127"/>
+              <a:ea typeface="함초롬돋움" panose="020B0604000101010101" pitchFamily="50" charset="-127"/>
+              <a:cs typeface="함초롬돋움" panose="020B0604000101010101" pitchFamily="50" charset="-127"/>
+            </a:endParaRPr>
+          </a:p>
+        </p:txBody>
+      </p:sp>
+      <p:sp>
+        <p:nvSpPr>
+          <p:cNvPr id="10" name="내용 개체 틀 2"/>
+          <p:cNvSpPr>
+            <a:spLocks noGrp="1"/>
+          </p:cNvSpPr>
+          <p:nvPr>
+            <p:ph idx="1"/>
+          </p:nvPr>
+        </p:nvSpPr>
+        <p:spPr/>
+        <p:txBody>
+          <a:bodyPr>
+            <a:noAutofit/>
+          </a:bodyPr>
+          <a:lstStyle/>
+          <a:p>
+            <a:pPr eaLnBrk="0" fontAlgn="base" latinLnBrk="0" hangingPunct="0">
+              <a:lnSpc>
+                <a:spcPct val="100000"/>
+              </a:lnSpc>
+              <a:spcBef>
+                <a:spcPct val="0"/>
+              </a:spcBef>
+              <a:spcAft>
+                <a:spcPct val="0"/>
+              </a:spcAft>
+            </a:pPr>
+            <a:r>
+              <a:rPr lang="en-US" altLang="ko-KR" dirty="0" smtClean="0">
+                <a:latin typeface="함초롬돋움" panose="020B0604000101010101" pitchFamily="50" charset="-127"/>
+                <a:ea typeface="함초롬돋움" panose="020B0604000101010101" pitchFamily="50" charset="-127"/>
+                <a:cs typeface="함초롬돋움" panose="020B0604000101010101" pitchFamily="50" charset="-127"/>
+              </a:rPr>
+              <a:t>control</a:t>
+            </a:r>
+            <a:r>
+              <a:rPr lang="ko-KR" altLang="en-US" dirty="0" smtClean="0">
+                <a:latin typeface="함초롬돋움" panose="020B0604000101010101" pitchFamily="50" charset="-127"/>
+                <a:ea typeface="함초롬돋움" panose="020B0604000101010101" pitchFamily="50" charset="-127"/>
+                <a:cs typeface="함초롬돋움" panose="020B0604000101010101" pitchFamily="50" charset="-127"/>
+              </a:rPr>
+              <a:t>에 </a:t>
+            </a:r>
+            <a:r>
+              <a:rPr lang="en-US" altLang="ko-KR" dirty="0" smtClean="0">
+                <a:latin typeface="함초롬돋움" panose="020B0604000101010101" pitchFamily="50" charset="-127"/>
+                <a:ea typeface="함초롬돋움" panose="020B0604000101010101" pitchFamily="50" charset="-127"/>
+                <a:cs typeface="함초롬돋움" panose="020B0604000101010101" pitchFamily="50" charset="-127"/>
+              </a:rPr>
+              <a:t>Region</a:t>
+            </a:r>
+            <a:r>
+              <a:rPr lang="ko-KR" altLang="en-US" dirty="0" smtClean="0">
+                <a:latin typeface="함초롬돋움" panose="020B0604000101010101" pitchFamily="50" charset="-127"/>
+                <a:ea typeface="함초롬돋움" panose="020B0604000101010101" pitchFamily="50" charset="-127"/>
+                <a:cs typeface="함초롬돋움" panose="020B0604000101010101" pitchFamily="50" charset="-127"/>
+              </a:rPr>
+              <a:t>들을 </a:t>
+            </a:r>
+            <a:r>
+              <a:rPr lang="ko-KR" altLang="en-US" dirty="0" smtClean="0">
+                <a:latin typeface="함초롬돋움" panose="020B0604000101010101" pitchFamily="50" charset="-127"/>
+                <a:ea typeface="함초롬돋움" panose="020B0604000101010101" pitchFamily="50" charset="-127"/>
+                <a:cs typeface="함초롬돋움" panose="020B0604000101010101" pitchFamily="50" charset="-127"/>
+              </a:rPr>
+              <a:t>만들고 </a:t>
+            </a:r>
+            <a:r>
+              <a:rPr lang="ko-KR" altLang="en-US" dirty="0" smtClean="0">
+                <a:latin typeface="함초롬돋움" panose="020B0604000101010101" pitchFamily="50" charset="-127"/>
+                <a:ea typeface="함초롬돋움" panose="020B0604000101010101" pitchFamily="50" charset="-127"/>
+                <a:cs typeface="함초롬돋움" panose="020B0604000101010101" pitchFamily="50" charset="-127"/>
+              </a:rPr>
+              <a:t>관리</a:t>
+            </a:r>
+            <a:endParaRPr lang="en-US" altLang="ko-KR" dirty="0" smtClean="0">
+              <a:latin typeface="함초롬돋움" panose="020B0604000101010101" pitchFamily="50" charset="-127"/>
+              <a:ea typeface="함초롬돋움" panose="020B0604000101010101" pitchFamily="50" charset="-127"/>
+              <a:cs typeface="함초롬돋움" panose="020B0604000101010101" pitchFamily="50" charset="-127"/>
+            </a:endParaRPr>
+          </a:p>
+          <a:p>
+            <a:pPr eaLnBrk="0" fontAlgn="base" latinLnBrk="0" hangingPunct="0">
+              <a:lnSpc>
+                <a:spcPct val="100000"/>
+              </a:lnSpc>
+              <a:spcBef>
+                <a:spcPct val="0"/>
+              </a:spcBef>
+              <a:spcAft>
+                <a:spcPct val="0"/>
+              </a:spcAft>
+            </a:pPr>
+            <a:endParaRPr lang="en-US" altLang="ko-KR" dirty="0">
+              <a:latin typeface="함초롬돋움" panose="020B0604000101010101" pitchFamily="50" charset="-127"/>
+              <a:ea typeface="함초롬돋움" panose="020B0604000101010101" pitchFamily="50" charset="-127"/>
+              <a:cs typeface="함초롬돋움" panose="020B0604000101010101" pitchFamily="50" charset="-127"/>
+            </a:endParaRPr>
+          </a:p>
+          <a:p>
+            <a:pPr eaLnBrk="0" fontAlgn="base" latinLnBrk="0" hangingPunct="0">
+              <a:lnSpc>
+                <a:spcPct val="100000"/>
+              </a:lnSpc>
+              <a:spcBef>
+                <a:spcPct val="0"/>
+              </a:spcBef>
+              <a:spcAft>
+                <a:spcPct val="0"/>
+              </a:spcAft>
+            </a:pPr>
+            <a:r>
+              <a:rPr lang="ko-KR" altLang="en-US" dirty="0" smtClean="0">
+                <a:latin typeface="함초롬돋움" panose="020B0604000101010101" pitchFamily="50" charset="-127"/>
+                <a:ea typeface="함초롬돋움" panose="020B0604000101010101" pitchFamily="50" charset="-127"/>
+                <a:cs typeface="함초롬돋움" panose="020B0604000101010101" pitchFamily="50" charset="-127"/>
+              </a:rPr>
+              <a:t>코드나 </a:t>
+            </a:r>
+            <a:r>
+              <a:rPr lang="en-US" altLang="ko-KR" dirty="0" smtClean="0">
+                <a:latin typeface="함초롬돋움" panose="020B0604000101010101" pitchFamily="50" charset="-127"/>
+                <a:ea typeface="함초롬돋움" panose="020B0604000101010101" pitchFamily="50" charset="-127"/>
+                <a:cs typeface="함초롬돋움" panose="020B0604000101010101" pitchFamily="50" charset="-127"/>
+              </a:rPr>
+              <a:t>XAML</a:t>
+            </a:r>
+            <a:r>
+              <a:rPr lang="ko-KR" altLang="en-US" dirty="0" smtClean="0">
+                <a:latin typeface="함초롬돋움" panose="020B0604000101010101" pitchFamily="50" charset="-127"/>
+                <a:ea typeface="함초롬돋움" panose="020B0604000101010101" pitchFamily="50" charset="-127"/>
+                <a:cs typeface="함초롬돋움" panose="020B0604000101010101" pitchFamily="50" charset="-127"/>
+              </a:rPr>
+              <a:t>에서 </a:t>
+            </a:r>
+            <a:r>
+              <a:rPr lang="en-US" altLang="ko-KR" dirty="0" smtClean="0">
+                <a:latin typeface="함초롬돋움" panose="020B0604000101010101" pitchFamily="50" charset="-127"/>
+                <a:ea typeface="함초롬돋움" panose="020B0604000101010101" pitchFamily="50" charset="-127"/>
+                <a:cs typeface="함초롬돋움" panose="020B0604000101010101" pitchFamily="50" charset="-127"/>
+              </a:rPr>
+              <a:t>region</a:t>
+            </a:r>
+            <a:r>
+              <a:rPr lang="ko-KR" altLang="en-US" dirty="0" smtClean="0">
+                <a:latin typeface="함초롬돋움" panose="020B0604000101010101" pitchFamily="50" charset="-127"/>
+                <a:ea typeface="함초롬돋움" panose="020B0604000101010101" pitchFamily="50" charset="-127"/>
+                <a:cs typeface="함초롬돋움" panose="020B0604000101010101" pitchFamily="50" charset="-127"/>
+              </a:rPr>
+              <a:t>을</a:t>
+            </a:r>
+            <a:r>
+              <a:rPr lang="en-US" altLang="ko-KR" dirty="0" smtClean="0">
+                <a:latin typeface="함초롬돋움" panose="020B0604000101010101" pitchFamily="50" charset="-127"/>
+                <a:ea typeface="함초롬돋움" panose="020B0604000101010101" pitchFamily="50" charset="-127"/>
+                <a:cs typeface="함초롬돋움" panose="020B0604000101010101" pitchFamily="50" charset="-127"/>
+              </a:rPr>
+              <a:t> </a:t>
+            </a:r>
+            <a:r>
+              <a:rPr lang="ko-KR" altLang="en-US" dirty="0" smtClean="0">
+                <a:latin typeface="함초롬돋움" panose="020B0604000101010101" pitchFamily="50" charset="-127"/>
+                <a:ea typeface="함초롬돋움" panose="020B0604000101010101" pitchFamily="50" charset="-127"/>
+                <a:cs typeface="함초롬돋움" panose="020B0604000101010101" pitchFamily="50" charset="-127"/>
+              </a:rPr>
+              <a:t>생성</a:t>
+            </a:r>
+            <a:endParaRPr lang="en-US" altLang="ko-KR" dirty="0" smtClean="0">
+              <a:latin typeface="함초롬돋움" panose="020B0604000101010101" pitchFamily="50" charset="-127"/>
+              <a:ea typeface="함초롬돋움" panose="020B0604000101010101" pitchFamily="50" charset="-127"/>
+              <a:cs typeface="함초롬돋움" panose="020B0604000101010101" pitchFamily="50" charset="-127"/>
+            </a:endParaRPr>
+          </a:p>
+          <a:p>
+            <a:pPr marL="0" indent="0" eaLnBrk="0" fontAlgn="base" latinLnBrk="0" hangingPunct="0">
+              <a:lnSpc>
+                <a:spcPct val="100000"/>
+              </a:lnSpc>
+              <a:spcBef>
+                <a:spcPct val="0"/>
+              </a:spcBef>
+              <a:spcAft>
+                <a:spcPct val="0"/>
+              </a:spcAft>
+              <a:buNone/>
+            </a:pPr>
+            <a:endParaRPr lang="en-US" altLang="ko-KR" dirty="0">
+              <a:latin typeface="함초롬돋움" panose="020B0604000101010101" pitchFamily="50" charset="-127"/>
+              <a:ea typeface="함초롬돋움" panose="020B0604000101010101" pitchFamily="50" charset="-127"/>
+              <a:cs typeface="함초롬돋움" panose="020B0604000101010101" pitchFamily="50" charset="-127"/>
+            </a:endParaRPr>
+          </a:p>
+          <a:p>
+            <a:pPr eaLnBrk="0" fontAlgn="base" latinLnBrk="0" hangingPunct="0">
+              <a:lnSpc>
+                <a:spcPct val="100000"/>
+              </a:lnSpc>
+              <a:spcBef>
+                <a:spcPct val="0"/>
+              </a:spcBef>
+              <a:spcAft>
+                <a:spcPct val="0"/>
+              </a:spcAft>
+            </a:pPr>
+            <a:r>
+              <a:rPr lang="en-US" altLang="ko-KR" dirty="0" smtClean="0">
+                <a:latin typeface="함초롬돋움" panose="020B0604000101010101" pitchFamily="50" charset="-127"/>
+                <a:ea typeface="함초롬돋움" panose="020B0604000101010101" pitchFamily="50" charset="-127"/>
+                <a:cs typeface="함초롬돋움" panose="020B0604000101010101" pitchFamily="50" charset="-127"/>
+              </a:rPr>
+              <a:t>Region</a:t>
+            </a:r>
+            <a:r>
+              <a:rPr lang="ko-KR" altLang="en-US" dirty="0" smtClean="0">
+                <a:latin typeface="함초롬돋움" panose="020B0604000101010101" pitchFamily="50" charset="-127"/>
+                <a:ea typeface="함초롬돋움" panose="020B0604000101010101" pitchFamily="50" charset="-127"/>
+                <a:cs typeface="함초롬돋움" panose="020B0604000101010101" pitchFamily="50" charset="-127"/>
+              </a:rPr>
+              <a:t>을 컨트롤과 연결하는 </a:t>
+            </a:r>
+            <a:r>
+              <a:rPr lang="en-US" altLang="ko-KR" dirty="0" smtClean="0">
+                <a:latin typeface="함초롬돋움" panose="020B0604000101010101" pitchFamily="50" charset="-127"/>
+                <a:ea typeface="함초롬돋움" panose="020B0604000101010101" pitchFamily="50" charset="-127"/>
+                <a:cs typeface="함초롬돋움" panose="020B0604000101010101" pitchFamily="50" charset="-127"/>
+              </a:rPr>
+              <a:t>control-specific adapter</a:t>
+            </a:r>
+            <a:r>
+              <a:rPr lang="ko-KR" altLang="en-US" dirty="0" smtClean="0">
+                <a:latin typeface="함초롬돋움" panose="020B0604000101010101" pitchFamily="50" charset="-127"/>
+                <a:ea typeface="함초롬돋움" panose="020B0604000101010101" pitchFamily="50" charset="-127"/>
+                <a:cs typeface="함초롬돋움" panose="020B0604000101010101" pitchFamily="50" charset="-127"/>
+              </a:rPr>
+              <a:t>를 사용</a:t>
+            </a:r>
+            <a:endParaRPr lang="en-US" altLang="ko-KR" dirty="0" smtClean="0">
+              <a:latin typeface="함초롬돋움" panose="020B0604000101010101" pitchFamily="50" charset="-127"/>
+              <a:ea typeface="함초롬돋움" panose="020B0604000101010101" pitchFamily="50" charset="-127"/>
+              <a:cs typeface="함초롬돋움" panose="020B0604000101010101" pitchFamily="50" charset="-127"/>
+            </a:endParaRPr>
+          </a:p>
+          <a:p>
+            <a:pPr eaLnBrk="0" fontAlgn="base" latinLnBrk="0" hangingPunct="0">
+              <a:lnSpc>
+                <a:spcPct val="100000"/>
+              </a:lnSpc>
+              <a:spcBef>
+                <a:spcPct val="0"/>
+              </a:spcBef>
+              <a:spcAft>
+                <a:spcPct val="0"/>
+              </a:spcAft>
+            </a:pPr>
+            <a:endParaRPr lang="en-US" altLang="ko-KR" dirty="0">
+              <a:latin typeface="함초롬돋움" panose="020B0604000101010101" pitchFamily="50" charset="-127"/>
+              <a:ea typeface="함초롬돋움" panose="020B0604000101010101" pitchFamily="50" charset="-127"/>
+              <a:cs typeface="함초롬돋움" panose="020B0604000101010101" pitchFamily="50" charset="-127"/>
+            </a:endParaRPr>
+          </a:p>
+          <a:p>
+            <a:pPr eaLnBrk="0" fontAlgn="base" latinLnBrk="0" hangingPunct="0">
+              <a:lnSpc>
+                <a:spcPct val="100000"/>
+              </a:lnSpc>
+              <a:spcBef>
+                <a:spcPct val="0"/>
+              </a:spcBef>
+              <a:spcAft>
+                <a:spcPct val="0"/>
+              </a:spcAft>
+            </a:pPr>
+            <a:endParaRPr lang="en-US" altLang="ko-KR" dirty="0" smtClean="0">
+              <a:latin typeface="함초롬돋움" panose="020B0604000101010101" pitchFamily="50" charset="-127"/>
+              <a:ea typeface="함초롬돋움" panose="020B0604000101010101" pitchFamily="50" charset="-127"/>
+              <a:cs typeface="함초롬돋움" panose="020B0604000101010101" pitchFamily="50" charset="-127"/>
+            </a:endParaRPr>
+          </a:p>
+        </p:txBody>
+      </p:sp>
+    </p:spTree>
+    <p:extLst>
+      <p:ext uri="{BB962C8B-B14F-4D97-AF65-F5344CB8AC3E}">
+        <p14:creationId xmlns:p14="http://schemas.microsoft.com/office/powerpoint/2010/main" val="3865093486"/>
+      </p:ext>
+    </p:extLst>
+  </p:cSld>
+  <p:clrMapOvr>
+    <a:masterClrMapping/>
+  </p:clrMapOvr>
+  <p:timing>
+    <p:tnLst>
+      <p:par>
+        <p:cTn id="1" dur="indefinite" restart="never" nodeType="tmRoot"/>
+      </p:par>
+    </p:tnLst>
+  </p:timing>
+</p:sld>
+</file>
+
+<file path=ppt/slides/slide16.xml><?xml version="1.0" encoding="utf-8"?>
 <p:sld xmlns:a="http://schemas.openxmlformats.org/drawingml/2006/main" xmlns:r="http://schemas.openxmlformats.org/officeDocument/2006/relationships" xmlns:p="http://schemas.openxmlformats.org/presentationml/2006/main">
   <p:cSld>
     <p:spTree>
@@ -5116,428 +5183,6 @@
 </p:sld>
 </file>
 
-<file path=ppt/slides/slide16.xml><?xml version="1.0" encoding="utf-8"?>
-<p:sld xmlns:a="http://schemas.openxmlformats.org/drawingml/2006/main" xmlns:r="http://schemas.openxmlformats.org/officeDocument/2006/relationships" xmlns:p="http://schemas.openxmlformats.org/presentationml/2006/main">
-  <p:cSld>
-    <p:spTree>
-      <p:nvGrpSpPr>
-        <p:cNvPr id="1" name=""/>
-        <p:cNvGrpSpPr/>
-        <p:nvPr/>
-      </p:nvGrpSpPr>
-      <p:grpSpPr>
-        <a:xfrm>
-          <a:off x="0" y="0"/>
-          <a:ext cx="0" cy="0"/>
-          <a:chOff x="0" y="0"/>
-          <a:chExt cx="0" cy="0"/>
-        </a:xfrm>
-      </p:grpSpPr>
-      <p:sp>
-        <p:nvSpPr>
-          <p:cNvPr id="7" name="제목 1"/>
-          <p:cNvSpPr txBox="1">
-            <a:spLocks/>
-          </p:cNvSpPr>
-          <p:nvPr/>
-        </p:nvSpPr>
-        <p:spPr>
-          <a:xfrm>
-            <a:off x="838200" y="365125"/>
-            <a:ext cx="10515600" cy="1090189"/>
-          </a:xfrm>
-          <a:prstGeom prst="rect">
-            <a:avLst/>
-          </a:prstGeom>
-        </p:spPr>
-        <p:txBody>
-          <a:bodyPr vert="horz" lIns="91440" tIns="45720" rIns="91440" bIns="45720" rtlCol="0" anchor="ctr">
-            <a:normAutofit/>
-          </a:bodyPr>
-          <a:lstStyle>
-            <a:lvl1pPr algn="l" defTabSz="914400" rtl="0" eaLnBrk="1" latinLnBrk="1" hangingPunct="1">
-              <a:lnSpc>
-                <a:spcPct val="90000"/>
-              </a:lnSpc>
-              <a:spcBef>
-                <a:spcPct val="0"/>
-              </a:spcBef>
-              <a:buNone/>
-              <a:defRPr sz="4800" kern="1200">
-                <a:solidFill>
-                  <a:schemeClr val="accent4"/>
-                </a:solidFill>
-                <a:latin typeface="+mj-lt"/>
-                <a:ea typeface="+mj-ea"/>
-                <a:cs typeface="+mj-cs"/>
-              </a:defRPr>
-            </a:lvl1pPr>
-          </a:lstStyle>
-          <a:p>
-            <a:r>
-              <a:rPr lang="en-US" altLang="ko-KR" dirty="0" err="1" smtClean="0">
-                <a:latin typeface="함초롬돋움" panose="020B0604000101010101" pitchFamily="50" charset="-127"/>
-                <a:ea typeface="함초롬돋움" panose="020B0604000101010101" pitchFamily="50" charset="-127"/>
-                <a:cs typeface="함초롬돋움" panose="020B0604000101010101" pitchFamily="50" charset="-127"/>
-              </a:rPr>
-              <a:t>RegionAdapter</a:t>
-            </a:r>
-            <a:endParaRPr lang="ko-KR" altLang="en-US" dirty="0">
-              <a:latin typeface="함초롬돋움" panose="020B0604000101010101" pitchFamily="50" charset="-127"/>
-              <a:ea typeface="함초롬돋움" panose="020B0604000101010101" pitchFamily="50" charset="-127"/>
-              <a:cs typeface="함초롬돋움" panose="020B0604000101010101" pitchFamily="50" charset="-127"/>
-            </a:endParaRPr>
-          </a:p>
-        </p:txBody>
-      </p:sp>
-      <p:sp>
-        <p:nvSpPr>
-          <p:cNvPr id="10" name="내용 개체 틀 2"/>
-          <p:cNvSpPr>
-            <a:spLocks noGrp="1"/>
-          </p:cNvSpPr>
-          <p:nvPr>
-            <p:ph idx="1"/>
-          </p:nvPr>
-        </p:nvSpPr>
-        <p:spPr/>
-        <p:txBody>
-          <a:bodyPr>
-            <a:noAutofit/>
-          </a:bodyPr>
-          <a:lstStyle/>
-          <a:p>
-            <a:pPr eaLnBrk="0" fontAlgn="base" latinLnBrk="0" hangingPunct="0">
-              <a:lnSpc>
-                <a:spcPct val="100000"/>
-              </a:lnSpc>
-              <a:spcBef>
-                <a:spcPct val="0"/>
-              </a:spcBef>
-              <a:spcAft>
-                <a:spcPct val="0"/>
-              </a:spcAft>
-            </a:pPr>
-            <a:r>
-              <a:rPr lang="ko-KR" altLang="en-US" dirty="0" smtClean="0">
-                <a:latin typeface="함초롬돋움" panose="020B0604000101010101" pitchFamily="50" charset="-127"/>
-                <a:ea typeface="함초롬돋움" panose="020B0604000101010101" pitchFamily="50" charset="-127"/>
-                <a:cs typeface="함초롬돋움" panose="020B0604000101010101" pitchFamily="50" charset="-127"/>
-              </a:rPr>
-              <a:t>지원 하지 않는 컨트롤들은 </a:t>
-            </a:r>
-            <a:r>
-              <a:rPr lang="en-US" altLang="ko-KR" dirty="0" err="1" smtClean="0">
-                <a:latin typeface="함초롬돋움" panose="020B0604000101010101" pitchFamily="50" charset="-127"/>
-                <a:ea typeface="함초롬돋움" panose="020B0604000101010101" pitchFamily="50" charset="-127"/>
-                <a:cs typeface="함초롬돋움" panose="020B0604000101010101" pitchFamily="50" charset="-127"/>
-              </a:rPr>
-              <a:t>RegionAdapterBase</a:t>
-            </a:r>
-            <a:r>
-              <a:rPr lang="ko-KR" altLang="en-US" dirty="0" smtClean="0">
-                <a:latin typeface="함초롬돋움" panose="020B0604000101010101" pitchFamily="50" charset="-127"/>
-                <a:ea typeface="함초롬돋움" panose="020B0604000101010101" pitchFamily="50" charset="-127"/>
-                <a:cs typeface="함초롬돋움" panose="020B0604000101010101" pitchFamily="50" charset="-127"/>
-              </a:rPr>
-              <a:t>를 상속받아 직접 구현</a:t>
-            </a:r>
-            <a:endParaRPr lang="en-US" altLang="ko-KR" dirty="0" smtClean="0">
-              <a:latin typeface="함초롬돋움" panose="020B0604000101010101" pitchFamily="50" charset="-127"/>
-              <a:ea typeface="함초롬돋움" panose="020B0604000101010101" pitchFamily="50" charset="-127"/>
-              <a:cs typeface="함초롬돋움" panose="020B0604000101010101" pitchFamily="50" charset="-127"/>
-            </a:endParaRPr>
-          </a:p>
-          <a:p>
-            <a:pPr eaLnBrk="0" fontAlgn="base" latinLnBrk="0" hangingPunct="0">
-              <a:lnSpc>
-                <a:spcPct val="100000"/>
-              </a:lnSpc>
-              <a:spcBef>
-                <a:spcPct val="0"/>
-              </a:spcBef>
-              <a:spcAft>
-                <a:spcPct val="0"/>
-              </a:spcAft>
-            </a:pPr>
-            <a:endParaRPr lang="en-US" altLang="ko-KR" dirty="0">
-              <a:latin typeface="함초롬돋움" panose="020B0604000101010101" pitchFamily="50" charset="-127"/>
-              <a:ea typeface="함초롬돋움" panose="020B0604000101010101" pitchFamily="50" charset="-127"/>
-              <a:cs typeface="함초롬돋움" panose="020B0604000101010101" pitchFamily="50" charset="-127"/>
-            </a:endParaRPr>
-          </a:p>
-          <a:p>
-            <a:pPr eaLnBrk="0" fontAlgn="base" latinLnBrk="0" hangingPunct="0">
-              <a:lnSpc>
-                <a:spcPct val="100000"/>
-              </a:lnSpc>
-              <a:spcBef>
-                <a:spcPct val="0"/>
-              </a:spcBef>
-              <a:spcAft>
-                <a:spcPct val="0"/>
-              </a:spcAft>
-            </a:pPr>
-            <a:r>
-              <a:rPr lang="ko-KR" altLang="en-US" dirty="0" smtClean="0">
-                <a:latin typeface="함초롬돋움" panose="020B0604000101010101" pitchFamily="50" charset="-127"/>
-                <a:ea typeface="함초롬돋움" panose="020B0604000101010101" pitchFamily="50" charset="-127"/>
-                <a:cs typeface="함초롬돋움" panose="020B0604000101010101" pitchFamily="50" charset="-127"/>
-              </a:rPr>
-              <a:t>다음 </a:t>
-            </a:r>
-            <a:r>
-              <a:rPr lang="ko-KR" altLang="en-US" dirty="0" err="1" smtClean="0">
-                <a:latin typeface="함초롬돋움" panose="020B0604000101010101" pitchFamily="50" charset="-127"/>
-                <a:ea typeface="함초롬돋움" panose="020B0604000101010101" pitchFamily="50" charset="-127"/>
-                <a:cs typeface="함초롬돋움" panose="020B0604000101010101" pitchFamily="50" charset="-127"/>
-              </a:rPr>
-              <a:t>메소드를</a:t>
-            </a:r>
-            <a:r>
-              <a:rPr lang="ko-KR" altLang="en-US" dirty="0" smtClean="0">
-                <a:latin typeface="함초롬돋움" panose="020B0604000101010101" pitchFamily="50" charset="-127"/>
-                <a:ea typeface="함초롬돋움" panose="020B0604000101010101" pitchFamily="50" charset="-127"/>
-                <a:cs typeface="함초롬돋움" panose="020B0604000101010101" pitchFamily="50" charset="-127"/>
-              </a:rPr>
-              <a:t> 재정의 함</a:t>
-            </a:r>
-            <a:endParaRPr lang="en-US" altLang="ko-KR" dirty="0" smtClean="0">
-              <a:latin typeface="함초롬돋움" panose="020B0604000101010101" pitchFamily="50" charset="-127"/>
-              <a:ea typeface="함초롬돋움" panose="020B0604000101010101" pitchFamily="50" charset="-127"/>
-              <a:cs typeface="함초롬돋움" panose="020B0604000101010101" pitchFamily="50" charset="-127"/>
-            </a:endParaRPr>
-          </a:p>
-          <a:p>
-            <a:pPr lvl="1" eaLnBrk="0" fontAlgn="base" latinLnBrk="0" hangingPunct="0">
-              <a:lnSpc>
-                <a:spcPct val="100000"/>
-              </a:lnSpc>
-              <a:spcBef>
-                <a:spcPct val="0"/>
-              </a:spcBef>
-              <a:spcAft>
-                <a:spcPct val="0"/>
-              </a:spcAft>
-            </a:pPr>
-            <a:r>
-              <a:rPr lang="en-US" altLang="ko-KR" dirty="0" err="1" smtClean="0">
-                <a:latin typeface="함초롬돋움" panose="020B0604000101010101" pitchFamily="50" charset="-127"/>
-                <a:ea typeface="함초롬돋움" panose="020B0604000101010101" pitchFamily="50" charset="-127"/>
-                <a:cs typeface="함초롬돋움" panose="020B0604000101010101" pitchFamily="50" charset="-127"/>
-              </a:rPr>
-              <a:t>CreateRegion</a:t>
-            </a:r>
-            <a:endParaRPr lang="en-US" altLang="ko-KR" dirty="0" smtClean="0">
-              <a:latin typeface="함초롬돋움" panose="020B0604000101010101" pitchFamily="50" charset="-127"/>
-              <a:ea typeface="함초롬돋움" panose="020B0604000101010101" pitchFamily="50" charset="-127"/>
-              <a:cs typeface="함초롬돋움" panose="020B0604000101010101" pitchFamily="50" charset="-127"/>
-            </a:endParaRPr>
-          </a:p>
-          <a:p>
-            <a:pPr lvl="1" eaLnBrk="0" fontAlgn="base" latinLnBrk="0" hangingPunct="0">
-              <a:lnSpc>
-                <a:spcPct val="100000"/>
-              </a:lnSpc>
-              <a:spcBef>
-                <a:spcPct val="0"/>
-              </a:spcBef>
-              <a:spcAft>
-                <a:spcPct val="0"/>
-              </a:spcAft>
-            </a:pPr>
-            <a:r>
-              <a:rPr lang="en-US" altLang="ko-KR" dirty="0" smtClean="0">
-                <a:latin typeface="함초롬돋움" panose="020B0604000101010101" pitchFamily="50" charset="-127"/>
-                <a:ea typeface="함초롬돋움" panose="020B0604000101010101" pitchFamily="50" charset="-127"/>
-                <a:cs typeface="함초롬돋움" panose="020B0604000101010101" pitchFamily="50" charset="-127"/>
-              </a:rPr>
-              <a:t>Adapt</a:t>
-            </a:r>
-          </a:p>
-          <a:p>
-            <a:pPr lvl="1" eaLnBrk="0" fontAlgn="base" latinLnBrk="0" hangingPunct="0">
-              <a:lnSpc>
-                <a:spcPct val="100000"/>
-              </a:lnSpc>
-              <a:spcBef>
-                <a:spcPct val="0"/>
-              </a:spcBef>
-              <a:spcAft>
-                <a:spcPct val="0"/>
-              </a:spcAft>
-            </a:pPr>
-            <a:r>
-              <a:rPr lang="en-US" altLang="ko-KR" dirty="0" err="1" smtClean="0">
-                <a:latin typeface="함초롬돋움" panose="020B0604000101010101" pitchFamily="50" charset="-127"/>
-                <a:ea typeface="함초롬돋움" panose="020B0604000101010101" pitchFamily="50" charset="-127"/>
-                <a:cs typeface="함초롬돋움" panose="020B0604000101010101" pitchFamily="50" charset="-127"/>
-              </a:rPr>
-              <a:t>AttachBehavior</a:t>
-            </a:r>
-            <a:r>
-              <a:rPr lang="en-US" altLang="ko-KR" dirty="0" smtClean="0">
-                <a:latin typeface="함초롬돋움" panose="020B0604000101010101" pitchFamily="50" charset="-127"/>
-                <a:ea typeface="함초롬돋움" panose="020B0604000101010101" pitchFamily="50" charset="-127"/>
-                <a:cs typeface="함초롬돋움" panose="020B0604000101010101" pitchFamily="50" charset="-127"/>
-              </a:rPr>
-              <a:t>(</a:t>
-            </a:r>
-            <a:r>
-              <a:rPr lang="ko-KR" altLang="en-US" dirty="0" smtClean="0">
-                <a:latin typeface="함초롬돋움" panose="020B0604000101010101" pitchFamily="50" charset="-127"/>
-                <a:ea typeface="함초롬돋움" panose="020B0604000101010101" pitchFamily="50" charset="-127"/>
-                <a:cs typeface="함초롬돋움" panose="020B0604000101010101" pitchFamily="50" charset="-127"/>
-              </a:rPr>
-              <a:t>옵션</a:t>
-            </a:r>
-            <a:r>
-              <a:rPr lang="en-US" altLang="ko-KR" dirty="0" smtClean="0">
-                <a:latin typeface="함초롬돋움" panose="020B0604000101010101" pitchFamily="50" charset="-127"/>
-                <a:ea typeface="함초롬돋움" panose="020B0604000101010101" pitchFamily="50" charset="-127"/>
-                <a:cs typeface="함초롬돋움" panose="020B0604000101010101" pitchFamily="50" charset="-127"/>
-              </a:rPr>
-              <a:t>)</a:t>
-            </a:r>
-          </a:p>
-          <a:p>
-            <a:pPr lvl="1" eaLnBrk="0" fontAlgn="base" latinLnBrk="0" hangingPunct="0">
-              <a:lnSpc>
-                <a:spcPct val="100000"/>
-              </a:lnSpc>
-              <a:spcBef>
-                <a:spcPct val="0"/>
-              </a:spcBef>
-              <a:spcAft>
-                <a:spcPct val="0"/>
-              </a:spcAft>
-            </a:pPr>
-            <a:endParaRPr lang="en-US" altLang="ko-KR" dirty="0" smtClean="0">
-              <a:latin typeface="함초롬돋움" panose="020B0604000101010101" pitchFamily="50" charset="-127"/>
-              <a:ea typeface="함초롬돋움" panose="020B0604000101010101" pitchFamily="50" charset="-127"/>
-              <a:cs typeface="함초롬돋움" panose="020B0604000101010101" pitchFamily="50" charset="-127"/>
-            </a:endParaRPr>
-          </a:p>
-          <a:p>
-            <a:pPr eaLnBrk="0" fontAlgn="base" latinLnBrk="0" hangingPunct="0">
-              <a:lnSpc>
-                <a:spcPct val="100000"/>
-              </a:lnSpc>
-              <a:spcBef>
-                <a:spcPct val="0"/>
-              </a:spcBef>
-              <a:spcAft>
-                <a:spcPct val="0"/>
-              </a:spcAft>
-            </a:pPr>
-            <a:r>
-              <a:rPr lang="en-US" altLang="ko-KR" dirty="0" err="1" smtClean="0">
-                <a:latin typeface="함초롬돋움" panose="020B0604000101010101" pitchFamily="50" charset="-127"/>
-                <a:ea typeface="함초롬돋움" panose="020B0604000101010101" pitchFamily="50" charset="-127"/>
-                <a:cs typeface="함초롬돋움" panose="020B0604000101010101" pitchFamily="50" charset="-127"/>
-              </a:rPr>
-              <a:t>Bootstrapper</a:t>
-            </a:r>
-            <a:r>
-              <a:rPr lang="ko-KR" altLang="en-US" dirty="0" smtClean="0">
-                <a:latin typeface="함초롬돋움" panose="020B0604000101010101" pitchFamily="50" charset="-127"/>
-                <a:ea typeface="함초롬돋움" panose="020B0604000101010101" pitchFamily="50" charset="-127"/>
-                <a:cs typeface="함초롬돋움" panose="020B0604000101010101" pitchFamily="50" charset="-127"/>
-              </a:rPr>
-              <a:t>에 </a:t>
-            </a:r>
-            <a:r>
-              <a:rPr lang="en-US" altLang="ko-KR" dirty="0" err="1" smtClean="0">
-                <a:latin typeface="함초롬돋움" panose="020B0604000101010101" pitchFamily="50" charset="-127"/>
-                <a:ea typeface="함초롬돋움" panose="020B0604000101010101" pitchFamily="50" charset="-127"/>
-                <a:cs typeface="함초롬돋움" panose="020B0604000101010101" pitchFamily="50" charset="-127"/>
-              </a:rPr>
-              <a:t>ConfigurationRegionAdapterMapping</a:t>
-            </a:r>
-            <a:r>
-              <a:rPr lang="en-US" altLang="ko-KR" dirty="0" smtClean="0">
-                <a:latin typeface="함초롬돋움" panose="020B0604000101010101" pitchFamily="50" charset="-127"/>
-                <a:ea typeface="함초롬돋움" panose="020B0604000101010101" pitchFamily="50" charset="-127"/>
-                <a:cs typeface="함초롬돋움" panose="020B0604000101010101" pitchFamily="50" charset="-127"/>
-              </a:rPr>
-              <a:t> </a:t>
-            </a:r>
-            <a:r>
-              <a:rPr lang="ko-KR" altLang="en-US" dirty="0" err="1" smtClean="0">
-                <a:latin typeface="함초롬돋움" panose="020B0604000101010101" pitchFamily="50" charset="-127"/>
-                <a:ea typeface="함초롬돋움" panose="020B0604000101010101" pitchFamily="50" charset="-127"/>
-                <a:cs typeface="함초롬돋움" panose="020B0604000101010101" pitchFamily="50" charset="-127"/>
-              </a:rPr>
-              <a:t>메소드를</a:t>
-            </a:r>
-            <a:r>
-              <a:rPr lang="ko-KR" altLang="en-US" dirty="0" smtClean="0">
-                <a:latin typeface="함초롬돋움" panose="020B0604000101010101" pitchFamily="50" charset="-127"/>
-                <a:ea typeface="함초롬돋움" panose="020B0604000101010101" pitchFamily="50" charset="-127"/>
-                <a:cs typeface="함초롬돋움" panose="020B0604000101010101" pitchFamily="50" charset="-127"/>
-              </a:rPr>
-              <a:t> 재정의 하여 </a:t>
-            </a:r>
-            <a:r>
-              <a:rPr lang="ko-KR" altLang="en-US" dirty="0" err="1" smtClean="0">
-                <a:latin typeface="함초롬돋움" panose="020B0604000101010101" pitchFamily="50" charset="-127"/>
-                <a:ea typeface="함초롬돋움" panose="020B0604000101010101" pitchFamily="50" charset="-127"/>
-                <a:cs typeface="함초롬돋움" panose="020B0604000101010101" pitchFamily="50" charset="-127"/>
-              </a:rPr>
-              <a:t>커스텀</a:t>
-            </a:r>
-            <a:r>
-              <a:rPr lang="ko-KR" altLang="en-US" dirty="0" smtClean="0">
-                <a:latin typeface="함초롬돋움" panose="020B0604000101010101" pitchFamily="50" charset="-127"/>
-                <a:ea typeface="함초롬돋움" panose="020B0604000101010101" pitchFamily="50" charset="-127"/>
-                <a:cs typeface="함초롬돋움" panose="020B0604000101010101" pitchFamily="50" charset="-127"/>
-              </a:rPr>
-              <a:t> </a:t>
-            </a:r>
-            <a:r>
-              <a:rPr lang="en-US" altLang="ko-KR" dirty="0" err="1" smtClean="0">
-                <a:latin typeface="함초롬돋움" panose="020B0604000101010101" pitchFamily="50" charset="-127"/>
-                <a:ea typeface="함초롬돋움" panose="020B0604000101010101" pitchFamily="50" charset="-127"/>
-                <a:cs typeface="함초롬돋움" panose="020B0604000101010101" pitchFamily="50" charset="-127"/>
-              </a:rPr>
-              <a:t>RegionAdapter</a:t>
-            </a:r>
-            <a:r>
-              <a:rPr lang="ko-KR" altLang="en-US" dirty="0" smtClean="0">
-                <a:latin typeface="함초롬돋움" panose="020B0604000101010101" pitchFamily="50" charset="-127"/>
-                <a:ea typeface="함초롬돋움" panose="020B0604000101010101" pitchFamily="50" charset="-127"/>
-                <a:cs typeface="함초롬돋움" panose="020B0604000101010101" pitchFamily="50" charset="-127"/>
-              </a:rPr>
-              <a:t>를 추가</a:t>
-            </a:r>
-            <a:endParaRPr lang="en-US" altLang="ko-KR" dirty="0" smtClean="0">
-              <a:latin typeface="함초롬돋움" panose="020B0604000101010101" pitchFamily="50" charset="-127"/>
-              <a:ea typeface="함초롬돋움" panose="020B0604000101010101" pitchFamily="50" charset="-127"/>
-              <a:cs typeface="함초롬돋움" panose="020B0604000101010101" pitchFamily="50" charset="-127"/>
-            </a:endParaRPr>
-          </a:p>
-        </p:txBody>
-      </p:sp>
-    </p:spTree>
-    <p:extLst>
-      <p:ext uri="{BB962C8B-B14F-4D97-AF65-F5344CB8AC3E}">
-        <p14:creationId xmlns:p14="http://schemas.microsoft.com/office/powerpoint/2010/main" val="324836493"/>
-      </p:ext>
-    </p:extLst>
-  </p:cSld>
-  <p:clrMapOvr>
-    <a:masterClrMapping/>
-  </p:clrMapOvr>
-  <p:timing>
-    <p:tnLst>
-      <p:par>
-        <p:cTn id="1" dur="indefinite" restart="never" nodeType="tmRoot"/>
-      </p:par>
-    </p:tnLst>
-  </p:timing>
-</p:sld>
-</file>
-
 <file path=ppt/slides/slide17.xml><?xml version="1.0" encoding="utf-8"?>
 <p:sld xmlns:a="http://schemas.openxmlformats.org/drawingml/2006/main" xmlns:r="http://schemas.openxmlformats.org/officeDocument/2006/relationships" xmlns:p="http://schemas.openxmlformats.org/presentationml/2006/main">
   <p:cSld>
@@ -5602,7 +5247,7 @@
                 <a:ea typeface="함초롬돋움" panose="020B0604000101010101" pitchFamily="50" charset="-127"/>
                 <a:cs typeface="함초롬돋움" panose="020B0604000101010101" pitchFamily="50" charset="-127"/>
               </a:rPr>
-              <a:t>CreateRegion</a:t>
+              <a:t>RegionAdapter</a:t>
             </a:r>
             <a:endParaRPr lang="ko-KR" altLang="en-US" dirty="0">
               <a:latin typeface="함초롬돋움" panose="020B0604000101010101" pitchFamily="50" charset="-127"/>
@@ -5646,15 +5291,15 @@
                 <a:ea typeface="함초롬돋움" panose="020B0604000101010101" pitchFamily="50" charset="-127"/>
                 <a:cs typeface="함초롬돋움" panose="020B0604000101010101" pitchFamily="50" charset="-127"/>
               </a:rPr>
-              <a:t>연결되는 컨트롤에 </a:t>
-            </a:r>
-            <a:r>
-              <a:rPr lang="en-US" altLang="ko-KR" dirty="0" smtClean="0">
-                <a:latin typeface="함초롬돋움" panose="020B0604000101010101" pitchFamily="50" charset="-127"/>
-                <a:ea typeface="함초롬돋움" panose="020B0604000101010101" pitchFamily="50" charset="-127"/>
-                <a:cs typeface="함초롬돋움" panose="020B0604000101010101" pitchFamily="50" charset="-127"/>
-              </a:rPr>
-              <a:t>Region</a:t>
+              <a:t>지원 하지 않는 컨트롤들은 </a:t>
+            </a:r>
+            <a:r>
+              <a:rPr lang="en-US" altLang="ko-KR" dirty="0" err="1" smtClean="0">
+                <a:latin typeface="함초롬돋움" panose="020B0604000101010101" pitchFamily="50" charset="-127"/>
+                <a:ea typeface="함초롬돋움" panose="020B0604000101010101" pitchFamily="50" charset="-127"/>
+                <a:cs typeface="함초롬돋움" panose="020B0604000101010101" pitchFamily="50" charset="-127"/>
+              </a:rPr>
+              <a:t>RegionAdapterBase</a:t>
             </a:r>
             <a:r>
               <a:rPr lang="ko-KR" altLang="en-US" dirty="0" smtClean="0">
@@ -5662,7 +5307,7 @@
                 <a:ea typeface="함초롬돋움" panose="020B0604000101010101" pitchFamily="50" charset="-127"/>
                 <a:cs typeface="함초롬돋움" panose="020B0604000101010101" pitchFamily="50" charset="-127"/>
               </a:rPr>
-              <a:t>을 반환</a:t>
+              <a:t>를 상속받아 직접 구현</a:t>
             </a:r>
             <a:endParaRPr lang="en-US" altLang="ko-KR" dirty="0" smtClean="0">
               <a:latin typeface="함초롬돋움" panose="020B0604000101010101" pitchFamily="50" charset="-127"/>
@@ -5682,64 +5327,6 @@
                 <a:spcPct val="0"/>
               </a:spcAft>
             </a:pPr>
-            <a:endParaRPr lang="en-US" altLang="ko-KR" dirty="0">
-              <a:latin typeface="함초롬돋움" panose="020B0604000101010101" pitchFamily="50" charset="-127"/>
-              <a:ea typeface="함초롬돋움" panose="020B0604000101010101" pitchFamily="50" charset="-127"/>
-              <a:cs typeface="함초롬돋움" panose="020B0604000101010101" pitchFamily="50" charset="-127"/>
-            </a:endParaRPr>
-          </a:p>
-          <a:p>
-            <a:pPr eaLnBrk="0" fontAlgn="base" latinLnBrk="0" hangingPunct="0">
-              <a:lnSpc>
-                <a:spcPct val="100000"/>
-              </a:lnSpc>
-              <a:spcBef>
-                <a:spcPct val="0"/>
-              </a:spcBef>
-              <a:spcAft>
-                <a:spcPct val="0"/>
-              </a:spcAft>
-            </a:pPr>
-            <a:r>
-              <a:rPr lang="ko-KR" altLang="en-US" dirty="0" smtClean="0">
-                <a:latin typeface="함초롬돋움" panose="020B0604000101010101" pitchFamily="50" charset="-127"/>
-                <a:ea typeface="함초롬돋움" panose="020B0604000101010101" pitchFamily="50" charset="-127"/>
-                <a:cs typeface="함초롬돋움" panose="020B0604000101010101" pitchFamily="50" charset="-127"/>
-              </a:rPr>
-              <a:t>반환하는 </a:t>
-            </a:r>
-            <a:r>
-              <a:rPr lang="en-US" altLang="ko-KR" dirty="0" smtClean="0">
-                <a:latin typeface="함초롬돋움" panose="020B0604000101010101" pitchFamily="50" charset="-127"/>
-                <a:ea typeface="함초롬돋움" panose="020B0604000101010101" pitchFamily="50" charset="-127"/>
-                <a:cs typeface="함초롬돋움" panose="020B0604000101010101" pitchFamily="50" charset="-127"/>
-              </a:rPr>
-              <a:t>Region </a:t>
-            </a:r>
-            <a:r>
-              <a:rPr lang="ko-KR" altLang="en-US" dirty="0" smtClean="0">
-                <a:latin typeface="함초롬돋움" panose="020B0604000101010101" pitchFamily="50" charset="-127"/>
-                <a:ea typeface="함초롬돋움" panose="020B0604000101010101" pitchFamily="50" charset="-127"/>
-                <a:cs typeface="함초롬돋움" panose="020B0604000101010101" pitchFamily="50" charset="-127"/>
-              </a:rPr>
-              <a:t>클래스는 </a:t>
-            </a:r>
-            <a:r>
-              <a:rPr lang="en-US" altLang="ko-KR" dirty="0" smtClean="0">
-                <a:latin typeface="함초롬돋움" panose="020B0604000101010101" pitchFamily="50" charset="-127"/>
-                <a:ea typeface="함초롬돋움" panose="020B0604000101010101" pitchFamily="50" charset="-127"/>
-                <a:cs typeface="함초롬돋움" panose="020B0604000101010101" pitchFamily="50" charset="-127"/>
-              </a:rPr>
-              <a:t>Prism</a:t>
-            </a:r>
-            <a:r>
-              <a:rPr lang="ko-KR" altLang="en-US" dirty="0" smtClean="0">
-                <a:latin typeface="함초롬돋움" panose="020B0604000101010101" pitchFamily="50" charset="-127"/>
-                <a:ea typeface="함초롬돋움" panose="020B0604000101010101" pitchFamily="50" charset="-127"/>
-                <a:cs typeface="함초롬돋움" panose="020B0604000101010101" pitchFamily="50" charset="-127"/>
-              </a:rPr>
-              <a:t>에서 다음과 같이 제공</a:t>
-            </a:r>
             <a:endParaRPr lang="en-US" altLang="ko-KR" dirty="0" smtClean="0">
               <a:latin typeface="함초롬돋움" panose="020B0604000101010101" pitchFamily="50" charset="-127"/>
               <a:ea typeface="함초롬돋움" panose="020B0604000101010101" pitchFamily="50" charset="-127"/>
@@ -5747,7 +5334,7 @@
             </a:endParaRPr>
           </a:p>
           <a:p>
-            <a:pPr lvl="1" eaLnBrk="0" fontAlgn="base" latinLnBrk="0" hangingPunct="0">
+            <a:pPr eaLnBrk="0" fontAlgn="base" latinLnBrk="0" hangingPunct="0">
               <a:lnSpc>
                 <a:spcPct val="100000"/>
               </a:lnSpc>
@@ -5759,64 +5346,28 @@
               </a:spcAft>
             </a:pPr>
             <a:r>
-              <a:rPr lang="en-US" altLang="ko-KR" dirty="0" smtClean="0">
-                <a:latin typeface="함초롬돋움" panose="020B0604000101010101" pitchFamily="50" charset="-127"/>
-                <a:ea typeface="함초롬돋움" panose="020B0604000101010101" pitchFamily="50" charset="-127"/>
-                <a:cs typeface="함초롬돋움" panose="020B0604000101010101" pitchFamily="50" charset="-127"/>
-              </a:rPr>
-              <a:t>Region</a:t>
-            </a:r>
-          </a:p>
-          <a:p>
-            <a:pPr lvl="2" eaLnBrk="0" fontAlgn="base" latinLnBrk="0" hangingPunct="0">
-              <a:lnSpc>
-                <a:spcPct val="100000"/>
-              </a:lnSpc>
-              <a:spcBef>
-                <a:spcPct val="0"/>
-              </a:spcBef>
-              <a:spcAft>
-                <a:spcPct val="0"/>
-              </a:spcAft>
-              <a:buFont typeface="함초롬돋움" panose="020B0604000101010101" pitchFamily="50" charset="-127"/>
-              <a:buChar char="―"/>
-            </a:pPr>
-            <a:r>
               <a:rPr lang="ko-KR" altLang="en-US" dirty="0" smtClean="0">
                 <a:latin typeface="함초롬돋움" panose="020B0604000101010101" pitchFamily="50" charset="-127"/>
                 <a:ea typeface="함초롬돋움" panose="020B0604000101010101" pitchFamily="50" charset="-127"/>
                 <a:cs typeface="함초롬돋움" panose="020B0604000101010101" pitchFamily="50" charset="-127"/>
               </a:rPr>
-              <a:t>여러 활성화 뷰를 허용하는 </a:t>
-            </a:r>
-            <a:r>
-              <a:rPr lang="en-US" altLang="ko-KR" dirty="0" smtClean="0">
-                <a:latin typeface="함초롬돋움" panose="020B0604000101010101" pitchFamily="50" charset="-127"/>
-                <a:ea typeface="함초롬돋움" panose="020B0604000101010101" pitchFamily="50" charset="-127"/>
-                <a:cs typeface="함초롬돋움" panose="020B0604000101010101" pitchFamily="50" charset="-127"/>
-              </a:rPr>
-              <a:t>Region</a:t>
-            </a:r>
-          </a:p>
-          <a:p>
-            <a:pPr lvl="1" eaLnBrk="0" fontAlgn="base" latinLnBrk="0" hangingPunct="0">
-              <a:lnSpc>
-                <a:spcPct val="100000"/>
-              </a:lnSpc>
-              <a:spcBef>
-                <a:spcPct val="0"/>
-              </a:spcBef>
-              <a:spcAft>
-                <a:spcPct val="0"/>
-              </a:spcAft>
-            </a:pPr>
-            <a:r>
-              <a:rPr lang="en-US" altLang="ko-KR" dirty="0" err="1" smtClean="0">
-                <a:latin typeface="함초롬돋움" panose="020B0604000101010101" pitchFamily="50" charset="-127"/>
-                <a:ea typeface="함초롬돋움" panose="020B0604000101010101" pitchFamily="50" charset="-127"/>
-                <a:cs typeface="함초롬돋움" panose="020B0604000101010101" pitchFamily="50" charset="-127"/>
-              </a:rPr>
-              <a:t>SingleActiveRegion</a:t>
+              <a:t>다음 </a:t>
+            </a:r>
+            <a:r>
+              <a:rPr lang="ko-KR" altLang="en-US" dirty="0" err="1" smtClean="0">
+                <a:latin typeface="함초롬돋움" panose="020B0604000101010101" pitchFamily="50" charset="-127"/>
+                <a:ea typeface="함초롬돋움" panose="020B0604000101010101" pitchFamily="50" charset="-127"/>
+                <a:cs typeface="함초롬돋움" panose="020B0604000101010101" pitchFamily="50" charset="-127"/>
+              </a:rPr>
+              <a:t>메소드를</a:t>
+            </a:r>
+            <a:r>
+              <a:rPr lang="ko-KR" altLang="en-US" dirty="0" smtClean="0">
+                <a:latin typeface="함초롬돋움" panose="020B0604000101010101" pitchFamily="50" charset="-127"/>
+                <a:ea typeface="함초롬돋움" panose="020B0604000101010101" pitchFamily="50" charset="-127"/>
+                <a:cs typeface="함초롬돋움" panose="020B0604000101010101" pitchFamily="50" charset="-127"/>
+              </a:rPr>
+              <a:t> 재정의 함</a:t>
             </a:r>
             <a:endParaRPr lang="en-US" altLang="ko-KR" dirty="0" smtClean="0">
               <a:latin typeface="함초롬돋움" panose="020B0604000101010101" pitchFamily="50" charset="-127"/>
@@ -5825,37 +5376,6 @@
             </a:endParaRPr>
           </a:p>
           <a:p>
-            <a:pPr lvl="2" eaLnBrk="0" fontAlgn="base" latinLnBrk="0" hangingPunct="0">
-              <a:lnSpc>
-                <a:spcPct val="100000"/>
-              </a:lnSpc>
-              <a:spcBef>
-                <a:spcPct val="0"/>
-              </a:spcBef>
-              <a:spcAft>
-                <a:spcPct val="0"/>
-              </a:spcAft>
-              <a:buFont typeface="함초롬돋움" panose="020B0604000101010101" pitchFamily="50" charset="-127"/>
-              <a:buChar char="―"/>
-            </a:pPr>
-            <a:r>
-              <a:rPr lang="ko-KR" altLang="en-US" dirty="0" smtClean="0">
-                <a:latin typeface="함초롬돋움" panose="020B0604000101010101" pitchFamily="50" charset="-127"/>
-                <a:ea typeface="함초롬돋움" panose="020B0604000101010101" pitchFamily="50" charset="-127"/>
-                <a:cs typeface="함초롬돋움" panose="020B0604000101010101" pitchFamily="50" charset="-127"/>
-              </a:rPr>
-              <a:t>오직 하나의 활성화 뷰를 허용하는 </a:t>
-            </a:r>
-            <a:r>
-              <a:rPr lang="en-US" altLang="ko-KR" dirty="0" smtClean="0">
-                <a:latin typeface="함초롬돋움" panose="020B0604000101010101" pitchFamily="50" charset="-127"/>
-                <a:ea typeface="함초롬돋움" panose="020B0604000101010101" pitchFamily="50" charset="-127"/>
-                <a:cs typeface="함초롬돋움" panose="020B0604000101010101" pitchFamily="50" charset="-127"/>
-              </a:rPr>
-              <a:t>Region</a:t>
-            </a:r>
-          </a:p>
-          <a:p>
             <a:pPr lvl="1" eaLnBrk="0" fontAlgn="base" latinLnBrk="0" hangingPunct="0">
               <a:lnSpc>
                 <a:spcPct val="100000"/>
@@ -5873,7 +5393,47 @@
                 <a:ea typeface="함초롬돋움" panose="020B0604000101010101" pitchFamily="50" charset="-127"/>
                 <a:cs typeface="함초롬돋움" panose="020B0604000101010101" pitchFamily="50" charset="-127"/>
               </a:rPr>
-              <a:t>AllActiveRegion</a:t>
+              <a:t>CreateRegion</a:t>
+            </a:r>
+            <a:r>
+              <a:rPr lang="en-US" altLang="ko-KR" dirty="0" smtClean="0">
+                <a:latin typeface="함초롬돋움" panose="020B0604000101010101" pitchFamily="50" charset="-127"/>
+                <a:ea typeface="함초롬돋움" panose="020B0604000101010101" pitchFamily="50" charset="-127"/>
+                <a:cs typeface="함초롬돋움" panose="020B0604000101010101" pitchFamily="50" charset="-127"/>
+              </a:rPr>
+              <a:t> : </a:t>
+            </a:r>
+            <a:r>
+              <a:rPr lang="ko-KR" altLang="en-US" dirty="0">
+                <a:latin typeface="함초롬돋움" panose="020B0604000101010101" pitchFamily="50" charset="-127"/>
+                <a:ea typeface="함초롬돋움" panose="020B0604000101010101" pitchFamily="50" charset="-127"/>
+                <a:cs typeface="함초롬돋움" panose="020B0604000101010101" pitchFamily="50" charset="-127"/>
+              </a:rPr>
+              <a:t>연결되는 컨트롤과</a:t>
+            </a:r>
+            <a:r>
+              <a:rPr lang="en-US" altLang="ko-KR" dirty="0">
+                <a:latin typeface="함초롬돋움" panose="020B0604000101010101" pitchFamily="50" charset="-127"/>
+                <a:ea typeface="함초롬돋움" panose="020B0604000101010101" pitchFamily="50" charset="-127"/>
+                <a:cs typeface="함초롬돋움" panose="020B0604000101010101" pitchFamily="50" charset="-127"/>
+              </a:rPr>
+              <a:t> </a:t>
+            </a:r>
+            <a:r>
+              <a:rPr lang="ko-KR" altLang="en-US" dirty="0">
+                <a:latin typeface="함초롬돋움" panose="020B0604000101010101" pitchFamily="50" charset="-127"/>
+                <a:ea typeface="함초롬돋움" panose="020B0604000101010101" pitchFamily="50" charset="-127"/>
+                <a:cs typeface="함초롬돋움" panose="020B0604000101010101" pitchFamily="50" charset="-127"/>
+              </a:rPr>
+              <a:t>관련된 </a:t>
+            </a:r>
+            <a:r>
+              <a:rPr lang="en-US" altLang="ko-KR" dirty="0" smtClean="0">
+                <a:latin typeface="함초롬돋움" panose="020B0604000101010101" pitchFamily="50" charset="-127"/>
+                <a:ea typeface="함초롬돋움" panose="020B0604000101010101" pitchFamily="50" charset="-127"/>
+                <a:cs typeface="함초롬돋움" panose="020B0604000101010101" pitchFamily="50" charset="-127"/>
+              </a:rPr>
+              <a:t>Region</a:t>
             </a:r>
             <a:r>
               <a:rPr lang="ko-KR" altLang="en-US" dirty="0" smtClean="0">
@@ -5881,7 +5441,7 @@
                 <a:ea typeface="함초롬돋움" panose="020B0604000101010101" pitchFamily="50" charset="-127"/>
                 <a:cs typeface="함초롬돋움" panose="020B0604000101010101" pitchFamily="50" charset="-127"/>
               </a:rPr>
-              <a:t> </a:t>
+              <a:t> 생성하여 반환</a:t>
             </a:r>
             <a:endParaRPr lang="en-US" altLang="ko-KR" dirty="0" smtClean="0">
               <a:latin typeface="함초롬돋움" panose="020B0604000101010101" pitchFamily="50" charset="-127"/>
@@ -5890,7 +5450,7 @@
             </a:endParaRPr>
           </a:p>
           <a:p>
-            <a:pPr lvl="2" eaLnBrk="0" fontAlgn="base" latinLnBrk="0" hangingPunct="0">
+            <a:pPr lvl="1" eaLnBrk="0" fontAlgn="base" latinLnBrk="0" hangingPunct="0">
               <a:lnSpc>
                 <a:spcPct val="100000"/>
               </a:lnSpc>
@@ -5900,16 +5460,22 @@
               <a:spcAft>
                 <a:spcPct val="0"/>
               </a:spcAft>
-              <a:buFont typeface="함초롬돋움" panose="020B0604000101010101" pitchFamily="50" charset="-127"/>
-              <a:buChar char="―"/>
             </a:pPr>
             <a:r>
+              <a:rPr lang="en-US" altLang="ko-KR" dirty="0" smtClean="0">
+                <a:latin typeface="함초롬돋움" panose="020B0604000101010101" pitchFamily="50" charset="-127"/>
+                <a:ea typeface="함초롬돋움" panose="020B0604000101010101" pitchFamily="50" charset="-127"/>
+                <a:cs typeface="함초롬돋움" panose="020B0604000101010101" pitchFamily="50" charset="-127"/>
+              </a:rPr>
+              <a:t>Adapt : </a:t>
+            </a:r>
+            <a:r>
               <a:rPr lang="ko-KR" altLang="en-US" dirty="0" smtClean="0">
                 <a:latin typeface="함초롬돋움" panose="020B0604000101010101" pitchFamily="50" charset="-127"/>
                 <a:ea typeface="함초롬돋움" panose="020B0604000101010101" pitchFamily="50" charset="-127"/>
                 <a:cs typeface="함초롬돋움" panose="020B0604000101010101" pitchFamily="50" charset="-127"/>
               </a:rPr>
-              <a:t>모든 활성화 뷰들을 유지하는 </a:t>
+              <a:t>생성한 </a:t>
             </a:r>
             <a:r>
               <a:rPr lang="en-US" altLang="ko-KR" dirty="0" smtClean="0">
@@ -5919,41 +5485,143 @@
               </a:rPr>
               <a:t>Region</a:t>
             </a:r>
-          </a:p>
-          <a:p>
-            <a:pPr lvl="2" eaLnBrk="0" fontAlgn="base" latinLnBrk="0" hangingPunct="0">
-              <a:lnSpc>
-                <a:spcPct val="100000"/>
-              </a:lnSpc>
-              <a:spcBef>
-                <a:spcPct val="0"/>
-              </a:spcBef>
-              <a:spcAft>
-                <a:spcPct val="0"/>
-              </a:spcAft>
-              <a:buFont typeface="함초롬돋움" panose="020B0604000101010101" pitchFamily="50" charset="-127"/>
-              <a:buChar char="―"/>
-            </a:pPr>
             <a:r>
               <a:rPr lang="ko-KR" altLang="en-US" dirty="0" smtClean="0">
                 <a:latin typeface="함초롬돋움" panose="020B0604000101010101" pitchFamily="50" charset="-127"/>
                 <a:ea typeface="함초롬돋움" panose="020B0604000101010101" pitchFamily="50" charset="-127"/>
                 <a:cs typeface="함초롬돋움" panose="020B0604000101010101" pitchFamily="50" charset="-127"/>
               </a:rPr>
-              <a:t>비활성화 뷰들은 허용하지 않음</a:t>
-            </a:r>
-            <a:endParaRPr lang="en-US" altLang="ko-KR" dirty="0">
+              <a:t>을 컨트롤에 연결</a:t>
+            </a:r>
+            <a:endParaRPr lang="en-US" altLang="ko-KR" dirty="0" smtClean="0">
               <a:latin typeface="함초롬돋움" panose="020B0604000101010101" pitchFamily="50" charset="-127"/>
               <a:ea typeface="함초롬돋움" panose="020B0604000101010101" pitchFamily="50" charset="-127"/>
               <a:cs typeface="함초롬돋움" panose="020B0604000101010101" pitchFamily="50" charset="-127"/>
             </a:endParaRPr>
           </a:p>
+          <a:p>
+            <a:pPr marL="457200" lvl="1" indent="0" eaLnBrk="0" fontAlgn="base" latinLnBrk="0" hangingPunct="0">
+              <a:lnSpc>
+                <a:spcPct val="100000"/>
+              </a:lnSpc>
+              <a:spcBef>
+                <a:spcPct val="0"/>
+              </a:spcBef>
+              <a:spcAft>
+                <a:spcPct val="0"/>
+              </a:spcAft>
+              <a:buNone/>
+            </a:pPr>
+            <a:endParaRPr lang="en-US" altLang="ko-KR" dirty="0" smtClean="0">
+              <a:latin typeface="함초롬돋움" panose="020B0604000101010101" pitchFamily="50" charset="-127"/>
+              <a:ea typeface="함초롬돋움" panose="020B0604000101010101" pitchFamily="50" charset="-127"/>
+              <a:cs typeface="함초롬돋움" panose="020B0604000101010101" pitchFamily="50" charset="-127"/>
+            </a:endParaRPr>
+          </a:p>
+          <a:p>
+            <a:pPr eaLnBrk="0" fontAlgn="base" latinLnBrk="0" hangingPunct="0">
+              <a:lnSpc>
+                <a:spcPct val="100000"/>
+              </a:lnSpc>
+              <a:spcBef>
+                <a:spcPct val="0"/>
+              </a:spcBef>
+              <a:spcAft>
+                <a:spcPct val="0"/>
+              </a:spcAft>
+            </a:pPr>
+            <a:r>
+              <a:rPr lang="en-US" altLang="ko-KR" dirty="0" err="1" smtClean="0">
+                <a:latin typeface="함초롬돋움" panose="020B0604000101010101" pitchFamily="50" charset="-127"/>
+                <a:ea typeface="함초롬돋움" panose="020B0604000101010101" pitchFamily="50" charset="-127"/>
+                <a:cs typeface="함초롬돋움" panose="020B0604000101010101" pitchFamily="50" charset="-127"/>
+              </a:rPr>
+              <a:t>Bootstrapper</a:t>
+            </a:r>
+            <a:r>
+              <a:rPr lang="ko-KR" altLang="en-US" dirty="0" smtClean="0">
+                <a:latin typeface="함초롬돋움" panose="020B0604000101010101" pitchFamily="50" charset="-127"/>
+                <a:ea typeface="함초롬돋움" panose="020B0604000101010101" pitchFamily="50" charset="-127"/>
+                <a:cs typeface="함초롬돋움" panose="020B0604000101010101" pitchFamily="50" charset="-127"/>
+              </a:rPr>
+              <a:t>에 </a:t>
+            </a:r>
+            <a:r>
+              <a:rPr lang="en-US" altLang="ko-KR" dirty="0" err="1" smtClean="0">
+                <a:latin typeface="함초롬돋움" panose="020B0604000101010101" pitchFamily="50" charset="-127"/>
+                <a:ea typeface="함초롬돋움" panose="020B0604000101010101" pitchFamily="50" charset="-127"/>
+                <a:cs typeface="함초롬돋움" panose="020B0604000101010101" pitchFamily="50" charset="-127"/>
+              </a:rPr>
+              <a:t>ConfigurationRegionAdapterMapping</a:t>
+            </a:r>
+            <a:r>
+              <a:rPr lang="en-US" altLang="ko-KR" dirty="0" smtClean="0">
+                <a:latin typeface="함초롬돋움" panose="020B0604000101010101" pitchFamily="50" charset="-127"/>
+                <a:ea typeface="함초롬돋움" panose="020B0604000101010101" pitchFamily="50" charset="-127"/>
+                <a:cs typeface="함초롬돋움" panose="020B0604000101010101" pitchFamily="50" charset="-127"/>
+              </a:rPr>
+              <a:t> </a:t>
+            </a:r>
+            <a:r>
+              <a:rPr lang="ko-KR" altLang="en-US" dirty="0" err="1" smtClean="0">
+                <a:latin typeface="함초롬돋움" panose="020B0604000101010101" pitchFamily="50" charset="-127"/>
+                <a:ea typeface="함초롬돋움" panose="020B0604000101010101" pitchFamily="50" charset="-127"/>
+                <a:cs typeface="함초롬돋움" panose="020B0604000101010101" pitchFamily="50" charset="-127"/>
+              </a:rPr>
+              <a:t>메소드를</a:t>
+            </a:r>
+            <a:r>
+              <a:rPr lang="ko-KR" altLang="en-US" dirty="0" smtClean="0">
+                <a:latin typeface="함초롬돋움" panose="020B0604000101010101" pitchFamily="50" charset="-127"/>
+                <a:ea typeface="함초롬돋움" panose="020B0604000101010101" pitchFamily="50" charset="-127"/>
+                <a:cs typeface="함초롬돋움" panose="020B0604000101010101" pitchFamily="50" charset="-127"/>
+              </a:rPr>
+              <a:t> 재정의 하여 </a:t>
+            </a:r>
+            <a:r>
+              <a:rPr lang="ko-KR" altLang="en-US" dirty="0" err="1" smtClean="0">
+                <a:latin typeface="함초롬돋움" panose="020B0604000101010101" pitchFamily="50" charset="-127"/>
+                <a:ea typeface="함초롬돋움" panose="020B0604000101010101" pitchFamily="50" charset="-127"/>
+                <a:cs typeface="함초롬돋움" panose="020B0604000101010101" pitchFamily="50" charset="-127"/>
+              </a:rPr>
+              <a:t>커스텀</a:t>
+            </a:r>
+            <a:r>
+              <a:rPr lang="ko-KR" altLang="en-US" dirty="0" smtClean="0">
+                <a:latin typeface="함초롬돋움" panose="020B0604000101010101" pitchFamily="50" charset="-127"/>
+                <a:ea typeface="함초롬돋움" panose="020B0604000101010101" pitchFamily="50" charset="-127"/>
+                <a:cs typeface="함초롬돋움" panose="020B0604000101010101" pitchFamily="50" charset="-127"/>
+              </a:rPr>
+              <a:t> </a:t>
+            </a:r>
+            <a:r>
+              <a:rPr lang="en-US" altLang="ko-KR" dirty="0" err="1" smtClean="0">
+                <a:latin typeface="함초롬돋움" panose="020B0604000101010101" pitchFamily="50" charset="-127"/>
+                <a:ea typeface="함초롬돋움" panose="020B0604000101010101" pitchFamily="50" charset="-127"/>
+                <a:cs typeface="함초롬돋움" panose="020B0604000101010101" pitchFamily="50" charset="-127"/>
+              </a:rPr>
+              <a:t>RegionAdapter</a:t>
+            </a:r>
+            <a:r>
+              <a:rPr lang="ko-KR" altLang="en-US" dirty="0" smtClean="0">
+                <a:latin typeface="함초롬돋움" panose="020B0604000101010101" pitchFamily="50" charset="-127"/>
+                <a:ea typeface="함초롬돋움" panose="020B0604000101010101" pitchFamily="50" charset="-127"/>
+                <a:cs typeface="함초롬돋움" panose="020B0604000101010101" pitchFamily="50" charset="-127"/>
+              </a:rPr>
+              <a:t>를 추가</a:t>
+            </a:r>
+            <a:endParaRPr lang="en-US" altLang="ko-KR" dirty="0" smtClean="0">
+              <a:latin typeface="함초롬돋움" panose="020B0604000101010101" pitchFamily="50" charset="-127"/>
+              <a:ea typeface="함초롬돋움" panose="020B0604000101010101" pitchFamily="50" charset="-127"/>
+              <a:cs typeface="함초롬돋움" panose="020B0604000101010101" pitchFamily="50" charset="-127"/>
+            </a:endParaRPr>
+          </a:p>
         </p:txBody>
       </p:sp>
     </p:spTree>
     <p:extLst>
       <p:ext uri="{BB962C8B-B14F-4D97-AF65-F5344CB8AC3E}">
-        <p14:creationId xmlns:p14="http://schemas.microsoft.com/office/powerpoint/2010/main" val="3037380838"/>
+        <p14:creationId xmlns:p14="http://schemas.microsoft.com/office/powerpoint/2010/main" val="324836493"/>
       </p:ext>
     </p:extLst>
   </p:cSld>
@@ -6029,711 +5697,12 @@
           </a:lstStyle>
           <a:p>
             <a:r>
-              <a:rPr lang="en-US" altLang="ko-KR" dirty="0" smtClean="0">
-                <a:latin typeface="함초롬돋움" panose="020B0604000101010101" pitchFamily="50" charset="-127"/>
-                <a:ea typeface="함초롬돋움" panose="020B0604000101010101" pitchFamily="50" charset="-127"/>
-                <a:cs typeface="함초롬돋움" panose="020B0604000101010101" pitchFamily="50" charset="-127"/>
-              </a:rPr>
-              <a:t>Adapt</a:t>
-            </a:r>
-            <a:endParaRPr lang="ko-KR" altLang="en-US" dirty="0">
-              <a:latin typeface="함초롬돋움" panose="020B0604000101010101" pitchFamily="50" charset="-127"/>
-              <a:ea typeface="함초롬돋움" panose="020B0604000101010101" pitchFamily="50" charset="-127"/>
-              <a:cs typeface="함초롬돋움" panose="020B0604000101010101" pitchFamily="50" charset="-127"/>
-            </a:endParaRPr>
-          </a:p>
-        </p:txBody>
-      </p:sp>
-      <p:sp>
-        <p:nvSpPr>
-          <p:cNvPr id="10" name="내용 개체 틀 2"/>
-          <p:cNvSpPr>
-            <a:spLocks noGrp="1"/>
-          </p:cNvSpPr>
-          <p:nvPr>
-            <p:ph idx="1"/>
-          </p:nvPr>
-        </p:nvSpPr>
-        <p:spPr/>
-        <p:txBody>
-          <a:bodyPr>
-            <a:noAutofit/>
-          </a:bodyPr>
-          <a:lstStyle/>
-          <a:p>
-            <a:pPr eaLnBrk="0" fontAlgn="base" latinLnBrk="0" hangingPunct="0">
-              <a:lnSpc>
-                <a:spcPct val="100000"/>
-              </a:lnSpc>
-              <a:spcBef>
-                <a:spcPct val="0"/>
-              </a:spcBef>
-              <a:spcAft>
-                <a:spcPct val="0"/>
-              </a:spcAft>
-            </a:pPr>
-            <a:r>
-              <a:rPr lang="en-US" altLang="ko-KR" dirty="0" err="1" smtClean="0">
-                <a:latin typeface="함초롬돋움" panose="020B0604000101010101" pitchFamily="50" charset="-127"/>
-                <a:ea typeface="함초롬돋움" panose="020B0604000101010101" pitchFamily="50" charset="-127"/>
-                <a:cs typeface="함초롬돋움" panose="020B0604000101010101" pitchFamily="50" charset="-127"/>
-              </a:rPr>
-              <a:t>CreateRegion</a:t>
-            </a:r>
-            <a:r>
-              <a:rPr lang="en-US" altLang="ko-KR" dirty="0" smtClean="0">
-                <a:latin typeface="함초롬돋움" panose="020B0604000101010101" pitchFamily="50" charset="-127"/>
-                <a:ea typeface="함초롬돋움" panose="020B0604000101010101" pitchFamily="50" charset="-127"/>
-                <a:cs typeface="함초롬돋움" panose="020B0604000101010101" pitchFamily="50" charset="-127"/>
-              </a:rPr>
-              <a:t> </a:t>
-            </a:r>
-            <a:r>
-              <a:rPr lang="ko-KR" altLang="en-US" dirty="0" err="1" smtClean="0">
-                <a:latin typeface="함초롬돋움" panose="020B0604000101010101" pitchFamily="50" charset="-127"/>
-                <a:ea typeface="함초롬돋움" panose="020B0604000101010101" pitchFamily="50" charset="-127"/>
-                <a:cs typeface="함초롬돋움" panose="020B0604000101010101" pitchFamily="50" charset="-127"/>
-              </a:rPr>
-              <a:t>메소드에서</a:t>
-            </a:r>
-            <a:r>
-              <a:rPr lang="ko-KR" altLang="en-US" dirty="0" smtClean="0">
-                <a:latin typeface="함초롬돋움" panose="020B0604000101010101" pitchFamily="50" charset="-127"/>
-                <a:ea typeface="함초롬돋움" panose="020B0604000101010101" pitchFamily="50" charset="-127"/>
-                <a:cs typeface="함초롬돋움" panose="020B0604000101010101" pitchFamily="50" charset="-127"/>
-              </a:rPr>
-              <a:t> 반환된 </a:t>
-            </a:r>
-            <a:r>
-              <a:rPr lang="en-US" altLang="ko-KR" dirty="0" err="1" smtClean="0">
-                <a:latin typeface="함초롬돋움" panose="020B0604000101010101" pitchFamily="50" charset="-127"/>
-                <a:ea typeface="함초롬돋움" panose="020B0604000101010101" pitchFamily="50" charset="-127"/>
-                <a:cs typeface="함초롬돋움" panose="020B0604000101010101" pitchFamily="50" charset="-127"/>
-              </a:rPr>
-              <a:t>IRegion</a:t>
-            </a:r>
-            <a:r>
-              <a:rPr lang="ko-KR" altLang="en-US" dirty="0" smtClean="0">
-                <a:latin typeface="함초롬돋움" panose="020B0604000101010101" pitchFamily="50" charset="-127"/>
-                <a:ea typeface="함초롬돋움" panose="020B0604000101010101" pitchFamily="50" charset="-127"/>
-                <a:cs typeface="함초롬돋움" panose="020B0604000101010101" pitchFamily="50" charset="-127"/>
-              </a:rPr>
-              <a:t>을 컨트롤에 적용</a:t>
-            </a:r>
-            <a:endParaRPr lang="en-US" altLang="ko-KR" dirty="0" smtClean="0">
-              <a:latin typeface="함초롬돋움" panose="020B0604000101010101" pitchFamily="50" charset="-127"/>
-              <a:ea typeface="함초롬돋움" panose="020B0604000101010101" pitchFamily="50" charset="-127"/>
-              <a:cs typeface="함초롬돋움" panose="020B0604000101010101" pitchFamily="50" charset="-127"/>
-            </a:endParaRPr>
-          </a:p>
-          <a:p>
-            <a:pPr eaLnBrk="0" fontAlgn="base" latinLnBrk="0" hangingPunct="0">
-              <a:lnSpc>
-                <a:spcPct val="100000"/>
-              </a:lnSpc>
-              <a:spcBef>
-                <a:spcPct val="0"/>
-              </a:spcBef>
-              <a:spcAft>
-                <a:spcPct val="0"/>
-              </a:spcAft>
-            </a:pPr>
-            <a:endParaRPr lang="en-US" altLang="ko-KR" dirty="0">
-              <a:latin typeface="함초롬돋움" panose="020B0604000101010101" pitchFamily="50" charset="-127"/>
-              <a:ea typeface="함초롬돋움" panose="020B0604000101010101" pitchFamily="50" charset="-127"/>
-              <a:cs typeface="함초롬돋움" panose="020B0604000101010101" pitchFamily="50" charset="-127"/>
-            </a:endParaRPr>
-          </a:p>
-          <a:p>
-            <a:pPr eaLnBrk="0" fontAlgn="base" latinLnBrk="0" hangingPunct="0">
-              <a:lnSpc>
-                <a:spcPct val="100000"/>
-              </a:lnSpc>
-              <a:spcBef>
-                <a:spcPct val="0"/>
-              </a:spcBef>
-              <a:spcAft>
-                <a:spcPct val="0"/>
-              </a:spcAft>
-            </a:pPr>
-            <a:r>
-              <a:rPr lang="en-US" altLang="ko-KR" dirty="0" err="1" smtClean="0">
-                <a:latin typeface="함초롬돋움" panose="020B0604000101010101" pitchFamily="50" charset="-127"/>
-                <a:ea typeface="함초롬돋움" panose="020B0604000101010101" pitchFamily="50" charset="-127"/>
-                <a:cs typeface="함초롬돋움" panose="020B0604000101010101" pitchFamily="50" charset="-127"/>
-              </a:rPr>
-              <a:t>CollectionChanged</a:t>
-            </a:r>
-            <a:r>
-              <a:rPr lang="ko-KR" altLang="en-US" dirty="0" smtClean="0">
-                <a:latin typeface="함초롬돋움" panose="020B0604000101010101" pitchFamily="50" charset="-127"/>
-                <a:ea typeface="함초롬돋움" panose="020B0604000101010101" pitchFamily="50" charset="-127"/>
-                <a:cs typeface="함초롬돋움" panose="020B0604000101010101" pitchFamily="50" charset="-127"/>
-              </a:rPr>
-              <a:t>에</a:t>
-            </a:r>
-            <a:r>
-              <a:rPr lang="en-US" altLang="ko-KR" dirty="0" smtClean="0">
-                <a:latin typeface="함초롬돋움" panose="020B0604000101010101" pitchFamily="50" charset="-127"/>
-                <a:ea typeface="함초롬돋움" panose="020B0604000101010101" pitchFamily="50" charset="-127"/>
-                <a:cs typeface="함초롬돋움" panose="020B0604000101010101" pitchFamily="50" charset="-127"/>
-              </a:rPr>
-              <a:t> </a:t>
-            </a:r>
-            <a:r>
-              <a:rPr lang="ko-KR" altLang="en-US" dirty="0" smtClean="0">
-                <a:latin typeface="함초롬돋움" panose="020B0604000101010101" pitchFamily="50" charset="-127"/>
-                <a:ea typeface="함초롬돋움" panose="020B0604000101010101" pitchFamily="50" charset="-127"/>
-                <a:cs typeface="함초롬돋움" panose="020B0604000101010101" pitchFamily="50" charset="-127"/>
-              </a:rPr>
-              <a:t>이벤트 추가</a:t>
-            </a:r>
-            <a:endParaRPr lang="en-US" altLang="ko-KR" dirty="0">
-              <a:latin typeface="함초롬돋움" panose="020B0604000101010101" pitchFamily="50" charset="-127"/>
-              <a:ea typeface="함초롬돋움" panose="020B0604000101010101" pitchFamily="50" charset="-127"/>
-              <a:cs typeface="함초롬돋움" panose="020B0604000101010101" pitchFamily="50" charset="-127"/>
-            </a:endParaRPr>
-          </a:p>
-        </p:txBody>
-      </p:sp>
-      <p:grpSp>
-        <p:nvGrpSpPr>
-          <p:cNvPr id="27" name="그룹 26"/>
-          <p:cNvGrpSpPr/>
-          <p:nvPr/>
-        </p:nvGrpSpPr>
-        <p:grpSpPr>
-          <a:xfrm>
-            <a:off x="1830942" y="3936216"/>
-            <a:ext cx="8530116" cy="2240746"/>
-            <a:chOff x="2143267" y="3617882"/>
-            <a:chExt cx="8530116" cy="2240746"/>
-          </a:xfrm>
-        </p:grpSpPr>
-        <p:pic>
-          <p:nvPicPr>
-            <p:cNvPr id="5" name="Picture 2" descr="NOte에 대한 이미지 검색결과"/>
-            <p:cNvPicPr>
-              <a:picLocks noChangeAspect="1" noChangeArrowheads="1"/>
-            </p:cNvPicPr>
-            <p:nvPr/>
-          </p:nvPicPr>
-          <p:blipFill>
-            <a:blip r:embed="rId2" cstate="print">
-              <a:extLst>
-                <a:ext uri="{28A0092B-C50C-407E-A947-70E740481C1C}">
-                  <a14:useLocalDpi xmlns:a14="http://schemas.microsoft.com/office/drawing/2010/main" val="0"/>
-                </a:ext>
-              </a:extLst>
-            </a:blip>
-            <a:srcRect/>
-            <a:stretch>
-              <a:fillRect/>
-            </a:stretch>
-          </p:blipFill>
-          <p:spPr bwMode="auto">
-            <a:xfrm>
-              <a:off x="2143267" y="4250315"/>
-              <a:ext cx="975880" cy="975880"/>
-            </a:xfrm>
-            <a:prstGeom prst="rect">
-              <a:avLst/>
-            </a:prstGeom>
-            <a:noFill/>
-            <a:extLst>
-              <a:ext uri="{909E8E84-426E-40DD-AFC4-6F175D3DCCD1}">
-                <a14:hiddenFill xmlns:a14="http://schemas.microsoft.com/office/drawing/2010/main">
-                  <a:solidFill>
-                    <a:srgbClr val="FFFFFF"/>
-                  </a:solidFill>
-                </a14:hiddenFill>
-              </a:ext>
-            </a:extLst>
-          </p:spPr>
-        </p:pic>
-        <p:pic>
-          <p:nvPicPr>
-            <p:cNvPr id="6" name="그림 5"/>
-            <p:cNvPicPr>
-              <a:picLocks noChangeAspect="1"/>
-            </p:cNvPicPr>
-            <p:nvPr/>
-          </p:nvPicPr>
-          <p:blipFill>
-            <a:blip r:embed="rId3"/>
-            <a:stretch>
-              <a:fillRect/>
-            </a:stretch>
-          </p:blipFill>
-          <p:spPr>
-            <a:xfrm>
-              <a:off x="9013391" y="4092373"/>
-              <a:ext cx="1659992" cy="1291764"/>
-            </a:xfrm>
-            <a:prstGeom prst="rect">
-              <a:avLst/>
-            </a:prstGeom>
-          </p:spPr>
-        </p:pic>
-        <p:cxnSp>
-          <p:nvCxnSpPr>
-            <p:cNvPr id="9" name="직선 화살표 연결선 8"/>
-            <p:cNvCxnSpPr/>
-            <p:nvPr/>
-          </p:nvCxnSpPr>
-          <p:spPr>
-            <a:xfrm>
-              <a:off x="7697585" y="4738255"/>
-              <a:ext cx="1088967" cy="0"/>
-            </a:xfrm>
-            <a:prstGeom prst="straightConnector1">
-              <a:avLst/>
-            </a:prstGeom>
-            <a:ln w="76200">
-              <a:solidFill>
-                <a:schemeClr val="accent2"/>
-              </a:solidFill>
-              <a:tailEnd type="triangle"/>
-            </a:ln>
-          </p:spPr>
-          <p:style>
-            <a:lnRef idx="1">
-              <a:schemeClr val="accent1"/>
-            </a:lnRef>
-            <a:fillRef idx="0">
-              <a:schemeClr val="accent1"/>
-            </a:fillRef>
-            <a:effectRef idx="0">
-              <a:schemeClr val="accent1"/>
-            </a:effectRef>
-            <a:fontRef idx="minor">
-              <a:schemeClr val="tx1"/>
-            </a:fontRef>
-          </p:style>
-        </p:cxnSp>
-        <p:cxnSp>
-          <p:nvCxnSpPr>
-            <p:cNvPr id="11" name="직선 화살표 연결선 10"/>
-            <p:cNvCxnSpPr/>
-            <p:nvPr/>
-          </p:nvCxnSpPr>
-          <p:spPr>
-            <a:xfrm>
-              <a:off x="3391592" y="4738255"/>
-              <a:ext cx="1136890" cy="0"/>
-            </a:xfrm>
-            <a:prstGeom prst="straightConnector1">
-              <a:avLst/>
-            </a:prstGeom>
-            <a:ln w="76200">
-              <a:solidFill>
-                <a:schemeClr val="accent2"/>
-              </a:solidFill>
-              <a:tailEnd type="triangle"/>
-            </a:ln>
-          </p:spPr>
-          <p:style>
-            <a:lnRef idx="1">
-              <a:schemeClr val="accent1"/>
-            </a:lnRef>
-            <a:fillRef idx="0">
-              <a:schemeClr val="accent1"/>
-            </a:fillRef>
-            <a:effectRef idx="0">
-              <a:schemeClr val="accent1"/>
-            </a:effectRef>
-            <a:fontRef idx="minor">
-              <a:schemeClr val="tx1"/>
-            </a:fontRef>
-          </p:style>
-        </p:cxnSp>
-        <p:grpSp>
-          <p:nvGrpSpPr>
-            <p:cNvPr id="23" name="그룹 22"/>
-            <p:cNvGrpSpPr/>
-            <p:nvPr/>
-          </p:nvGrpSpPr>
-          <p:grpSpPr>
-            <a:xfrm>
-              <a:off x="4035563" y="3617882"/>
-              <a:ext cx="4120875" cy="2240746"/>
-              <a:chOff x="4117037" y="3617882"/>
-              <a:chExt cx="4120875" cy="2240746"/>
-            </a:xfrm>
-          </p:grpSpPr>
-          <p:sp>
-            <p:nvSpPr>
-              <p:cNvPr id="2" name="직사각형 1"/>
-              <p:cNvSpPr/>
-              <p:nvPr/>
-            </p:nvSpPr>
-            <p:spPr>
-              <a:xfrm>
-                <a:off x="4117037" y="3617882"/>
-                <a:ext cx="4120875" cy="2240746"/>
-              </a:xfrm>
-              <a:prstGeom prst="rect">
-                <a:avLst/>
-              </a:prstGeom>
-              <a:noFill/>
-            </p:spPr>
-            <p:style>
-              <a:lnRef idx="2">
-                <a:schemeClr val="accent1">
-                  <a:shade val="50000"/>
-                </a:schemeClr>
-              </a:lnRef>
-              <a:fillRef idx="1">
-                <a:schemeClr val="accent1"/>
-              </a:fillRef>
-              <a:effectRef idx="0">
-                <a:schemeClr val="accent1"/>
-              </a:effectRef>
-              <a:fontRef idx="minor">
-                <a:schemeClr val="lt1"/>
-              </a:fontRef>
-            </p:style>
-            <p:txBody>
-              <a:bodyPr rtlCol="0" anchor="ctr"/>
-              <a:lstStyle/>
-              <a:p>
-                <a:pPr algn="ctr"/>
-                <a:r>
-                  <a:rPr lang="en-US" altLang="ko-KR" dirty="0" err="1" smtClean="0">
-                    <a:solidFill>
-                      <a:schemeClr val="tx1"/>
-                    </a:solidFill>
-                  </a:rPr>
-                  <a:t>RegionAdapter</a:t>
-                </a:r>
-                <a:endParaRPr lang="en-US" altLang="ko-KR" dirty="0" smtClean="0">
-                  <a:solidFill>
-                    <a:schemeClr val="tx1"/>
-                  </a:solidFill>
-                </a:endParaRPr>
-              </a:p>
-              <a:p>
-                <a:pPr algn="ctr"/>
-                <a:endParaRPr lang="en-US" altLang="ko-KR" dirty="0">
-                  <a:solidFill>
-                    <a:schemeClr val="tx1"/>
-                  </a:solidFill>
-                </a:endParaRPr>
-              </a:p>
-              <a:p>
-                <a:pPr algn="ctr"/>
-                <a:endParaRPr lang="en-US" altLang="ko-KR" dirty="0" smtClean="0">
-                  <a:solidFill>
-                    <a:schemeClr val="tx1"/>
-                  </a:solidFill>
-                </a:endParaRPr>
-              </a:p>
-              <a:p>
-                <a:pPr algn="ctr"/>
-                <a:endParaRPr lang="en-US" altLang="ko-KR" dirty="0" smtClean="0">
-                  <a:solidFill>
-                    <a:schemeClr val="tx1"/>
-                  </a:solidFill>
-                </a:endParaRPr>
-              </a:p>
-              <a:p>
-                <a:pPr algn="ctr"/>
-                <a:endParaRPr lang="en-US" altLang="ko-KR" dirty="0">
-                  <a:solidFill>
-                    <a:schemeClr val="tx1"/>
-                  </a:solidFill>
-                </a:endParaRPr>
-              </a:p>
-              <a:p>
-                <a:pPr algn="ctr"/>
-                <a:endParaRPr lang="en-US" altLang="ko-KR" dirty="0" smtClean="0">
-                  <a:solidFill>
-                    <a:schemeClr val="tx1"/>
-                  </a:solidFill>
-                </a:endParaRPr>
-              </a:p>
-              <a:p>
-                <a:pPr algn="ctr"/>
-                <a:endParaRPr lang="en-US" altLang="ko-KR" dirty="0" smtClean="0">
-                  <a:solidFill>
-                    <a:schemeClr val="tx1"/>
-                  </a:solidFill>
-                </a:endParaRPr>
-              </a:p>
-            </p:txBody>
-          </p:sp>
-          <p:grpSp>
-            <p:nvGrpSpPr>
-              <p:cNvPr id="19" name="그룹 18"/>
-              <p:cNvGrpSpPr/>
-              <p:nvPr/>
-            </p:nvGrpSpPr>
-            <p:grpSpPr>
-              <a:xfrm>
-                <a:off x="4801048" y="4284849"/>
-                <a:ext cx="2752852" cy="906812"/>
-                <a:chOff x="4488633" y="4284849"/>
-                <a:chExt cx="2752852" cy="906812"/>
-              </a:xfrm>
-            </p:grpSpPr>
-            <p:sp>
-              <p:nvSpPr>
-                <p:cNvPr id="14" name="타원 13"/>
-                <p:cNvSpPr/>
-                <p:nvPr/>
-              </p:nvSpPr>
-              <p:spPr>
-                <a:xfrm>
-                  <a:off x="4488633" y="4284849"/>
-                  <a:ext cx="906814" cy="906812"/>
-                </a:xfrm>
-                <a:prstGeom prst="ellipse">
-                  <a:avLst/>
-                </a:prstGeom>
-                <a:solidFill>
-                  <a:schemeClr val="accent2"/>
-                </a:solidFill>
-                <a:ln>
-                  <a:solidFill>
-                    <a:srgbClr val="F25536"/>
-                  </a:solidFill>
-                </a:ln>
-              </p:spPr>
-              <p:style>
-                <a:lnRef idx="2">
-                  <a:schemeClr val="accent1">
-                    <a:shade val="50000"/>
-                  </a:schemeClr>
-                </a:lnRef>
-                <a:fillRef idx="1">
-                  <a:schemeClr val="accent1"/>
-                </a:fillRef>
-                <a:effectRef idx="0">
-                  <a:schemeClr val="accent1"/>
-                </a:effectRef>
-                <a:fontRef idx="minor">
-                  <a:schemeClr val="lt1"/>
-                </a:fontRef>
-              </p:style>
-              <p:txBody>
-                <a:bodyPr rtlCol="0" anchor="ctr"/>
-                <a:lstStyle/>
-                <a:p>
-                  <a:pPr algn="ctr"/>
-                  <a:r>
-                    <a:rPr lang="en-US" altLang="ko-KR" sz="1000" dirty="0" err="1" smtClean="0"/>
-                    <a:t>CreateRegion</a:t>
-                  </a:r>
-                  <a:endParaRPr lang="ko-KR" altLang="en-US" sz="1000" dirty="0"/>
-                </a:p>
-              </p:txBody>
-            </p:sp>
-            <p:sp>
-              <p:nvSpPr>
-                <p:cNvPr id="15" name="타원 14"/>
-                <p:cNvSpPr/>
-                <p:nvPr/>
-              </p:nvSpPr>
-              <p:spPr>
-                <a:xfrm>
-                  <a:off x="6334671" y="4284849"/>
-                  <a:ext cx="906814" cy="906812"/>
-                </a:xfrm>
-                <a:prstGeom prst="ellipse">
-                  <a:avLst/>
-                </a:prstGeom>
-                <a:solidFill>
-                  <a:schemeClr val="accent2"/>
-                </a:solidFill>
-                <a:ln>
-                  <a:solidFill>
-                    <a:srgbClr val="F25536"/>
-                  </a:solidFill>
-                </a:ln>
-              </p:spPr>
-              <p:style>
-                <a:lnRef idx="2">
-                  <a:schemeClr val="accent1">
-                    <a:shade val="50000"/>
-                  </a:schemeClr>
-                </a:lnRef>
-                <a:fillRef idx="1">
-                  <a:schemeClr val="accent1"/>
-                </a:fillRef>
-                <a:effectRef idx="0">
-                  <a:schemeClr val="accent1"/>
-                </a:effectRef>
-                <a:fontRef idx="minor">
-                  <a:schemeClr val="lt1"/>
-                </a:fontRef>
-              </p:style>
-              <p:txBody>
-                <a:bodyPr rtlCol="0" anchor="ctr"/>
-                <a:lstStyle/>
-                <a:p>
-                  <a:pPr algn="ctr"/>
-                  <a:r>
-                    <a:rPr lang="en-US" altLang="ko-KR" sz="1000" dirty="0" smtClean="0"/>
-                    <a:t>Adapt</a:t>
-                  </a:r>
-                  <a:endParaRPr lang="ko-KR" altLang="en-US" sz="1000" dirty="0"/>
-                </a:p>
-              </p:txBody>
-            </p:sp>
-            <p:cxnSp>
-              <p:nvCxnSpPr>
-                <p:cNvPr id="17" name="직선 화살표 연결선 16"/>
-                <p:cNvCxnSpPr/>
-                <p:nvPr/>
-              </p:nvCxnSpPr>
-              <p:spPr>
-                <a:xfrm>
-                  <a:off x="5561680" y="4754881"/>
-                  <a:ext cx="606759" cy="0"/>
-                </a:xfrm>
-                <a:prstGeom prst="straightConnector1">
-                  <a:avLst/>
-                </a:prstGeom>
-                <a:ln w="76200">
-                  <a:solidFill>
-                    <a:schemeClr val="accent2"/>
-                  </a:solidFill>
-                  <a:tailEnd type="triangle"/>
-                </a:ln>
-              </p:spPr>
-              <p:style>
-                <a:lnRef idx="1">
-                  <a:schemeClr val="accent1"/>
-                </a:lnRef>
-                <a:fillRef idx="0">
-                  <a:schemeClr val="accent1"/>
-                </a:fillRef>
-                <a:effectRef idx="0">
-                  <a:schemeClr val="accent1"/>
-                </a:effectRef>
-                <a:fontRef idx="minor">
-                  <a:schemeClr val="tx1"/>
-                </a:fontRef>
-              </p:style>
-            </p:cxnSp>
-            <p:sp>
-              <p:nvSpPr>
-                <p:cNvPr id="18" name="TextBox 17"/>
-                <p:cNvSpPr txBox="1"/>
-                <p:nvPr/>
-              </p:nvSpPr>
-              <p:spPr>
-                <a:xfrm>
-                  <a:off x="5464240" y="4352366"/>
-                  <a:ext cx="734496" cy="276999"/>
-                </a:xfrm>
-                <a:prstGeom prst="rect">
-                  <a:avLst/>
-                </a:prstGeom>
-                <a:noFill/>
-              </p:spPr>
-              <p:txBody>
-                <a:bodyPr wrap="none" rtlCol="0">
-                  <a:spAutoFit/>
-                </a:bodyPr>
-                <a:lstStyle/>
-                <a:p>
-                  <a:r>
-                    <a:rPr lang="en-US" altLang="ko-KR" sz="1200" dirty="0" err="1" smtClean="0"/>
-                    <a:t>IRegion</a:t>
-                  </a:r>
-                  <a:endParaRPr lang="ko-KR" altLang="en-US" sz="1200" dirty="0"/>
-                </a:p>
-              </p:txBody>
-            </p:sp>
-          </p:grpSp>
-        </p:grpSp>
-      </p:grpSp>
-    </p:spTree>
-    <p:extLst>
-      <p:ext uri="{BB962C8B-B14F-4D97-AF65-F5344CB8AC3E}">
-        <p14:creationId xmlns:p14="http://schemas.microsoft.com/office/powerpoint/2010/main" val="1651925382"/>
-      </p:ext>
-    </p:extLst>
-  </p:cSld>
-  <p:clrMapOvr>
-    <a:masterClrMapping/>
-  </p:clrMapOvr>
-  <p:timing>
-    <p:tnLst>
-      <p:par>
-        <p:cTn id="1" dur="indefinite" restart="never" nodeType="tmRoot"/>
-      </p:par>
-    </p:tnLst>
-  </p:timing>
-</p:sld>
-</file>
-
-<file path=ppt/slides/slide19.xml><?xml version="1.0" encoding="utf-8"?>
-<p:sld xmlns:a="http://schemas.openxmlformats.org/drawingml/2006/main" xmlns:r="http://schemas.openxmlformats.org/officeDocument/2006/relationships" xmlns:p="http://schemas.openxmlformats.org/presentationml/2006/main">
-  <p:cSld>
-    <p:spTree>
-      <p:nvGrpSpPr>
-        <p:cNvPr id="1" name=""/>
-        <p:cNvGrpSpPr/>
-        <p:nvPr/>
-      </p:nvGrpSpPr>
-      <p:grpSpPr>
-        <a:xfrm>
-          <a:off x="0" y="0"/>
-          <a:ext cx="0" cy="0"/>
-          <a:chOff x="0" y="0"/>
-          <a:chExt cx="0" cy="0"/>
-        </a:xfrm>
-      </p:grpSpPr>
-      <p:sp>
-        <p:nvSpPr>
-          <p:cNvPr id="7" name="제목 1"/>
-          <p:cNvSpPr txBox="1">
-            <a:spLocks/>
-          </p:cNvSpPr>
-          <p:nvPr/>
-        </p:nvSpPr>
-        <p:spPr>
-          <a:xfrm>
-            <a:off x="838200" y="365125"/>
-            <a:ext cx="10515600" cy="1090189"/>
-          </a:xfrm>
-          <a:prstGeom prst="rect">
-            <a:avLst/>
-          </a:prstGeom>
-        </p:spPr>
-        <p:txBody>
-          <a:bodyPr vert="horz" lIns="91440" tIns="45720" rIns="91440" bIns="45720" rtlCol="0" anchor="ctr">
-            <a:normAutofit/>
-          </a:bodyPr>
-          <a:lstStyle>
-            <a:lvl1pPr algn="l" defTabSz="914400" rtl="0" eaLnBrk="1" latinLnBrk="1" hangingPunct="1">
-              <a:lnSpc>
-                <a:spcPct val="90000"/>
-              </a:lnSpc>
-              <a:spcBef>
-                <a:spcPct val="0"/>
-              </a:spcBef>
-              <a:buNone/>
-              <a:defRPr sz="4800" kern="1200">
-                <a:solidFill>
-                  <a:schemeClr val="accent4"/>
-                </a:solidFill>
-                <a:latin typeface="+mj-lt"/>
-                <a:ea typeface="+mj-ea"/>
-                <a:cs typeface="+mj-cs"/>
-              </a:defRPr>
-            </a:lvl1pPr>
-          </a:lstStyle>
-          <a:p>
-            <a:r>
-              <a:rPr lang="en-US" altLang="ko-KR" dirty="0" smtClean="0">
-                <a:latin typeface="함초롬돋움" panose="020B0604000101010101" pitchFamily="50" charset="-127"/>
-                <a:ea typeface="함초롬돋움" panose="020B0604000101010101" pitchFamily="50" charset="-127"/>
-                <a:cs typeface="함초롬돋움" panose="020B0604000101010101" pitchFamily="50" charset="-127"/>
-              </a:rPr>
-              <a:t>Adapt</a:t>
+              <a:rPr lang="en-US" altLang="ko-KR" dirty="0" err="1">
+                <a:latin typeface="함초롬돋움" panose="020B0604000101010101" pitchFamily="50" charset="-127"/>
+                <a:ea typeface="함초롬돋움" panose="020B0604000101010101" pitchFamily="50" charset="-127"/>
+                <a:cs typeface="함초롬돋움" panose="020B0604000101010101" pitchFamily="50" charset="-127"/>
+              </a:rPr>
+              <a:t>RegionAdapter</a:t>
             </a:r>
             <a:endParaRPr lang="ko-KR" altLang="en-US" dirty="0">
               <a:latin typeface="함초롬돋움" panose="020B0604000101010101" pitchFamily="50" charset="-127"/>
@@ -6859,232 +5828,7 @@
 </p:sld>
 </file>
 
-<file path=ppt/slides/slide2.xml><?xml version="1.0" encoding="utf-8"?>
-<p:sld xmlns:a="http://schemas.openxmlformats.org/drawingml/2006/main" xmlns:r="http://schemas.openxmlformats.org/officeDocument/2006/relationships" xmlns:p="http://schemas.openxmlformats.org/presentationml/2006/main">
-  <p:cSld>
-    <p:spTree>
-      <p:nvGrpSpPr>
-        <p:cNvPr id="1" name=""/>
-        <p:cNvGrpSpPr/>
-        <p:nvPr/>
-      </p:nvGrpSpPr>
-      <p:grpSpPr>
-        <a:xfrm>
-          <a:off x="0" y="0"/>
-          <a:ext cx="0" cy="0"/>
-          <a:chOff x="0" y="0"/>
-          <a:chExt cx="0" cy="0"/>
-        </a:xfrm>
-      </p:grpSpPr>
-      <p:sp>
-        <p:nvSpPr>
-          <p:cNvPr id="7" name="제목 1"/>
-          <p:cNvSpPr txBox="1">
-            <a:spLocks/>
-          </p:cNvSpPr>
-          <p:nvPr/>
-        </p:nvSpPr>
-        <p:spPr>
-          <a:xfrm>
-            <a:off x="838200" y="365125"/>
-            <a:ext cx="10515600" cy="1090189"/>
-          </a:xfrm>
-          <a:prstGeom prst="rect">
-            <a:avLst/>
-          </a:prstGeom>
-        </p:spPr>
-        <p:txBody>
-          <a:bodyPr vert="horz" lIns="91440" tIns="45720" rIns="91440" bIns="45720" rtlCol="0" anchor="ctr">
-            <a:normAutofit/>
-          </a:bodyPr>
-          <a:lstStyle>
-            <a:lvl1pPr algn="l" defTabSz="914400" rtl="0" eaLnBrk="1" latinLnBrk="1" hangingPunct="1">
-              <a:lnSpc>
-                <a:spcPct val="90000"/>
-              </a:lnSpc>
-              <a:spcBef>
-                <a:spcPct val="0"/>
-              </a:spcBef>
-              <a:buNone/>
-              <a:defRPr sz="4800" kern="1200">
-                <a:solidFill>
-                  <a:schemeClr val="accent4"/>
-                </a:solidFill>
-                <a:latin typeface="+mj-lt"/>
-                <a:ea typeface="+mj-ea"/>
-                <a:cs typeface="+mj-cs"/>
-              </a:defRPr>
-            </a:lvl1pPr>
-          </a:lstStyle>
-          <a:p>
-            <a:r>
-              <a:rPr lang="en-US" altLang="ko-KR" dirty="0" smtClean="0">
-                <a:latin typeface="함초롬돋움" panose="020B0604000101010101" pitchFamily="50" charset="-127"/>
-                <a:ea typeface="함초롬돋움" panose="020B0604000101010101" pitchFamily="50" charset="-127"/>
-                <a:cs typeface="함초롬돋움" panose="020B0604000101010101" pitchFamily="50" charset="-127"/>
-              </a:rPr>
-              <a:t>Module</a:t>
-            </a:r>
-            <a:r>
-              <a:rPr lang="ko-KR" altLang="en-US" dirty="0" smtClean="0">
-                <a:latin typeface="함초롬돋움" panose="020B0604000101010101" pitchFamily="50" charset="-127"/>
-                <a:ea typeface="함초롬돋움" panose="020B0604000101010101" pitchFamily="50" charset="-127"/>
-                <a:cs typeface="함초롬돋움" panose="020B0604000101010101" pitchFamily="50" charset="-127"/>
-              </a:rPr>
-              <a:t>간의 통신 방법</a:t>
-            </a:r>
-            <a:endParaRPr lang="ko-KR" altLang="en-US" dirty="0">
-              <a:latin typeface="함초롬돋움" panose="020B0604000101010101" pitchFamily="50" charset="-127"/>
-              <a:ea typeface="함초롬돋움" panose="020B0604000101010101" pitchFamily="50" charset="-127"/>
-              <a:cs typeface="함초롬돋움" panose="020B0604000101010101" pitchFamily="50" charset="-127"/>
-            </a:endParaRPr>
-          </a:p>
-        </p:txBody>
-      </p:sp>
-      <p:sp>
-        <p:nvSpPr>
-          <p:cNvPr id="8" name="Rectangle 1"/>
-          <p:cNvSpPr>
-            <a:spLocks noChangeArrowheads="1"/>
-          </p:cNvSpPr>
-          <p:nvPr/>
-        </p:nvSpPr>
-        <p:spPr bwMode="auto">
-          <a:xfrm>
-            <a:off x="0" y="-138499"/>
-            <a:ext cx="65" cy="276999"/>
-          </a:xfrm>
-          <a:prstGeom prst="rect">
-            <a:avLst/>
-          </a:prstGeom>
-          <a:solidFill>
-            <a:srgbClr val="FFFFFF"/>
-          </a:solidFill>
-          <a:ln>
-            <a:noFill/>
-          </a:ln>
-          <a:effectLst/>
-          <a:extLst>
-            <a:ext uri="{91240B29-F687-4F45-9708-019B960494DF}">
-              <a14:hiddenLine xmlns:a14="http://schemas.microsoft.com/office/drawing/2010/main" w="9525">
-                <a:solidFill>
-                  <a:schemeClr val="tx1"/>
-                </a:solidFill>
-                <a:miter lim="800000"/>
-                <a:headEnd/>
-                <a:tailEnd/>
-              </a14:hiddenLine>
-            </a:ext>
-            <a:ext uri="{AF507438-7753-43E0-B8FC-AC1667EBCBE1}">
-              <a14:hiddenEffects xmlns:a14="http://schemas.microsoft.com/office/drawing/2010/main">
-                <a:effectLst>
-                  <a:outerShdw dist="35921" dir="2700000" algn="ctr" rotWithShape="0">
-                    <a:schemeClr val="bg2"/>
-                  </a:outerShdw>
-                </a:effectLst>
-              </a14:hiddenEffects>
-            </a:ext>
-          </a:extLst>
-        </p:spPr>
-        <p:txBody>
-          <a:bodyPr vert="horz" wrap="none" lIns="0" tIns="0" rIns="0" bIns="0" numCol="1" anchor="ctr" anchorCtr="0" compatLnSpc="1">
-            <a:prstTxWarp prst="textNoShape">
-              <a:avLst/>
-            </a:prstTxWarp>
-            <a:spAutoFit/>
-          </a:bodyPr>
-          <a:lstStyle/>
-          <a:p>
-            <a:pPr marL="0" marR="0" lvl="0" indent="0" algn="l" defTabSz="914400" rtl="0" eaLnBrk="0" fontAlgn="base" latinLnBrk="0" hangingPunct="0">
-              <a:lnSpc>
-                <a:spcPct val="100000"/>
-              </a:lnSpc>
-              <a:spcBef>
-                <a:spcPct val="0"/>
-              </a:spcBef>
-              <a:spcAft>
-                <a:spcPct val="0"/>
-              </a:spcAft>
-              <a:buClrTx/>
-              <a:buSzTx/>
-              <a:buFontTx/>
-              <a:buNone/>
-              <a:tabLst/>
-            </a:pPr>
-            <a:endParaRPr kumimoji="0" lang="ko-KR" altLang="ko-KR" sz="1800" b="0" i="0" u="none" strike="noStrike" cap="none" normalizeH="0" baseline="0" dirty="0" smtClean="0">
-              <a:ln>
-                <a:noFill/>
-              </a:ln>
-              <a:solidFill>
-                <a:schemeClr val="tx1"/>
-              </a:solidFill>
-              <a:effectLst/>
-              <a:latin typeface="Arial" panose="020B0604020202020204" pitchFamily="34" charset="0"/>
-            </a:endParaRPr>
-          </a:p>
-        </p:txBody>
-      </p:sp>
-      <p:sp>
-        <p:nvSpPr>
-          <p:cNvPr id="11" name="내용 개체 틀 10"/>
-          <p:cNvSpPr>
-            <a:spLocks noGrp="1"/>
-          </p:cNvSpPr>
-          <p:nvPr>
-            <p:ph idx="1"/>
-          </p:nvPr>
-        </p:nvSpPr>
-        <p:spPr/>
-        <p:txBody>
-          <a:bodyPr>
-            <a:normAutofit/>
-          </a:bodyPr>
-          <a:lstStyle/>
-          <a:p>
-            <a:r>
-              <a:rPr lang="en-US" altLang="ko-KR" dirty="0" smtClean="0"/>
-              <a:t>Service</a:t>
-            </a:r>
-            <a:r>
-              <a:rPr lang="ko-KR" altLang="en-US" dirty="0" smtClean="0"/>
-              <a:t>를 사용하는 방법</a:t>
-            </a:r>
-            <a:endParaRPr lang="en-US" altLang="ko-KR" dirty="0" smtClean="0"/>
-          </a:p>
-          <a:p>
-            <a:r>
-              <a:rPr lang="en-US" altLang="ko-KR" dirty="0" smtClean="0"/>
-              <a:t>Event Aggregator</a:t>
-            </a:r>
-            <a:r>
-              <a:rPr lang="ko-KR" altLang="en-US" dirty="0" smtClean="0"/>
-              <a:t>를 사용하는 방법</a:t>
-            </a:r>
-            <a:endParaRPr lang="en-US" altLang="ko-KR" dirty="0" smtClean="0"/>
-          </a:p>
-        </p:txBody>
-      </p:sp>
-    </p:spTree>
-    <p:extLst>
-      <p:ext uri="{BB962C8B-B14F-4D97-AF65-F5344CB8AC3E}">
-        <p14:creationId xmlns:p14="http://schemas.microsoft.com/office/powerpoint/2010/main" val="1251003706"/>
-      </p:ext>
-    </p:extLst>
-  </p:cSld>
-  <p:clrMapOvr>
-    <a:masterClrMapping/>
-  </p:clrMapOvr>
-  <p:timing>
-    <p:tnLst>
-      <p:par>
-        <p:cTn id="1" dur="indefinite" restart="never" nodeType="tmRoot"/>
-      </p:par>
-    </p:tnLst>
-  </p:timing>
-</p:sld>
-</file>
-
-<file path=ppt/slides/slide20.xml><?xml version="1.0" encoding="utf-8"?>
+<file path=ppt/slides/slide19.xml><?xml version="1.0" encoding="utf-8"?>
 <p:sld xmlns:a="http://schemas.openxmlformats.org/drawingml/2006/main" xmlns:r="http://schemas.openxmlformats.org/officeDocument/2006/relationships" xmlns:p="http://schemas.openxmlformats.org/presentationml/2006/main">
   <p:cSld>
     <p:spTree>
@@ -7615,6 +6359,349 @@
 </p:sld>
 </file>
 
+<file path=ppt/slides/slide2.xml><?xml version="1.0" encoding="utf-8"?>
+<p:sld xmlns:a="http://schemas.openxmlformats.org/drawingml/2006/main" xmlns:r="http://schemas.openxmlformats.org/officeDocument/2006/relationships" xmlns:p="http://schemas.openxmlformats.org/presentationml/2006/main">
+  <p:cSld>
+    <p:spTree>
+      <p:nvGrpSpPr>
+        <p:cNvPr id="1" name=""/>
+        <p:cNvGrpSpPr/>
+        <p:nvPr/>
+      </p:nvGrpSpPr>
+      <p:grpSpPr>
+        <a:xfrm>
+          <a:off x="0" y="0"/>
+          <a:ext cx="0" cy="0"/>
+          <a:chOff x="0" y="0"/>
+          <a:chExt cx="0" cy="0"/>
+        </a:xfrm>
+      </p:grpSpPr>
+      <p:sp>
+        <p:nvSpPr>
+          <p:cNvPr id="7" name="제목 1"/>
+          <p:cNvSpPr txBox="1">
+            <a:spLocks/>
+          </p:cNvSpPr>
+          <p:nvPr/>
+        </p:nvSpPr>
+        <p:spPr>
+          <a:xfrm>
+            <a:off x="838200" y="365125"/>
+            <a:ext cx="10515600" cy="1090189"/>
+          </a:xfrm>
+          <a:prstGeom prst="rect">
+            <a:avLst/>
+          </a:prstGeom>
+        </p:spPr>
+        <p:txBody>
+          <a:bodyPr vert="horz" lIns="91440" tIns="45720" rIns="91440" bIns="45720" rtlCol="0" anchor="ctr">
+            <a:normAutofit/>
+          </a:bodyPr>
+          <a:lstStyle>
+            <a:lvl1pPr algn="l" defTabSz="914400" rtl="0" eaLnBrk="1" latinLnBrk="1" hangingPunct="1">
+              <a:lnSpc>
+                <a:spcPct val="90000"/>
+              </a:lnSpc>
+              <a:spcBef>
+                <a:spcPct val="0"/>
+              </a:spcBef>
+              <a:buNone/>
+              <a:defRPr sz="4800" kern="1200">
+                <a:solidFill>
+                  <a:schemeClr val="accent4"/>
+                </a:solidFill>
+                <a:latin typeface="+mj-lt"/>
+                <a:ea typeface="+mj-ea"/>
+                <a:cs typeface="+mj-cs"/>
+              </a:defRPr>
+            </a:lvl1pPr>
+          </a:lstStyle>
+          <a:p>
+            <a:r>
+              <a:rPr lang="en-US" altLang="ko-KR" dirty="0" smtClean="0">
+                <a:latin typeface="함초롬돋움" panose="020B0604000101010101" pitchFamily="50" charset="-127"/>
+                <a:ea typeface="함초롬돋움" panose="020B0604000101010101" pitchFamily="50" charset="-127"/>
+                <a:cs typeface="함초롬돋움" panose="020B0604000101010101" pitchFamily="50" charset="-127"/>
+              </a:rPr>
+              <a:t>Module</a:t>
+            </a:r>
+            <a:r>
+              <a:rPr lang="ko-KR" altLang="en-US" dirty="0" smtClean="0">
+                <a:latin typeface="함초롬돋움" panose="020B0604000101010101" pitchFamily="50" charset="-127"/>
+                <a:ea typeface="함초롬돋움" panose="020B0604000101010101" pitchFamily="50" charset="-127"/>
+                <a:cs typeface="함초롬돋움" panose="020B0604000101010101" pitchFamily="50" charset="-127"/>
+              </a:rPr>
+              <a:t>간의 통신 방법</a:t>
+            </a:r>
+            <a:endParaRPr lang="ko-KR" altLang="en-US" dirty="0">
+              <a:latin typeface="함초롬돋움" panose="020B0604000101010101" pitchFamily="50" charset="-127"/>
+              <a:ea typeface="함초롬돋움" panose="020B0604000101010101" pitchFamily="50" charset="-127"/>
+              <a:cs typeface="함초롬돋움" panose="020B0604000101010101" pitchFamily="50" charset="-127"/>
+            </a:endParaRPr>
+          </a:p>
+        </p:txBody>
+      </p:sp>
+      <p:sp>
+        <p:nvSpPr>
+          <p:cNvPr id="8" name="Rectangle 1"/>
+          <p:cNvSpPr>
+            <a:spLocks noChangeArrowheads="1"/>
+          </p:cNvSpPr>
+          <p:nvPr/>
+        </p:nvSpPr>
+        <p:spPr bwMode="auto">
+          <a:xfrm>
+            <a:off x="0" y="-138499"/>
+            <a:ext cx="65" cy="276999"/>
+          </a:xfrm>
+          <a:prstGeom prst="rect">
+            <a:avLst/>
+          </a:prstGeom>
+          <a:solidFill>
+            <a:srgbClr val="FFFFFF"/>
+          </a:solidFill>
+          <a:ln>
+            <a:noFill/>
+          </a:ln>
+          <a:effectLst/>
+          <a:extLst>
+            <a:ext uri="{91240B29-F687-4F45-9708-019B960494DF}">
+              <a14:hiddenLine xmlns:a14="http://schemas.microsoft.com/office/drawing/2010/main" w="9525">
+                <a:solidFill>
+                  <a:schemeClr val="tx1"/>
+                </a:solidFill>
+                <a:miter lim="800000"/>
+                <a:headEnd/>
+                <a:tailEnd/>
+              </a14:hiddenLine>
+            </a:ext>
+            <a:ext uri="{AF507438-7753-43E0-B8FC-AC1667EBCBE1}">
+              <a14:hiddenEffects xmlns:a14="http://schemas.microsoft.com/office/drawing/2010/main">
+                <a:effectLst>
+                  <a:outerShdw dist="35921" dir="2700000" algn="ctr" rotWithShape="0">
+                    <a:schemeClr val="bg2"/>
+                  </a:outerShdw>
+                </a:effectLst>
+              </a14:hiddenEffects>
+            </a:ext>
+          </a:extLst>
+        </p:spPr>
+        <p:txBody>
+          <a:bodyPr vert="horz" wrap="none" lIns="0" tIns="0" rIns="0" bIns="0" numCol="1" anchor="ctr" anchorCtr="0" compatLnSpc="1">
+            <a:prstTxWarp prst="textNoShape">
+              <a:avLst/>
+            </a:prstTxWarp>
+            <a:spAutoFit/>
+          </a:bodyPr>
+          <a:lstStyle/>
+          <a:p>
+            <a:pPr marL="0" marR="0" lvl="0" indent="0" algn="l" defTabSz="914400" rtl="0" eaLnBrk="0" fontAlgn="base" latinLnBrk="0" hangingPunct="0">
+              <a:lnSpc>
+                <a:spcPct val="100000"/>
+              </a:lnSpc>
+              <a:spcBef>
+                <a:spcPct val="0"/>
+              </a:spcBef>
+              <a:spcAft>
+                <a:spcPct val="0"/>
+              </a:spcAft>
+              <a:buClrTx/>
+              <a:buSzTx/>
+              <a:buFontTx/>
+              <a:buNone/>
+              <a:tabLst/>
+            </a:pPr>
+            <a:endParaRPr kumimoji="0" lang="ko-KR" altLang="ko-KR" sz="1800" b="0" i="0" u="none" strike="noStrike" cap="none" normalizeH="0" baseline="0" dirty="0" smtClean="0">
+              <a:ln>
+                <a:noFill/>
+              </a:ln>
+              <a:solidFill>
+                <a:schemeClr val="tx1"/>
+              </a:solidFill>
+              <a:effectLst/>
+              <a:latin typeface="Arial" panose="020B0604020202020204" pitchFamily="34" charset="0"/>
+            </a:endParaRPr>
+          </a:p>
+        </p:txBody>
+      </p:sp>
+      <p:sp>
+        <p:nvSpPr>
+          <p:cNvPr id="11" name="내용 개체 틀 10"/>
+          <p:cNvSpPr>
+            <a:spLocks noGrp="1"/>
+          </p:cNvSpPr>
+          <p:nvPr>
+            <p:ph idx="1"/>
+          </p:nvPr>
+        </p:nvSpPr>
+        <p:spPr/>
+        <p:txBody>
+          <a:bodyPr>
+            <a:normAutofit/>
+          </a:bodyPr>
+          <a:lstStyle/>
+          <a:p>
+            <a:r>
+              <a:rPr lang="en-US" altLang="ko-KR" dirty="0" smtClean="0"/>
+              <a:t>Service</a:t>
+            </a:r>
+            <a:r>
+              <a:rPr lang="ko-KR" altLang="en-US" dirty="0" smtClean="0"/>
+              <a:t>를 사용하는 방법</a:t>
+            </a:r>
+            <a:endParaRPr lang="en-US" altLang="ko-KR" dirty="0" smtClean="0"/>
+          </a:p>
+          <a:p>
+            <a:r>
+              <a:rPr lang="en-US" altLang="ko-KR" dirty="0" smtClean="0"/>
+              <a:t>Event Aggregator</a:t>
+            </a:r>
+            <a:r>
+              <a:rPr lang="ko-KR" altLang="en-US" dirty="0" smtClean="0"/>
+              <a:t>를 사용하는 방법</a:t>
+            </a:r>
+            <a:endParaRPr lang="en-US" altLang="ko-KR" dirty="0" smtClean="0"/>
+          </a:p>
+        </p:txBody>
+      </p:sp>
+    </p:spTree>
+    <p:extLst>
+      <p:ext uri="{BB962C8B-B14F-4D97-AF65-F5344CB8AC3E}">
+        <p14:creationId xmlns:p14="http://schemas.microsoft.com/office/powerpoint/2010/main" val="1251003706"/>
+      </p:ext>
+    </p:extLst>
+  </p:cSld>
+  <p:clrMapOvr>
+    <a:masterClrMapping/>
+  </p:clrMapOvr>
+  <p:timing>
+    <p:tnLst>
+      <p:par>
+        <p:cTn id="1" dur="indefinite" restart="never" nodeType="tmRoot"/>
+      </p:par>
+    </p:tnLst>
+  </p:timing>
+</p:sld>
+</file>
+
+<file path=ppt/slides/slide20.xml><?xml version="1.0" encoding="utf-8"?>
+<p:sld xmlns:a="http://schemas.openxmlformats.org/drawingml/2006/main" xmlns:r="http://schemas.openxmlformats.org/officeDocument/2006/relationships" xmlns:p="http://schemas.openxmlformats.org/presentationml/2006/main">
+  <p:cSld>
+    <p:spTree>
+      <p:nvGrpSpPr>
+        <p:cNvPr id="1" name=""/>
+        <p:cNvGrpSpPr/>
+        <p:nvPr/>
+      </p:nvGrpSpPr>
+      <p:grpSpPr>
+        <a:xfrm>
+          <a:off x="0" y="0"/>
+          <a:ext cx="0" cy="0"/>
+          <a:chOff x="0" y="0"/>
+          <a:chExt cx="0" cy="0"/>
+        </a:xfrm>
+      </p:grpSpPr>
+      <p:sp>
+        <p:nvSpPr>
+          <p:cNvPr id="7" name="제목 1"/>
+          <p:cNvSpPr txBox="1">
+            <a:spLocks/>
+          </p:cNvSpPr>
+          <p:nvPr/>
+        </p:nvSpPr>
+        <p:spPr>
+          <a:xfrm>
+            <a:off x="838200" y="365125"/>
+            <a:ext cx="10515600" cy="1090189"/>
+          </a:xfrm>
+          <a:prstGeom prst="rect">
+            <a:avLst/>
+          </a:prstGeom>
+        </p:spPr>
+        <p:txBody>
+          <a:bodyPr vert="horz" lIns="91440" tIns="45720" rIns="91440" bIns="45720" rtlCol="0" anchor="ctr">
+            <a:normAutofit/>
+          </a:bodyPr>
+          <a:lstStyle>
+            <a:lvl1pPr algn="l" defTabSz="914400" rtl="0" eaLnBrk="1" latinLnBrk="1" hangingPunct="1">
+              <a:lnSpc>
+                <a:spcPct val="90000"/>
+              </a:lnSpc>
+              <a:spcBef>
+                <a:spcPct val="0"/>
+              </a:spcBef>
+              <a:buNone/>
+              <a:defRPr sz="4800" kern="1200">
+                <a:solidFill>
+                  <a:schemeClr val="accent4"/>
+                </a:solidFill>
+                <a:latin typeface="+mj-lt"/>
+                <a:ea typeface="+mj-ea"/>
+                <a:cs typeface="+mj-cs"/>
+              </a:defRPr>
+            </a:lvl1pPr>
+          </a:lstStyle>
+          <a:p>
+            <a:r>
+              <a:rPr lang="en-US" altLang="ko-KR" dirty="0" err="1" smtClean="0">
+                <a:latin typeface="함초롬돋움" panose="020B0604000101010101" pitchFamily="50" charset="-127"/>
+                <a:ea typeface="함초롬돋움" panose="020B0604000101010101" pitchFamily="50" charset="-127"/>
+                <a:cs typeface="함초롬돋움" panose="020B0604000101010101" pitchFamily="50" charset="-127"/>
+              </a:rPr>
+              <a:t>RegionBehaviors</a:t>
+            </a:r>
+            <a:endParaRPr lang="ko-KR" altLang="en-US" dirty="0">
+              <a:latin typeface="함초롬돋움" panose="020B0604000101010101" pitchFamily="50" charset="-127"/>
+              <a:ea typeface="함초롬돋움" panose="020B0604000101010101" pitchFamily="50" charset="-127"/>
+              <a:cs typeface="함초롬돋움" panose="020B0604000101010101" pitchFamily="50" charset="-127"/>
+            </a:endParaRPr>
+          </a:p>
+        </p:txBody>
+      </p:sp>
+      <p:pic>
+        <p:nvPicPr>
+          <p:cNvPr id="2" name="그림 1"/>
+          <p:cNvPicPr>
+            <a:picLocks noChangeAspect="1"/>
+          </p:cNvPicPr>
+          <p:nvPr/>
+        </p:nvPicPr>
+        <p:blipFill>
+          <a:blip r:embed="rId2"/>
+          <a:stretch>
+            <a:fillRect/>
+          </a:stretch>
+        </p:blipFill>
+        <p:spPr>
+          <a:xfrm>
+            <a:off x="1325640" y="2743201"/>
+            <a:ext cx="9756852" cy="3131104"/>
+          </a:xfrm>
+          <a:prstGeom prst="rect">
+            <a:avLst/>
+          </a:prstGeom>
+        </p:spPr>
+      </p:pic>
+    </p:spTree>
+    <p:extLst>
+      <p:ext uri="{BB962C8B-B14F-4D97-AF65-F5344CB8AC3E}">
+        <p14:creationId xmlns:p14="http://schemas.microsoft.com/office/powerpoint/2010/main" val="2485013307"/>
+      </p:ext>
+    </p:extLst>
+  </p:cSld>
+  <p:clrMapOvr>
+    <a:masterClrMapping/>
+  </p:clrMapOvr>
+  <p:timing>
+    <p:tnLst>
+      <p:par>
+        <p:cTn id="1" dur="indefinite" restart="never" nodeType="tmRoot"/>
+      </p:par>
+    </p:tnLst>
+  </p:timing>
+</p:sld>
+</file>
+
 <file path=ppt/slides/slide21.xml><?xml version="1.0" encoding="utf-8"?>
 <p:sld xmlns:a="http://schemas.openxmlformats.org/drawingml/2006/main" xmlns:r="http://schemas.openxmlformats.org/officeDocument/2006/relationships" xmlns:p="http://schemas.openxmlformats.org/presentationml/2006/main">
   <p:cSld>
@@ -7674,12 +6761,20 @@
           </a:lstStyle>
           <a:p>
             <a:r>
-              <a:rPr lang="en-US" altLang="ko-KR" dirty="0" err="1" smtClean="0">
-                <a:latin typeface="함초롬돋움" panose="020B0604000101010101" pitchFamily="50" charset="-127"/>
-                <a:ea typeface="함초롬돋움" panose="020B0604000101010101" pitchFamily="50" charset="-127"/>
-                <a:cs typeface="함초롬돋움" panose="020B0604000101010101" pitchFamily="50" charset="-127"/>
-              </a:rPr>
-              <a:t>RegionBehaviors</a:t>
+              <a:rPr lang="en-US" altLang="ko-KR" dirty="0" smtClean="0">
+                <a:latin typeface="함초롬돋움" panose="020B0604000101010101" pitchFamily="50" charset="-127"/>
+                <a:ea typeface="함초롬돋움" panose="020B0604000101010101" pitchFamily="50" charset="-127"/>
+                <a:cs typeface="함초롬돋움" panose="020B0604000101010101" pitchFamily="50" charset="-127"/>
+              </a:rPr>
+              <a:t>Behaviors</a:t>
+            </a:r>
+            <a:r>
+              <a:rPr lang="ko-KR" altLang="en-US" dirty="0" smtClean="0">
+                <a:latin typeface="함초롬돋움" panose="020B0604000101010101" pitchFamily="50" charset="-127"/>
+                <a:ea typeface="함초롬돋움" panose="020B0604000101010101" pitchFamily="50" charset="-127"/>
+                <a:cs typeface="함초롬돋움" panose="020B0604000101010101" pitchFamily="50" charset="-127"/>
+              </a:rPr>
+              <a:t>를 적용하는 방법</a:t>
             </a:r>
             <a:endParaRPr lang="ko-KR" altLang="en-US" dirty="0">
               <a:latin typeface="함초롬돋움" panose="020B0604000101010101" pitchFamily="50" charset="-127"/>
@@ -7718,12 +6813,20 @@
               </a:spcAft>
             </a:pPr>
             <a:r>
+              <a:rPr lang="ko-KR" altLang="en-US" dirty="0" smtClean="0">
+                <a:latin typeface="함초롬돋움" panose="020B0604000101010101" pitchFamily="50" charset="-127"/>
+                <a:ea typeface="함초롬돋움" panose="020B0604000101010101" pitchFamily="50" charset="-127"/>
+                <a:cs typeface="함초롬돋움" panose="020B0604000101010101" pitchFamily="50" charset="-127"/>
+              </a:rPr>
+              <a:t>모든 </a:t>
+            </a:r>
+            <a:r>
               <a:rPr lang="en-US" altLang="ko-KR" dirty="0" smtClean="0">
                 <a:latin typeface="함초롬돋움" panose="020B0604000101010101" pitchFamily="50" charset="-127"/>
                 <a:ea typeface="함초롬돋움" panose="020B0604000101010101" pitchFamily="50" charset="-127"/>
                 <a:cs typeface="함초롬돋움" panose="020B0604000101010101" pitchFamily="50" charset="-127"/>
               </a:rPr>
-              <a:t>Behavior</a:t>
+              <a:t>Region</a:t>
             </a:r>
             <a:r>
               <a:rPr lang="ko-KR" altLang="en-US" dirty="0" smtClean="0">
@@ -7731,7 +6834,15 @@
                 <a:ea typeface="함초롬돋움" panose="020B0604000101010101" pitchFamily="50" charset="-127"/>
                 <a:cs typeface="함초롬돋움" panose="020B0604000101010101" pitchFamily="50" charset="-127"/>
               </a:rPr>
-              <a:t>를 적용시키는 방법</a:t>
+              <a:t>에 </a:t>
+            </a:r>
+            <a:r>
+              <a:rPr lang="ko-KR" altLang="en-US" dirty="0" smtClean="0">
+                <a:latin typeface="함초롬돋움" panose="020B0604000101010101" pitchFamily="50" charset="-127"/>
+                <a:ea typeface="함초롬돋움" panose="020B0604000101010101" pitchFamily="50" charset="-127"/>
+                <a:cs typeface="함초롬돋움" panose="020B0604000101010101" pitchFamily="50" charset="-127"/>
+              </a:rPr>
+              <a:t>적용</a:t>
             </a:r>
             <a:endParaRPr lang="en-US" altLang="ko-KR" dirty="0" smtClean="0">
               <a:latin typeface="함초롬돋움" panose="020B0604000101010101" pitchFamily="50" charset="-127"/>
@@ -7740,119 +6851,7 @@
             </a:endParaRPr>
           </a:p>
           <a:p>
-            <a:pPr lvl="1" eaLnBrk="0" fontAlgn="base" latinLnBrk="0" hangingPunct="0">
-              <a:lnSpc>
-                <a:spcPct val="100000"/>
-              </a:lnSpc>
-              <a:spcBef>
-                <a:spcPct val="0"/>
-              </a:spcBef>
-              <a:spcAft>
-                <a:spcPct val="0"/>
-              </a:spcAft>
-            </a:pPr>
-            <a:r>
-              <a:rPr lang="ko-KR" altLang="en-US" dirty="0" smtClean="0">
-                <a:latin typeface="함초롬돋움" panose="020B0604000101010101" pitchFamily="50" charset="-127"/>
-                <a:ea typeface="함초롬돋움" panose="020B0604000101010101" pitchFamily="50" charset="-127"/>
-                <a:cs typeface="함초롬돋움" panose="020B0604000101010101" pitchFamily="50" charset="-127"/>
-              </a:rPr>
-              <a:t>모든 </a:t>
-            </a:r>
-            <a:r>
-              <a:rPr lang="en-US" altLang="ko-KR" dirty="0" smtClean="0">
-                <a:latin typeface="함초롬돋움" panose="020B0604000101010101" pitchFamily="50" charset="-127"/>
-                <a:ea typeface="함초롬돋움" panose="020B0604000101010101" pitchFamily="50" charset="-127"/>
-                <a:cs typeface="함초롬돋움" panose="020B0604000101010101" pitchFamily="50" charset="-127"/>
-              </a:rPr>
-              <a:t>Region</a:t>
-            </a:r>
-            <a:r>
-              <a:rPr lang="ko-KR" altLang="en-US" dirty="0" smtClean="0">
-                <a:latin typeface="함초롬돋움" panose="020B0604000101010101" pitchFamily="50" charset="-127"/>
-                <a:ea typeface="함초롬돋움" panose="020B0604000101010101" pitchFamily="50" charset="-127"/>
-                <a:cs typeface="함초롬돋움" panose="020B0604000101010101" pitchFamily="50" charset="-127"/>
-              </a:rPr>
-              <a:t>에 대해 </a:t>
-            </a:r>
-            <a:r>
-              <a:rPr lang="en-US" altLang="ko-KR" dirty="0" smtClean="0">
-                <a:latin typeface="함초롬돋움" panose="020B0604000101010101" pitchFamily="50" charset="-127"/>
-                <a:ea typeface="함초롬돋움" panose="020B0604000101010101" pitchFamily="50" charset="-127"/>
-                <a:cs typeface="함초롬돋움" panose="020B0604000101010101" pitchFamily="50" charset="-127"/>
-              </a:rPr>
-              <a:t>Region Behavior</a:t>
-            </a:r>
-            <a:r>
-              <a:rPr lang="ko-KR" altLang="en-US" dirty="0" smtClean="0">
-                <a:latin typeface="함초롬돋움" panose="020B0604000101010101" pitchFamily="50" charset="-127"/>
-                <a:ea typeface="함초롬돋움" panose="020B0604000101010101" pitchFamily="50" charset="-127"/>
-                <a:cs typeface="함초롬돋움" panose="020B0604000101010101" pitchFamily="50" charset="-127"/>
-              </a:rPr>
-              <a:t> 적용</a:t>
-            </a:r>
-            <a:endParaRPr lang="en-US" altLang="ko-KR" dirty="0" smtClean="0"/>
-          </a:p>
-          <a:p>
-            <a:pPr lvl="1" eaLnBrk="0" fontAlgn="base" latinLnBrk="0" hangingPunct="0">
-              <a:lnSpc>
-                <a:spcPct val="100000"/>
-              </a:lnSpc>
-              <a:spcBef>
-                <a:spcPct val="0"/>
-              </a:spcBef>
-              <a:spcAft>
-                <a:spcPct val="0"/>
-              </a:spcAft>
-            </a:pPr>
-            <a:r>
-              <a:rPr lang="ko-KR" altLang="en-US" dirty="0" smtClean="0">
-                <a:latin typeface="함초롬돋움" panose="020B0604000101010101" pitchFamily="50" charset="-127"/>
-                <a:ea typeface="함초롬돋움" panose="020B0604000101010101" pitchFamily="50" charset="-127"/>
-                <a:cs typeface="함초롬돋움" panose="020B0604000101010101" pitchFamily="50" charset="-127"/>
-              </a:rPr>
-              <a:t>하나의 </a:t>
-            </a:r>
-            <a:r>
-              <a:rPr lang="en-US" altLang="ko-KR" dirty="0" smtClean="0">
-                <a:latin typeface="함초롬돋움" panose="020B0604000101010101" pitchFamily="50" charset="-127"/>
-                <a:ea typeface="함초롬돋움" panose="020B0604000101010101" pitchFamily="50" charset="-127"/>
-                <a:cs typeface="함초롬돋움" panose="020B0604000101010101" pitchFamily="50" charset="-127"/>
-              </a:rPr>
-              <a:t>Region</a:t>
-            </a:r>
-            <a:r>
-              <a:rPr lang="ko-KR" altLang="en-US" dirty="0" smtClean="0">
-                <a:latin typeface="함초롬돋움" panose="020B0604000101010101" pitchFamily="50" charset="-127"/>
-                <a:ea typeface="함초롬돋움" panose="020B0604000101010101" pitchFamily="50" charset="-127"/>
-                <a:cs typeface="함초롬돋움" panose="020B0604000101010101" pitchFamily="50" charset="-127"/>
-              </a:rPr>
-              <a:t>에 대해 </a:t>
-            </a:r>
-            <a:r>
-              <a:rPr lang="en-US" altLang="ko-KR" dirty="0" smtClean="0">
-                <a:latin typeface="함초롬돋움" panose="020B0604000101010101" pitchFamily="50" charset="-127"/>
-                <a:ea typeface="함초롬돋움" panose="020B0604000101010101" pitchFamily="50" charset="-127"/>
-                <a:cs typeface="함초롬돋움" panose="020B0604000101010101" pitchFamily="50" charset="-127"/>
-              </a:rPr>
-              <a:t>Region Behavior </a:t>
-            </a:r>
-            <a:r>
-              <a:rPr lang="ko-KR" altLang="en-US" dirty="0" smtClean="0">
-                <a:latin typeface="함초롬돋움" panose="020B0604000101010101" pitchFamily="50" charset="-127"/>
-                <a:ea typeface="함초롬돋움" panose="020B0604000101010101" pitchFamily="50" charset="-127"/>
-                <a:cs typeface="함초롬돋움" panose="020B0604000101010101" pitchFamily="50" charset="-127"/>
-              </a:rPr>
-              <a:t>적용</a:t>
-            </a:r>
-            <a:endParaRPr lang="en-US" altLang="ko-KR" dirty="0" smtClean="0">
-              <a:latin typeface="함초롬돋움" panose="020B0604000101010101" pitchFamily="50" charset="-127"/>
-              <a:ea typeface="함초롬돋움" panose="020B0604000101010101" pitchFamily="50" charset="-127"/>
-              <a:cs typeface="함초롬돋움" panose="020B0604000101010101" pitchFamily="50" charset="-127"/>
-            </a:endParaRPr>
-          </a:p>
-          <a:p>
-            <a:pPr lvl="1" eaLnBrk="0" fontAlgn="base" latinLnBrk="0" hangingPunct="0">
+            <a:pPr eaLnBrk="0" fontAlgn="base" latinLnBrk="0" hangingPunct="0">
               <a:lnSpc>
                 <a:spcPct val="100000"/>
               </a:lnSpc>
@@ -7882,242 +6881,26 @@
               </a:spcAft>
             </a:pPr>
             <a:r>
-              <a:rPr lang="ko-KR" altLang="en-US" dirty="0">
-                <a:latin typeface="함초롬돋움" panose="020B0604000101010101" pitchFamily="50" charset="-127"/>
-                <a:ea typeface="함초롬돋움" panose="020B0604000101010101" pitchFamily="50" charset="-127"/>
-                <a:cs typeface="함초롬돋움" panose="020B0604000101010101" pitchFamily="50" charset="-127"/>
-              </a:rPr>
-              <a:t>모든 </a:t>
-            </a:r>
-            <a:r>
-              <a:rPr lang="en-US" altLang="ko-KR" dirty="0">
-                <a:latin typeface="함초롬돋움" panose="020B0604000101010101" pitchFamily="50" charset="-127"/>
-                <a:ea typeface="함초롬돋움" panose="020B0604000101010101" pitchFamily="50" charset="-127"/>
-                <a:cs typeface="함초롬돋움" panose="020B0604000101010101" pitchFamily="50" charset="-127"/>
-              </a:rPr>
-              <a:t>Region</a:t>
-            </a:r>
-            <a:r>
-              <a:rPr lang="ko-KR" altLang="en-US" dirty="0">
-                <a:latin typeface="함초롬돋움" panose="020B0604000101010101" pitchFamily="50" charset="-127"/>
-                <a:ea typeface="함초롬돋움" panose="020B0604000101010101" pitchFamily="50" charset="-127"/>
-                <a:cs typeface="함초롬돋움" panose="020B0604000101010101" pitchFamily="50" charset="-127"/>
-              </a:rPr>
-              <a:t>에 대해 </a:t>
-            </a:r>
-            <a:r>
-              <a:rPr lang="en-US" altLang="ko-KR" dirty="0">
-                <a:latin typeface="함초롬돋움" panose="020B0604000101010101" pitchFamily="50" charset="-127"/>
-                <a:ea typeface="함초롬돋움" panose="020B0604000101010101" pitchFamily="50" charset="-127"/>
-                <a:cs typeface="함초롬돋움" panose="020B0604000101010101" pitchFamily="50" charset="-127"/>
-              </a:rPr>
-              <a:t>Region Behavior</a:t>
-            </a:r>
-            <a:r>
-              <a:rPr lang="ko-KR" altLang="en-US" dirty="0">
-                <a:latin typeface="함초롬돋움" panose="020B0604000101010101" pitchFamily="50" charset="-127"/>
-                <a:ea typeface="함초롬돋움" panose="020B0604000101010101" pitchFamily="50" charset="-127"/>
-                <a:cs typeface="함초롬돋움" panose="020B0604000101010101" pitchFamily="50" charset="-127"/>
-              </a:rPr>
-              <a:t> 적용</a:t>
-            </a:r>
-            <a:endParaRPr lang="en-US" altLang="ko-KR" dirty="0"/>
-          </a:p>
-          <a:p>
-            <a:pPr lvl="1" eaLnBrk="0" fontAlgn="base" latinLnBrk="0" hangingPunct="0">
-              <a:lnSpc>
-                <a:spcPct val="100000"/>
-              </a:lnSpc>
-              <a:spcBef>
-                <a:spcPct val="0"/>
-              </a:spcBef>
-              <a:spcAft>
-                <a:spcPct val="0"/>
-              </a:spcAft>
-            </a:pPr>
-            <a:r>
-              <a:rPr lang="en-US" altLang="ko-KR" dirty="0" err="1" smtClean="0">
-                <a:latin typeface="함초롬돋움" panose="020B0604000101010101" pitchFamily="50" charset="-127"/>
-                <a:ea typeface="함초롬돋움" panose="020B0604000101010101" pitchFamily="50" charset="-127"/>
-                <a:cs typeface="함초롬돋움" panose="020B0604000101010101" pitchFamily="50" charset="-127"/>
-              </a:rPr>
-              <a:t>Bootstrapper</a:t>
-            </a:r>
-            <a:r>
-              <a:rPr lang="ko-KR" altLang="en-US" dirty="0" smtClean="0">
-                <a:latin typeface="함초롬돋움" panose="020B0604000101010101" pitchFamily="50" charset="-127"/>
-                <a:ea typeface="함초롬돋움" panose="020B0604000101010101" pitchFamily="50" charset="-127"/>
-                <a:cs typeface="함초롬돋움" panose="020B0604000101010101" pitchFamily="50" charset="-127"/>
-              </a:rPr>
-              <a:t>에서 </a:t>
-            </a:r>
-            <a:r>
-              <a:rPr lang="en-US" altLang="ko-KR" dirty="0" err="1" smtClean="0"/>
-              <a:t>ConfigureDefaultRegionBehaviors</a:t>
-            </a:r>
-            <a:r>
               <a:rPr lang="ko-KR" altLang="en-US" dirty="0" smtClean="0"/>
-              <a:t> </a:t>
-            </a:r>
-            <a:r>
-              <a:rPr lang="ko-KR" altLang="en-US" dirty="0" err="1" smtClean="0"/>
-              <a:t>메소드</a:t>
+              <a:t>특정 컨트롤의 </a:t>
+            </a:r>
+            <a:r>
+              <a:rPr lang="en-US" altLang="ko-KR" dirty="0" smtClean="0"/>
+              <a:t>Regi</a:t>
+            </a:r>
+            <a:r>
+              <a:rPr lang="en-US" altLang="ko-KR" dirty="0" smtClean="0"/>
+              <a:t>on</a:t>
             </a:r>
             <a:r>
               <a:rPr lang="ko-KR" altLang="en-US" dirty="0" smtClean="0"/>
-              <a:t> 재정의</a:t>
+              <a:t>에 </a:t>
+            </a:r>
+            <a:r>
+              <a:rPr lang="ko-KR" altLang="en-US" dirty="0" smtClean="0"/>
+              <a:t>적용</a:t>
             </a:r>
             <a:endParaRPr lang="en-US" altLang="ko-KR" dirty="0" smtClean="0"/>
-          </a:p>
-          <a:p>
-            <a:pPr lvl="1" eaLnBrk="0" fontAlgn="base" latinLnBrk="0" hangingPunct="0">
-              <a:lnSpc>
-                <a:spcPct val="100000"/>
-              </a:lnSpc>
-              <a:spcBef>
-                <a:spcPct val="0"/>
-              </a:spcBef>
-              <a:spcAft>
-                <a:spcPct val="0"/>
-              </a:spcAft>
-            </a:pPr>
-            <a:endParaRPr lang="en-US" altLang="ko-KR" dirty="0">
-              <a:latin typeface="함초롬돋움" panose="020B0604000101010101" pitchFamily="50" charset="-127"/>
-              <a:ea typeface="함초롬돋움" panose="020B0604000101010101" pitchFamily="50" charset="-127"/>
-              <a:cs typeface="함초롬돋움" panose="020B0604000101010101" pitchFamily="50" charset="-127"/>
-            </a:endParaRPr>
-          </a:p>
-          <a:p>
-            <a:pPr eaLnBrk="0" fontAlgn="base" latinLnBrk="0" hangingPunct="0">
-              <a:lnSpc>
-                <a:spcPct val="100000"/>
-              </a:lnSpc>
-              <a:spcBef>
-                <a:spcPct val="0"/>
-              </a:spcBef>
-              <a:spcAft>
-                <a:spcPct val="0"/>
-              </a:spcAft>
-            </a:pPr>
-            <a:r>
-              <a:rPr lang="ko-KR" altLang="en-US" dirty="0">
-                <a:latin typeface="함초롬돋움" panose="020B0604000101010101" pitchFamily="50" charset="-127"/>
-                <a:ea typeface="함초롬돋움" panose="020B0604000101010101" pitchFamily="50" charset="-127"/>
-                <a:cs typeface="함초롬돋움" panose="020B0604000101010101" pitchFamily="50" charset="-127"/>
-              </a:rPr>
-              <a:t>하나의 </a:t>
-            </a:r>
-            <a:r>
-              <a:rPr lang="en-US" altLang="ko-KR" dirty="0">
-                <a:latin typeface="함초롬돋움" panose="020B0604000101010101" pitchFamily="50" charset="-127"/>
-                <a:ea typeface="함초롬돋움" panose="020B0604000101010101" pitchFamily="50" charset="-127"/>
-                <a:cs typeface="함초롬돋움" panose="020B0604000101010101" pitchFamily="50" charset="-127"/>
-              </a:rPr>
-              <a:t>Region</a:t>
-            </a:r>
-            <a:r>
-              <a:rPr lang="ko-KR" altLang="en-US" dirty="0">
-                <a:latin typeface="함초롬돋움" panose="020B0604000101010101" pitchFamily="50" charset="-127"/>
-                <a:ea typeface="함초롬돋움" panose="020B0604000101010101" pitchFamily="50" charset="-127"/>
-                <a:cs typeface="함초롬돋움" panose="020B0604000101010101" pitchFamily="50" charset="-127"/>
-              </a:rPr>
-              <a:t>에 대해 </a:t>
-            </a:r>
-            <a:r>
-              <a:rPr lang="en-US" altLang="ko-KR" dirty="0">
-                <a:latin typeface="함초롬돋움" panose="020B0604000101010101" pitchFamily="50" charset="-127"/>
-                <a:ea typeface="함초롬돋움" panose="020B0604000101010101" pitchFamily="50" charset="-127"/>
-                <a:cs typeface="함초롬돋움" panose="020B0604000101010101" pitchFamily="50" charset="-127"/>
-              </a:rPr>
-              <a:t>Region Behavior </a:t>
-            </a:r>
-            <a:r>
-              <a:rPr lang="ko-KR" altLang="en-US" dirty="0">
-                <a:latin typeface="함초롬돋움" panose="020B0604000101010101" pitchFamily="50" charset="-127"/>
-                <a:ea typeface="함초롬돋움" panose="020B0604000101010101" pitchFamily="50" charset="-127"/>
-                <a:cs typeface="함초롬돋움" panose="020B0604000101010101" pitchFamily="50" charset="-127"/>
-              </a:rPr>
-              <a:t>적용</a:t>
-            </a:r>
-            <a:endParaRPr lang="en-US" altLang="ko-KR" dirty="0">
-              <a:latin typeface="함초롬돋움" panose="020B0604000101010101" pitchFamily="50" charset="-127"/>
-              <a:ea typeface="함초롬돋움" panose="020B0604000101010101" pitchFamily="50" charset="-127"/>
-              <a:cs typeface="함초롬돋움" panose="020B0604000101010101" pitchFamily="50" charset="-127"/>
-            </a:endParaRPr>
-          </a:p>
-          <a:p>
-            <a:pPr lvl="1" eaLnBrk="0" fontAlgn="base" latinLnBrk="0" hangingPunct="0">
-              <a:lnSpc>
-                <a:spcPct val="100000"/>
-              </a:lnSpc>
-              <a:spcBef>
-                <a:spcPct val="0"/>
-              </a:spcBef>
-              <a:spcAft>
-                <a:spcPct val="0"/>
-              </a:spcAft>
-            </a:pPr>
-            <a:r>
-              <a:rPr lang="ko-KR" altLang="en-US" dirty="0" err="1" smtClean="0">
-                <a:latin typeface="함초롬돋움" panose="020B0604000101010101" pitchFamily="50" charset="-127"/>
-                <a:ea typeface="함초롬돋움" panose="020B0604000101010101" pitchFamily="50" charset="-127"/>
-                <a:cs typeface="함초롬돋움" panose="020B0604000101010101" pitchFamily="50" charset="-127"/>
-              </a:rPr>
-              <a:t>커스텀</a:t>
-            </a:r>
-            <a:r>
-              <a:rPr lang="ko-KR" altLang="en-US" dirty="0" smtClean="0">
-                <a:latin typeface="함초롬돋움" panose="020B0604000101010101" pitchFamily="50" charset="-127"/>
-                <a:ea typeface="함초롬돋움" panose="020B0604000101010101" pitchFamily="50" charset="-127"/>
-                <a:cs typeface="함초롬돋움" panose="020B0604000101010101" pitchFamily="50" charset="-127"/>
-              </a:rPr>
-              <a:t> </a:t>
-            </a:r>
-            <a:r>
-              <a:rPr lang="en-US" altLang="ko-KR" dirty="0" err="1" smtClean="0">
-                <a:latin typeface="함초롬돋움" panose="020B0604000101010101" pitchFamily="50" charset="-127"/>
-                <a:ea typeface="함초롬돋움" panose="020B0604000101010101" pitchFamily="50" charset="-127"/>
-                <a:cs typeface="함초롬돋움" panose="020B0604000101010101" pitchFamily="50" charset="-127"/>
-              </a:rPr>
-              <a:t>RegionAdapter</a:t>
-            </a:r>
-            <a:r>
-              <a:rPr lang="ko-KR" altLang="en-US" dirty="0" smtClean="0">
-                <a:latin typeface="함초롬돋움" panose="020B0604000101010101" pitchFamily="50" charset="-127"/>
-                <a:ea typeface="함초롬돋움" panose="020B0604000101010101" pitchFamily="50" charset="-127"/>
-                <a:cs typeface="함초롬돋움" panose="020B0604000101010101" pitchFamily="50" charset="-127"/>
-              </a:rPr>
-              <a:t>에서 </a:t>
-            </a:r>
-            <a:r>
-              <a:rPr lang="en-US" altLang="ko-KR" dirty="0" err="1" smtClean="0"/>
-              <a:t>AttachBehaviors</a:t>
-            </a:r>
-            <a:r>
-              <a:rPr lang="en-US" altLang="ko-KR" dirty="0" smtClean="0"/>
-              <a:t> </a:t>
-            </a:r>
-            <a:r>
-              <a:rPr lang="ko-KR" altLang="en-US" dirty="0" err="1" smtClean="0">
-                <a:latin typeface="함초롬돋움" panose="020B0604000101010101" pitchFamily="50" charset="-127"/>
-                <a:ea typeface="함초롬돋움" panose="020B0604000101010101" pitchFamily="50" charset="-127"/>
-                <a:cs typeface="함초롬돋움" panose="020B0604000101010101" pitchFamily="50" charset="-127"/>
-              </a:rPr>
-              <a:t>메소드</a:t>
-            </a:r>
-            <a:r>
-              <a:rPr lang="ko-KR" altLang="en-US" dirty="0" smtClean="0">
-                <a:latin typeface="함초롬돋움" panose="020B0604000101010101" pitchFamily="50" charset="-127"/>
-                <a:ea typeface="함초롬돋움" panose="020B0604000101010101" pitchFamily="50" charset="-127"/>
-                <a:cs typeface="함초롬돋움" panose="020B0604000101010101" pitchFamily="50" charset="-127"/>
-              </a:rPr>
-              <a:t> 재정의</a:t>
-            </a:r>
-            <a:endParaRPr lang="en-US" altLang="ko-KR" dirty="0" smtClean="0">
-              <a:latin typeface="함초롬돋움" panose="020B0604000101010101" pitchFamily="50" charset="-127"/>
-              <a:ea typeface="함초롬돋움" panose="020B0604000101010101" pitchFamily="50" charset="-127"/>
-              <a:cs typeface="함초롬돋움" panose="020B0604000101010101" pitchFamily="50" charset="-127"/>
-            </a:endParaRPr>
           </a:p>
         </p:txBody>
       </p:sp>
@@ -8200,12 +6983,36 @@
           </a:lstStyle>
           <a:p>
             <a:r>
-              <a:rPr lang="en-US" altLang="ko-KR" dirty="0" err="1" smtClean="0">
-                <a:latin typeface="함초롬돋움" panose="020B0604000101010101" pitchFamily="50" charset="-127"/>
-                <a:ea typeface="함초롬돋움" panose="020B0604000101010101" pitchFamily="50" charset="-127"/>
-                <a:cs typeface="함초롬돋움" panose="020B0604000101010101" pitchFamily="50" charset="-127"/>
-              </a:rPr>
-              <a:t>RegionBehaviors</a:t>
+              <a:rPr lang="ko-KR" altLang="en-US" dirty="0" smtClean="0">
+                <a:latin typeface="함초롬돋움" panose="020B0604000101010101" pitchFamily="50" charset="-127"/>
+                <a:ea typeface="함초롬돋움" panose="020B0604000101010101" pitchFamily="50" charset="-127"/>
+                <a:cs typeface="함초롬돋움" panose="020B0604000101010101" pitchFamily="50" charset="-127"/>
+              </a:rPr>
+              <a:t>모든 </a:t>
+            </a:r>
+            <a:r>
+              <a:rPr lang="en-US" altLang="ko-KR" dirty="0" smtClean="0">
+                <a:latin typeface="함초롬돋움" panose="020B0604000101010101" pitchFamily="50" charset="-127"/>
+                <a:ea typeface="함초롬돋움" panose="020B0604000101010101" pitchFamily="50" charset="-127"/>
+                <a:cs typeface="함초롬돋움" panose="020B0604000101010101" pitchFamily="50" charset="-127"/>
+              </a:rPr>
+              <a:t>Region</a:t>
+            </a:r>
+            <a:r>
+              <a:rPr lang="ko-KR" altLang="en-US" dirty="0" smtClean="0">
+                <a:latin typeface="함초롬돋움" panose="020B0604000101010101" pitchFamily="50" charset="-127"/>
+                <a:ea typeface="함초롬돋움" panose="020B0604000101010101" pitchFamily="50" charset="-127"/>
+                <a:cs typeface="함초롬돋움" panose="020B0604000101010101" pitchFamily="50" charset="-127"/>
+              </a:rPr>
+              <a:t>에 </a:t>
+            </a:r>
+            <a:r>
+              <a:rPr lang="ko-KR" altLang="en-US" dirty="0" smtClean="0">
+                <a:latin typeface="함초롬돋움" panose="020B0604000101010101" pitchFamily="50" charset="-127"/>
+                <a:ea typeface="함초롬돋움" panose="020B0604000101010101" pitchFamily="50" charset="-127"/>
+                <a:cs typeface="함초롬돋움" panose="020B0604000101010101" pitchFamily="50" charset="-127"/>
+              </a:rPr>
+              <a:t>적용</a:t>
             </a:r>
             <a:endParaRPr lang="ko-KR" altLang="en-US" dirty="0">
               <a:latin typeface="함초롬돋움" panose="020B0604000101010101" pitchFamily="50" charset="-127"/>
@@ -8215,9 +7022,73 @@
           </a:p>
         </p:txBody>
       </p:sp>
+      <p:sp>
+        <p:nvSpPr>
+          <p:cNvPr id="10" name="내용 개체 틀 2"/>
+          <p:cNvSpPr>
+            <a:spLocks noGrp="1"/>
+          </p:cNvSpPr>
+          <p:nvPr>
+            <p:ph idx="1"/>
+          </p:nvPr>
+        </p:nvSpPr>
+        <p:spPr/>
+        <p:txBody>
+          <a:bodyPr>
+            <a:noAutofit/>
+          </a:bodyPr>
+          <a:lstStyle/>
+          <a:p>
+            <a:pPr eaLnBrk="0" fontAlgn="base" latinLnBrk="0" hangingPunct="0">
+              <a:lnSpc>
+                <a:spcPct val="100000"/>
+              </a:lnSpc>
+              <a:spcBef>
+                <a:spcPct val="0"/>
+              </a:spcBef>
+              <a:spcAft>
+                <a:spcPct val="0"/>
+              </a:spcAft>
+            </a:pPr>
+            <a:r>
+              <a:rPr lang="en-US" altLang="ko-KR" dirty="0" err="1" smtClean="0">
+                <a:latin typeface="함초롬돋움" panose="020B0604000101010101" pitchFamily="50" charset="-127"/>
+                <a:ea typeface="함초롬돋움" panose="020B0604000101010101" pitchFamily="50" charset="-127"/>
+                <a:cs typeface="함초롬돋움" panose="020B0604000101010101" pitchFamily="50" charset="-127"/>
+              </a:rPr>
+              <a:t>Bootstrapper</a:t>
+            </a:r>
+            <a:r>
+              <a:rPr lang="ko-KR" altLang="en-US" dirty="0" smtClean="0">
+                <a:latin typeface="함초롬돋움" panose="020B0604000101010101" pitchFamily="50" charset="-127"/>
+                <a:ea typeface="함초롬돋움" panose="020B0604000101010101" pitchFamily="50" charset="-127"/>
+                <a:cs typeface="함초롬돋움" panose="020B0604000101010101" pitchFamily="50" charset="-127"/>
+              </a:rPr>
+              <a:t>에 </a:t>
+            </a:r>
+            <a:r>
+              <a:rPr lang="en-US" altLang="ko-KR" dirty="0" err="1" smtClean="0"/>
+              <a:t>ConfigureDefaultRegionBehaviors</a:t>
+            </a:r>
+            <a:r>
+              <a:rPr lang="ko-KR" altLang="en-US" dirty="0"/>
+              <a:t> </a:t>
+            </a:r>
+            <a:r>
+              <a:rPr lang="ko-KR" altLang="en-US" dirty="0" smtClean="0"/>
+              <a:t>메서드 재정의</a:t>
+            </a:r>
+            <a:endParaRPr lang="en-US" altLang="ko-KR" dirty="0" smtClean="0">
+              <a:latin typeface="함초롬돋움" panose="020B0604000101010101" pitchFamily="50" charset="-127"/>
+              <a:ea typeface="함초롬돋움" panose="020B0604000101010101" pitchFamily="50" charset="-127"/>
+              <a:cs typeface="함초롬돋움" panose="020B0604000101010101" pitchFamily="50" charset="-127"/>
+            </a:endParaRPr>
+          </a:p>
+        </p:txBody>
+      </p:sp>
       <p:pic>
         <p:nvPicPr>
-          <p:cNvPr id="2" name="그림 1"/>
+          <p:cNvPr id="3" name="그림 2"/>
           <p:cNvPicPr>
             <a:picLocks noChangeAspect="1"/>
           </p:cNvPicPr>
@@ -8231,8 +7102,8 @@
         </p:blipFill>
         <p:spPr>
           <a:xfrm>
-            <a:off x="2241666" y="2808565"/>
-            <a:ext cx="7924800" cy="2543175"/>
+            <a:off x="1057055" y="3786189"/>
+            <a:ext cx="10077890" cy="1800222"/>
           </a:xfrm>
           <a:prstGeom prst="rect">
             <a:avLst/>
@@ -8242,7 +7113,7 @@
     </p:spTree>
     <p:extLst>
       <p:ext uri="{BB962C8B-B14F-4D97-AF65-F5344CB8AC3E}">
-        <p14:creationId xmlns:p14="http://schemas.microsoft.com/office/powerpoint/2010/main" val="2485013307"/>
+        <p14:creationId xmlns:p14="http://schemas.microsoft.com/office/powerpoint/2010/main" val="2324920636"/>
       </p:ext>
     </p:extLst>
   </p:cSld>
@@ -8318,12 +7189,36 @@
           </a:lstStyle>
           <a:p>
             <a:r>
-              <a:rPr lang="en-US" altLang="ko-KR" dirty="0" err="1" smtClean="0">
-                <a:latin typeface="함초롬돋움" panose="020B0604000101010101" pitchFamily="50" charset="-127"/>
-                <a:ea typeface="함초롬돋움" panose="020B0604000101010101" pitchFamily="50" charset="-127"/>
-                <a:cs typeface="함초롬돋움" panose="020B0604000101010101" pitchFamily="50" charset="-127"/>
-              </a:rPr>
-              <a:t>RegionBehaviors</a:t>
+              <a:rPr lang="ko-KR" altLang="en-US" dirty="0" smtClean="0">
+                <a:latin typeface="함초롬돋움" panose="020B0604000101010101" pitchFamily="50" charset="-127"/>
+                <a:ea typeface="함초롬돋움" panose="020B0604000101010101" pitchFamily="50" charset="-127"/>
+                <a:cs typeface="함초롬돋움" panose="020B0604000101010101" pitchFamily="50" charset="-127"/>
+              </a:rPr>
+              <a:t>특정 컨트롤의 </a:t>
+            </a:r>
+            <a:r>
+              <a:rPr lang="en-US" altLang="ko-KR" dirty="0" smtClean="0">
+                <a:latin typeface="함초롬돋움" panose="020B0604000101010101" pitchFamily="50" charset="-127"/>
+                <a:ea typeface="함초롬돋움" panose="020B0604000101010101" pitchFamily="50" charset="-127"/>
+                <a:cs typeface="함초롬돋움" panose="020B0604000101010101" pitchFamily="50" charset="-127"/>
+              </a:rPr>
+              <a:t>Region</a:t>
+            </a:r>
+            <a:r>
+              <a:rPr lang="ko-KR" altLang="en-US" dirty="0" smtClean="0">
+                <a:latin typeface="함초롬돋움" panose="020B0604000101010101" pitchFamily="50" charset="-127"/>
+                <a:ea typeface="함초롬돋움" panose="020B0604000101010101" pitchFamily="50" charset="-127"/>
+                <a:cs typeface="함초롬돋움" panose="020B0604000101010101" pitchFamily="50" charset="-127"/>
+              </a:rPr>
+              <a:t>에 </a:t>
+            </a:r>
+            <a:r>
+              <a:rPr lang="ko-KR" altLang="en-US" dirty="0" smtClean="0">
+                <a:latin typeface="함초롬돋움" panose="020B0604000101010101" pitchFamily="50" charset="-127"/>
+                <a:ea typeface="함초롬돋움" panose="020B0604000101010101" pitchFamily="50" charset="-127"/>
+                <a:cs typeface="함초롬돋움" panose="020B0604000101010101" pitchFamily="50" charset="-127"/>
+              </a:rPr>
+              <a:t>적용</a:t>
             </a:r>
             <a:endParaRPr lang="ko-KR" altLang="en-US" dirty="0">
               <a:latin typeface="함초롬돋움" panose="020B0604000101010101" pitchFamily="50" charset="-127"/>
@@ -8333,164 +7228,164 @@
           </a:p>
         </p:txBody>
       </p:sp>
-      <p:grpSp>
-        <p:nvGrpSpPr>
-          <p:cNvPr id="11" name="그룹 10"/>
-          <p:cNvGrpSpPr/>
+      <p:sp>
+        <p:nvSpPr>
+          <p:cNvPr id="10" name="내용 개체 틀 2"/>
+          <p:cNvSpPr>
+            <a:spLocks noGrp="1"/>
+          </p:cNvSpPr>
+          <p:nvPr>
+            <p:ph idx="1"/>
+          </p:nvPr>
+        </p:nvSpPr>
+        <p:spPr/>
+        <p:txBody>
+          <a:bodyPr>
+            <a:noAutofit/>
+          </a:bodyPr>
+          <a:lstStyle/>
+          <a:p>
+            <a:pPr eaLnBrk="0" fontAlgn="base" latinLnBrk="0" hangingPunct="0">
+              <a:lnSpc>
+                <a:spcPct val="100000"/>
+              </a:lnSpc>
+              <a:spcBef>
+                <a:spcPct val="0"/>
+              </a:spcBef>
+              <a:spcAft>
+                <a:spcPct val="0"/>
+              </a:spcAft>
+            </a:pPr>
+            <a:r>
+              <a:rPr lang="ko-KR" altLang="en-US" dirty="0" smtClean="0">
+                <a:latin typeface="함초롬돋움" panose="020B0604000101010101" pitchFamily="50" charset="-127"/>
+                <a:ea typeface="함초롬돋움" panose="020B0604000101010101" pitchFamily="50" charset="-127"/>
+                <a:cs typeface="함초롬돋움" panose="020B0604000101010101" pitchFamily="50" charset="-127"/>
+              </a:rPr>
+              <a:t>해당 컨트롤에 </a:t>
+            </a:r>
+            <a:r>
+              <a:rPr lang="en-US" altLang="ko-KR" dirty="0" err="1" smtClean="0">
+                <a:latin typeface="함초롬돋움" panose="020B0604000101010101" pitchFamily="50" charset="-127"/>
+                <a:ea typeface="함초롬돋움" panose="020B0604000101010101" pitchFamily="50" charset="-127"/>
+                <a:cs typeface="함초롬돋움" panose="020B0604000101010101" pitchFamily="50" charset="-127"/>
+              </a:rPr>
+              <a:t>RegionAdapter</a:t>
+            </a:r>
+            <a:r>
+              <a:rPr lang="ko-KR" altLang="en-US" dirty="0" smtClean="0">
+                <a:latin typeface="함초롬돋움" panose="020B0604000101010101" pitchFamily="50" charset="-127"/>
+                <a:ea typeface="함초롬돋움" panose="020B0604000101010101" pitchFamily="50" charset="-127"/>
+                <a:cs typeface="함초롬돋움" panose="020B0604000101010101" pitchFamily="50" charset="-127"/>
+              </a:rPr>
+              <a:t>에 </a:t>
+            </a:r>
+            <a:r>
+              <a:rPr lang="en-US" altLang="ko-KR" dirty="0" err="1" smtClean="0">
+                <a:latin typeface="함초롬돋움" panose="020B0604000101010101" pitchFamily="50" charset="-127"/>
+                <a:ea typeface="함초롬돋움" panose="020B0604000101010101" pitchFamily="50" charset="-127"/>
+                <a:cs typeface="함초롬돋움" panose="020B0604000101010101" pitchFamily="50" charset="-127"/>
+              </a:rPr>
+              <a:t>AttachBaviors</a:t>
+            </a:r>
+            <a:r>
+              <a:rPr lang="en-US" altLang="ko-KR" dirty="0" smtClean="0">
+                <a:latin typeface="함초롬돋움" panose="020B0604000101010101" pitchFamily="50" charset="-127"/>
+                <a:ea typeface="함초롬돋움" panose="020B0604000101010101" pitchFamily="50" charset="-127"/>
+                <a:cs typeface="함초롬돋움" panose="020B0604000101010101" pitchFamily="50" charset="-127"/>
+              </a:rPr>
+              <a:t> </a:t>
+            </a:r>
+            <a:r>
+              <a:rPr lang="ko-KR" altLang="en-US" dirty="0" smtClean="0">
+                <a:latin typeface="함초롬돋움" panose="020B0604000101010101" pitchFamily="50" charset="-127"/>
+                <a:ea typeface="함초롬돋움" panose="020B0604000101010101" pitchFamily="50" charset="-127"/>
+                <a:cs typeface="함초롬돋움" panose="020B0604000101010101" pitchFamily="50" charset="-127"/>
+              </a:rPr>
+              <a:t>메서드를 재정의</a:t>
+            </a:r>
+            <a:endParaRPr lang="en-US" altLang="ko-KR" dirty="0" smtClean="0">
+              <a:latin typeface="함초롬돋움" panose="020B0604000101010101" pitchFamily="50" charset="-127"/>
+              <a:ea typeface="함초롬돋움" panose="020B0604000101010101" pitchFamily="50" charset="-127"/>
+              <a:cs typeface="함초롬돋움" panose="020B0604000101010101" pitchFamily="50" charset="-127"/>
+            </a:endParaRPr>
+          </a:p>
+        </p:txBody>
+      </p:sp>
+      <p:pic>
+        <p:nvPicPr>
+          <p:cNvPr id="4" name="그림 3"/>
+          <p:cNvPicPr>
+            <a:picLocks noChangeAspect="1"/>
+          </p:cNvPicPr>
           <p:nvPr/>
-        </p:nvGrpSpPr>
-        <p:grpSpPr>
+        </p:nvPicPr>
+        <p:blipFill>
+          <a:blip r:embed="rId2"/>
+          <a:stretch>
+            <a:fillRect/>
+          </a:stretch>
+        </p:blipFill>
+        <p:spPr>
           <a:xfrm>
-            <a:off x="428974" y="1962319"/>
-            <a:ext cx="5223682" cy="4563309"/>
-            <a:chOff x="428974" y="1962319"/>
-            <a:chExt cx="5223682" cy="4563309"/>
+            <a:off x="1446501" y="3429000"/>
+            <a:ext cx="9298998" cy="2486026"/>
           </a:xfrm>
-        </p:grpSpPr>
-        <p:pic>
-          <p:nvPicPr>
-            <p:cNvPr id="4" name="그림 3"/>
-            <p:cNvPicPr>
-              <a:picLocks noChangeAspect="1"/>
-            </p:cNvPicPr>
-            <p:nvPr/>
-          </p:nvPicPr>
-          <p:blipFill>
-            <a:blip r:embed="rId2"/>
-            <a:stretch>
-              <a:fillRect/>
-            </a:stretch>
-          </p:blipFill>
-          <p:spPr>
-            <a:xfrm>
-              <a:off x="428974" y="2389840"/>
-              <a:ext cx="5223682" cy="4135788"/>
-            </a:xfrm>
-            <a:prstGeom prst="rect">
-              <a:avLst/>
-            </a:prstGeom>
-          </p:spPr>
-        </p:pic>
-        <p:sp>
-          <p:nvSpPr>
-            <p:cNvPr id="5" name="TextBox 4"/>
-            <p:cNvSpPr txBox="1"/>
-            <p:nvPr/>
-          </p:nvSpPr>
-          <p:spPr>
-            <a:xfrm>
-              <a:off x="428974" y="1962319"/>
-              <a:ext cx="2987178" cy="348620"/>
-            </a:xfrm>
-            <a:prstGeom prst="rect">
-              <a:avLst/>
-            </a:prstGeom>
-            <a:noFill/>
-          </p:spPr>
-          <p:txBody>
-            <a:bodyPr wrap="none" rtlCol="0">
-              <a:spAutoFit/>
-            </a:bodyPr>
-            <a:lstStyle/>
-            <a:p>
-              <a:r>
-                <a:rPr lang="ko-KR" altLang="en-US" dirty="0" smtClean="0"/>
-                <a:t>모든 </a:t>
-              </a:r>
-              <a:r>
-                <a:rPr lang="en-US" altLang="ko-KR" dirty="0" smtClean="0"/>
-                <a:t>Region</a:t>
-              </a:r>
-              <a:r>
-                <a:rPr lang="ko-KR" altLang="en-US" dirty="0" smtClean="0"/>
-                <a:t>에 적용하는 방법</a:t>
-              </a:r>
-              <a:endParaRPr lang="ko-KR" altLang="en-US" dirty="0"/>
-            </a:p>
-          </p:txBody>
-        </p:sp>
-      </p:grpSp>
-      <p:grpSp>
-        <p:nvGrpSpPr>
-          <p:cNvPr id="12" name="그룹 11"/>
-          <p:cNvGrpSpPr/>
+          <a:prstGeom prst="rect">
+            <a:avLst/>
+          </a:prstGeom>
+        </p:spPr>
+      </p:pic>
+      <p:sp>
+        <p:nvSpPr>
+          <p:cNvPr id="5" name="TextBox 4"/>
+          <p:cNvSpPr txBox="1"/>
           <p:nvPr/>
-        </p:nvGrpSpPr>
-        <p:grpSpPr>
+        </p:nvSpPr>
+        <p:spPr>
           <a:xfrm>
-            <a:off x="6536982" y="1962319"/>
-            <a:ext cx="4779538" cy="4488357"/>
-            <a:chOff x="6536982" y="1962319"/>
-            <a:chExt cx="4779538" cy="4488357"/>
+            <a:off x="2614613" y="6315075"/>
+            <a:ext cx="9030036" cy="369332"/>
           </a:xfrm>
-        </p:grpSpPr>
-        <p:pic>
-          <p:nvPicPr>
-            <p:cNvPr id="8" name="그림 7"/>
-            <p:cNvPicPr>
-              <a:picLocks noChangeAspect="1"/>
-            </p:cNvPicPr>
-            <p:nvPr/>
-          </p:nvPicPr>
-          <p:blipFill>
-            <a:blip r:embed="rId3"/>
-            <a:stretch>
-              <a:fillRect/>
-            </a:stretch>
-          </p:blipFill>
-          <p:spPr>
-            <a:xfrm>
-              <a:off x="6536982" y="2310939"/>
-              <a:ext cx="4779538" cy="4139737"/>
-            </a:xfrm>
-            <a:prstGeom prst="rect">
-              <a:avLst/>
-            </a:prstGeom>
-          </p:spPr>
-        </p:pic>
-        <p:sp>
-          <p:nvSpPr>
-            <p:cNvPr id="9" name="TextBox 8"/>
-            <p:cNvSpPr txBox="1"/>
-            <p:nvPr/>
-          </p:nvSpPr>
-          <p:spPr>
-            <a:xfrm>
-              <a:off x="6536982" y="1962319"/>
-              <a:ext cx="3389069" cy="369332"/>
-            </a:xfrm>
-            <a:prstGeom prst="rect">
-              <a:avLst/>
-            </a:prstGeom>
-            <a:noFill/>
-          </p:spPr>
-          <p:txBody>
-            <a:bodyPr wrap="none" rtlCol="0">
-              <a:spAutoFit/>
-            </a:bodyPr>
-            <a:lstStyle/>
-            <a:p>
-              <a:r>
-                <a:rPr lang="ko-KR" altLang="en-US" smtClean="0"/>
-                <a:t>하나의 </a:t>
-              </a:r>
-              <a:r>
-                <a:rPr lang="en-US" altLang="ko-KR" dirty="0" smtClean="0"/>
-                <a:t>Region</a:t>
-              </a:r>
-              <a:r>
-                <a:rPr lang="ko-KR" altLang="en-US" dirty="0" smtClean="0"/>
-                <a:t>에 적용하는 방법</a:t>
-              </a:r>
-              <a:endParaRPr lang="ko-KR" altLang="en-US" dirty="0"/>
-            </a:p>
-          </p:txBody>
-        </p:sp>
-      </p:grpSp>
+          <a:prstGeom prst="rect">
+            <a:avLst/>
+          </a:prstGeom>
+          <a:noFill/>
+        </p:spPr>
+        <p:txBody>
+          <a:bodyPr wrap="none" rtlCol="0">
+            <a:spAutoFit/>
+          </a:bodyPr>
+          <a:lstStyle/>
+          <a:p>
+            <a:r>
+              <a:rPr lang="ko-KR" altLang="en-US" dirty="0" smtClean="0"/>
+              <a:t>출처 </a:t>
+            </a:r>
+            <a:r>
+              <a:rPr lang="en-US" altLang="ko-KR" dirty="0" smtClean="0"/>
+              <a:t>: </a:t>
+            </a:r>
+            <a:r>
+              <a:rPr lang="en-US" altLang="ko-KR" dirty="0" smtClean="0">
+                <a:hlinkClick r:id="rId3"/>
+              </a:rPr>
+              <a:t>http</a:t>
+            </a:r>
+            <a:r>
+              <a:rPr lang="en-US" altLang="ko-KR" dirty="0">
+                <a:hlinkClick r:id="rId3"/>
+              </a:rPr>
+              <a:t>://brianlagunas.com/xamdockmanager-prism-region-adapter-update-3/</a:t>
+            </a:r>
+            <a:endParaRPr lang="ko-KR" altLang="en-US" dirty="0"/>
+          </a:p>
+        </p:txBody>
+      </p:sp>
     </p:spTree>
     <p:extLst>
       <p:ext uri="{BB962C8B-B14F-4D97-AF65-F5344CB8AC3E}">
-        <p14:creationId xmlns:p14="http://schemas.microsoft.com/office/powerpoint/2010/main" val="3618634842"/>
+        <p14:creationId xmlns:p14="http://schemas.microsoft.com/office/powerpoint/2010/main" val="2728807304"/>
       </p:ext>
     </p:extLst>
   </p:cSld>
